--- a/BluePPT.pptx
+++ b/BluePPT.pptx
@@ -157,12 +157,26 @@
         </p14:section>
       </p14:sectionLst>
     </p:ext>
+    <p:ext uri="{EFAFB233-063F-42B5-8137-9DF3F51BA10A}">
+      <p15:sldGuideLst xmlns:p15="http://schemas.microsoft.com/office/powerpoint/2012/main">
+        <p15:guide id="1" orient="horz" pos="2160">
+          <p15:clr>
+            <a:srgbClr val="A4A3A4"/>
+          </p15:clr>
+        </p15:guide>
+        <p15:guide id="2" pos="2880">
+          <p15:clr>
+            <a:srgbClr val="A4A3A4"/>
+          </p15:clr>
+        </p15:guide>
+      </p15:sldGuideLst>
+    </p:ext>
   </p:extLst>
 </p:presentation>
 </file>
 
 <file path=ppt/charts/chart1.xml><?xml version="1.0" encoding="utf-8"?>
-<c:chartSpace xmlns:c="http://schemas.openxmlformats.org/drawingml/2006/chart" xmlns:a="http://schemas.openxmlformats.org/drawingml/2006/main" xmlns:r="http://schemas.openxmlformats.org/officeDocument/2006/relationships">
+<c:chartSpace xmlns:c="http://schemas.openxmlformats.org/drawingml/2006/chart" xmlns:a="http://schemas.openxmlformats.org/drawingml/2006/main" xmlns:r="http://schemas.openxmlformats.org/officeDocument/2006/relationships" xmlns:c16r2="http://schemas.microsoft.com/office/drawing/2015/06/chart">
   <c:date1904 val="0"/>
   <c:lang val="ko-KR"/>
   <c:roundedCorners val="0"/>
@@ -240,6 +254,11 @@
             </c:numRef>
           </c:val>
           <c:smooth val="0"/>
+          <c:extLst>
+            <c:ext xmlns:c16="http://schemas.microsoft.com/office/drawing/2014/chart" uri="{C3380CC4-5D6E-409C-BE32-E72D297353CC}">
+              <c16:uniqueId val="{00000000-6A92-4E26-9000-DD55A4C681FB}"/>
+            </c:ext>
+          </c:extLst>
         </c:ser>
         <c:ser>
           <c:idx val="1"/>
@@ -300,6 +319,11 @@
             </c:numRef>
           </c:val>
           <c:smooth val="0"/>
+          <c:extLst>
+            <c:ext xmlns:c16="http://schemas.microsoft.com/office/drawing/2014/chart" uri="{C3380CC4-5D6E-409C-BE32-E72D297353CC}">
+              <c16:uniqueId val="{00000001-6A92-4E26-9000-DD55A4C681FB}"/>
+            </c:ext>
+          </c:extLst>
         </c:ser>
         <c:ser>
           <c:idx val="2"/>
@@ -360,6 +384,11 @@
             </c:numRef>
           </c:val>
           <c:smooth val="0"/>
+          <c:extLst>
+            <c:ext xmlns:c16="http://schemas.microsoft.com/office/drawing/2014/chart" uri="{C3380CC4-5D6E-409C-BE32-E72D297353CC}">
+              <c16:uniqueId val="{00000002-6A92-4E26-9000-DD55A4C681FB}"/>
+            </c:ext>
+          </c:extLst>
         </c:ser>
         <c:dLbls>
           <c:showLegendKey val="0"/>
@@ -369,7 +398,6 @@
           <c:showPercent val="0"/>
           <c:showBubbleSize val="0"/>
         </c:dLbls>
-        <c:marker val="1"/>
         <c:smooth val="0"/>
         <c:axId val="151116288"/>
         <c:axId val="39931264"/>
@@ -381,6 +409,7 @@
         </c:scaling>
         <c:delete val="0"/>
         <c:axPos val="b"/>
+        <c:numFmt formatCode="General" sourceLinked="0"/>
         <c:majorTickMark val="out"/>
         <c:minorTickMark val="none"/>
         <c:tickLblPos val="nextTo"/>
@@ -410,7 +439,6 @@
     </c:plotArea>
     <c:legend>
       <c:legendPos val="r"/>
-      <c:layout/>
       <c:overlay val="0"/>
     </c:legend>
     <c:plotVisOnly val="1"/>
@@ -579,38 +607,37 @@
           <a:p>
             <a:pPr lvl="0"/>
             <a:r>
-              <a:rPr lang="ko-KR" altLang="en-US" smtClean="0"/>
+              <a:rPr lang="ko-KR" altLang="en-US"/>
               <a:t>마스터 텍스트 스타일을 편집합니다</a:t>
             </a:r>
           </a:p>
           <a:p>
             <a:pPr lvl="1"/>
             <a:r>
-              <a:rPr lang="ko-KR" altLang="en-US" smtClean="0"/>
+              <a:rPr lang="ko-KR" altLang="en-US"/>
               <a:t>둘째 수준</a:t>
             </a:r>
           </a:p>
           <a:p>
             <a:pPr lvl="2"/>
             <a:r>
-              <a:rPr lang="ko-KR" altLang="en-US" smtClean="0"/>
+              <a:rPr lang="ko-KR" altLang="en-US"/>
               <a:t>셋째 수준</a:t>
             </a:r>
           </a:p>
           <a:p>
             <a:pPr lvl="3"/>
             <a:r>
-              <a:rPr lang="ko-KR" altLang="en-US" smtClean="0"/>
+              <a:rPr lang="ko-KR" altLang="en-US"/>
               <a:t>넷째 수준</a:t>
             </a:r>
           </a:p>
           <a:p>
             <a:pPr lvl="4"/>
             <a:r>
-              <a:rPr lang="ko-KR" altLang="en-US" smtClean="0"/>
+              <a:rPr lang="ko-KR" altLang="en-US"/>
               <a:t>다섯째 수준</a:t>
             </a:r>
-            <a:endParaRPr lang="ko-KR" altLang="en-US"/>
           </a:p>
         </p:txBody>
       </p:sp>
@@ -994,7 +1021,7 @@
           </a:lstStyle>
           <a:p>
             <a:r>
-              <a:rPr kumimoji="0" lang="ko-KR" altLang="en-US" smtClean="0"/>
+              <a:rPr kumimoji="0" lang="ko-KR" altLang="en-US"/>
               <a:t>마스터 제목 스타일 편집</a:t>
             </a:r>
             <a:endParaRPr kumimoji="0" lang="en-US"/>
@@ -1059,7 +1086,7 @@
           </a:lstStyle>
           <a:p>
             <a:r>
-              <a:rPr kumimoji="0" lang="ko-KR" altLang="en-US" smtClean="0"/>
+              <a:rPr kumimoji="0" lang="ko-KR" altLang="en-US"/>
               <a:t>마스터 부제목 스타일 편집</a:t>
             </a:r>
             <a:endParaRPr kumimoji="0" lang="en-US"/>
@@ -1079,9 +1106,7 @@
         <p:spPr/>
         <p:txBody>
           <a:bodyPr/>
-          <a:lstStyle>
-            <a:extLst/>
-          </a:lstStyle>
+          <a:lstStyle/>
           <a:p>
             <a:fld id="{5461D8C1-8742-4899-8C54-88F14E68CB8A}" type="datetimeFigureOut">
               <a:rPr lang="ko-KR" altLang="en-US" smtClean="0"/>
@@ -1104,9 +1129,7 @@
         <p:spPr/>
         <p:txBody>
           <a:bodyPr/>
-          <a:lstStyle>
-            <a:extLst/>
-          </a:lstStyle>
+          <a:lstStyle/>
           <a:p>
             <a:endParaRPr lang="ko-KR" altLang="en-US"/>
           </a:p>
@@ -1125,9 +1148,7 @@
         <p:spPr/>
         <p:txBody>
           <a:bodyPr/>
-          <a:lstStyle>
-            <a:extLst/>
-          </a:lstStyle>
+          <a:lstStyle/>
           <a:p>
             <a:fld id="{91C6F807-9600-4810-AA4D-D4FF486A8168}" type="slidenum">
               <a:rPr lang="ko-KR" altLang="en-US" smtClean="0"/>
@@ -1215,9 +1236,7 @@
         </p:style>
         <p:txBody>
           <a:bodyPr anchor="ctr"/>
-          <a:lstStyle>
-            <a:extLst/>
-          </a:lstStyle>
+          <a:lstStyle/>
           <a:p>
             <a:pPr algn="ctr" eaLnBrk="1" latinLnBrk="0" hangingPunct="1"/>
             <a:endParaRPr kumimoji="0" lang="en-US"/>
@@ -1266,9 +1285,7 @@
         </p:style>
         <p:txBody>
           <a:bodyPr anchor="ctr"/>
-          <a:lstStyle>
-            <a:extLst/>
-          </a:lstStyle>
+          <a:lstStyle/>
           <a:p>
             <a:pPr algn="ctr" eaLnBrk="1" latinLnBrk="0" hangingPunct="1"/>
             <a:endParaRPr kumimoji="0" lang="en-US"/>
@@ -1313,12 +1330,10 @@
         <p:spPr/>
         <p:txBody>
           <a:bodyPr/>
-          <a:lstStyle>
-            <a:extLst/>
-          </a:lstStyle>
-          <a:p>
-            <a:r>
-              <a:rPr kumimoji="0" lang="ko-KR" altLang="en-US" smtClean="0"/>
+          <a:lstStyle/>
+          <a:p>
+            <a:r>
+              <a:rPr kumimoji="0" lang="ko-KR" altLang="en-US"/>
               <a:t>마스터 제목 스타일 편집</a:t>
             </a:r>
             <a:endParaRPr kumimoji="0" lang="en-US"/>
@@ -1338,41 +1353,39 @@
         <p:spPr/>
         <p:txBody>
           <a:bodyPr vert="eaVert"/>
-          <a:lstStyle>
-            <a:extLst/>
-          </a:lstStyle>
+          <a:lstStyle/>
           <a:p>
             <a:pPr lvl="0" eaLnBrk="1" latinLnBrk="0" hangingPunct="1"/>
             <a:r>
-              <a:rPr lang="ko-KR" altLang="en-US" smtClean="0"/>
+              <a:rPr lang="ko-KR" altLang="en-US"/>
               <a:t>마스터 텍스트 스타일을 편집합니다</a:t>
             </a:r>
           </a:p>
           <a:p>
             <a:pPr lvl="1" eaLnBrk="1" latinLnBrk="0" hangingPunct="1"/>
             <a:r>
-              <a:rPr lang="ko-KR" altLang="en-US" smtClean="0"/>
+              <a:rPr lang="ko-KR" altLang="en-US"/>
               <a:t>둘째 수준</a:t>
             </a:r>
           </a:p>
           <a:p>
             <a:pPr lvl="2" eaLnBrk="1" latinLnBrk="0" hangingPunct="1"/>
             <a:r>
-              <a:rPr lang="ko-KR" altLang="en-US" smtClean="0"/>
+              <a:rPr lang="ko-KR" altLang="en-US"/>
               <a:t>셋째 수준</a:t>
             </a:r>
           </a:p>
           <a:p>
             <a:pPr lvl="3" eaLnBrk="1" latinLnBrk="0" hangingPunct="1"/>
             <a:r>
-              <a:rPr lang="ko-KR" altLang="en-US" smtClean="0"/>
+              <a:rPr lang="ko-KR" altLang="en-US"/>
               <a:t>넷째 수준</a:t>
             </a:r>
           </a:p>
           <a:p>
             <a:pPr lvl="4" eaLnBrk="1" latinLnBrk="0" hangingPunct="1"/>
             <a:r>
-              <a:rPr lang="ko-KR" altLang="en-US" smtClean="0"/>
+              <a:rPr lang="ko-KR" altLang="en-US"/>
               <a:t>다섯째 수준</a:t>
             </a:r>
             <a:endParaRPr kumimoji="0" lang="en-US"/>
@@ -1392,9 +1405,7 @@
         <p:spPr/>
         <p:txBody>
           <a:bodyPr/>
-          <a:lstStyle>
-            <a:extLst/>
-          </a:lstStyle>
+          <a:lstStyle/>
           <a:p>
             <a:fld id="{5461D8C1-8742-4899-8C54-88F14E68CB8A}" type="datetimeFigureOut">
               <a:rPr lang="ko-KR" altLang="en-US" smtClean="0"/>
@@ -1417,9 +1428,7 @@
         <p:spPr/>
         <p:txBody>
           <a:bodyPr/>
-          <a:lstStyle>
-            <a:extLst/>
-          </a:lstStyle>
+          <a:lstStyle/>
           <a:p>
             <a:endParaRPr lang="ko-KR" altLang="en-US"/>
           </a:p>
@@ -1438,9 +1447,7 @@
         <p:spPr/>
         <p:txBody>
           <a:bodyPr/>
-          <a:lstStyle>
-            <a:extLst/>
-          </a:lstStyle>
+          <a:lstStyle/>
           <a:p>
             <a:fld id="{91C6F807-9600-4810-AA4D-D4FF486A8168}" type="slidenum">
               <a:rPr lang="ko-KR" altLang="en-US" smtClean="0"/>
@@ -1493,12 +1500,10 @@
         </p:spPr>
         <p:txBody>
           <a:bodyPr vert="eaVert"/>
-          <a:lstStyle>
-            <a:extLst/>
-          </a:lstStyle>
-          <a:p>
-            <a:r>
-              <a:rPr kumimoji="0" lang="ko-KR" altLang="en-US" smtClean="0"/>
+          <a:lstStyle/>
+          <a:p>
+            <a:r>
+              <a:rPr kumimoji="0" lang="ko-KR" altLang="en-US"/>
               <a:t>마스터 제목 스타일 편집</a:t>
             </a:r>
             <a:endParaRPr kumimoji="0" lang="en-US"/>
@@ -1523,41 +1528,39 @@
         </p:spPr>
         <p:txBody>
           <a:bodyPr vert="eaVert"/>
-          <a:lstStyle>
-            <a:extLst/>
-          </a:lstStyle>
+          <a:lstStyle/>
           <a:p>
             <a:pPr lvl="0" eaLnBrk="1" latinLnBrk="0" hangingPunct="1"/>
             <a:r>
-              <a:rPr lang="ko-KR" altLang="en-US" smtClean="0"/>
+              <a:rPr lang="ko-KR" altLang="en-US"/>
               <a:t>마스터 텍스트 스타일을 편집합니다</a:t>
             </a:r>
           </a:p>
           <a:p>
             <a:pPr lvl="1" eaLnBrk="1" latinLnBrk="0" hangingPunct="1"/>
             <a:r>
-              <a:rPr lang="ko-KR" altLang="en-US" smtClean="0"/>
+              <a:rPr lang="ko-KR" altLang="en-US"/>
               <a:t>둘째 수준</a:t>
             </a:r>
           </a:p>
           <a:p>
             <a:pPr lvl="2" eaLnBrk="1" latinLnBrk="0" hangingPunct="1"/>
             <a:r>
-              <a:rPr lang="ko-KR" altLang="en-US" smtClean="0"/>
+              <a:rPr lang="ko-KR" altLang="en-US"/>
               <a:t>셋째 수준</a:t>
             </a:r>
           </a:p>
           <a:p>
             <a:pPr lvl="3" eaLnBrk="1" latinLnBrk="0" hangingPunct="1"/>
             <a:r>
-              <a:rPr lang="ko-KR" altLang="en-US" smtClean="0"/>
+              <a:rPr lang="ko-KR" altLang="en-US"/>
               <a:t>넷째 수준</a:t>
             </a:r>
           </a:p>
           <a:p>
             <a:pPr lvl="4" eaLnBrk="1" latinLnBrk="0" hangingPunct="1"/>
             <a:r>
-              <a:rPr lang="ko-KR" altLang="en-US" smtClean="0"/>
+              <a:rPr lang="ko-KR" altLang="en-US"/>
               <a:t>다섯째 수준</a:t>
             </a:r>
             <a:endParaRPr kumimoji="0" lang="en-US"/>
@@ -1577,9 +1580,7 @@
         <p:spPr/>
         <p:txBody>
           <a:bodyPr/>
-          <a:lstStyle>
-            <a:extLst/>
-          </a:lstStyle>
+          <a:lstStyle/>
           <a:p>
             <a:fld id="{5461D8C1-8742-4899-8C54-88F14E68CB8A}" type="datetimeFigureOut">
               <a:rPr lang="ko-KR" altLang="en-US" smtClean="0"/>
@@ -1602,9 +1603,7 @@
         <p:spPr/>
         <p:txBody>
           <a:bodyPr/>
-          <a:lstStyle>
-            <a:extLst/>
-          </a:lstStyle>
+          <a:lstStyle/>
           <a:p>
             <a:endParaRPr lang="ko-KR" altLang="en-US"/>
           </a:p>
@@ -1623,9 +1622,7 @@
         <p:spPr/>
         <p:txBody>
           <a:bodyPr/>
-          <a:lstStyle>
-            <a:extLst/>
-          </a:lstStyle>
+          <a:lstStyle/>
           <a:p>
             <a:fld id="{91C6F807-9600-4810-AA4D-D4FF486A8168}" type="slidenum">
               <a:rPr lang="ko-KR" altLang="en-US" smtClean="0"/>
@@ -1673,12 +1670,10 @@
         <p:spPr/>
         <p:txBody>
           <a:bodyPr/>
-          <a:lstStyle>
-            <a:extLst/>
-          </a:lstStyle>
-          <a:p>
-            <a:r>
-              <a:rPr kumimoji="0" lang="ko-KR" altLang="en-US" smtClean="0"/>
+          <a:lstStyle/>
+          <a:p>
+            <a:r>
+              <a:rPr kumimoji="0" lang="ko-KR" altLang="en-US"/>
               <a:t>마스터 제목 스타일 편집</a:t>
             </a:r>
             <a:endParaRPr kumimoji="0" lang="en-US"/>
@@ -1698,41 +1693,39 @@
         <p:spPr/>
         <p:txBody>
           <a:bodyPr/>
-          <a:lstStyle>
-            <a:extLst/>
-          </a:lstStyle>
+          <a:lstStyle/>
           <a:p>
             <a:pPr lvl="0" eaLnBrk="1" latinLnBrk="0" hangingPunct="1"/>
             <a:r>
-              <a:rPr lang="ko-KR" altLang="en-US" smtClean="0"/>
+              <a:rPr lang="ko-KR" altLang="en-US"/>
               <a:t>마스터 텍스트 스타일을 편집합니다</a:t>
             </a:r>
           </a:p>
           <a:p>
             <a:pPr lvl="1" eaLnBrk="1" latinLnBrk="0" hangingPunct="1"/>
             <a:r>
-              <a:rPr lang="ko-KR" altLang="en-US" smtClean="0"/>
+              <a:rPr lang="ko-KR" altLang="en-US"/>
               <a:t>둘째 수준</a:t>
             </a:r>
           </a:p>
           <a:p>
             <a:pPr lvl="2" eaLnBrk="1" latinLnBrk="0" hangingPunct="1"/>
             <a:r>
-              <a:rPr lang="ko-KR" altLang="en-US" smtClean="0"/>
+              <a:rPr lang="ko-KR" altLang="en-US"/>
               <a:t>셋째 수준</a:t>
             </a:r>
           </a:p>
           <a:p>
             <a:pPr lvl="3" eaLnBrk="1" latinLnBrk="0" hangingPunct="1"/>
             <a:r>
-              <a:rPr lang="ko-KR" altLang="en-US" smtClean="0"/>
+              <a:rPr lang="ko-KR" altLang="en-US"/>
               <a:t>넷째 수준</a:t>
             </a:r>
           </a:p>
           <a:p>
             <a:pPr lvl="4" eaLnBrk="1" latinLnBrk="0" hangingPunct="1"/>
             <a:r>
-              <a:rPr lang="ko-KR" altLang="en-US" smtClean="0"/>
+              <a:rPr lang="ko-KR" altLang="en-US"/>
               <a:t>다섯째 수준</a:t>
             </a:r>
             <a:endParaRPr kumimoji="0" lang="en-US"/>
@@ -1752,9 +1745,7 @@
         <p:spPr/>
         <p:txBody>
           <a:bodyPr/>
-          <a:lstStyle>
-            <a:extLst/>
-          </a:lstStyle>
+          <a:lstStyle/>
           <a:p>
             <a:fld id="{5461D8C1-8742-4899-8C54-88F14E68CB8A}" type="datetimeFigureOut">
               <a:rPr lang="ko-KR" altLang="en-US" smtClean="0"/>
@@ -1777,9 +1768,7 @@
         <p:spPr/>
         <p:txBody>
           <a:bodyPr/>
-          <a:lstStyle>
-            <a:extLst/>
-          </a:lstStyle>
+          <a:lstStyle/>
           <a:p>
             <a:endParaRPr lang="ko-KR" altLang="en-US"/>
           </a:p>
@@ -1798,9 +1787,7 @@
         <p:spPr/>
         <p:txBody>
           <a:bodyPr/>
-          <a:lstStyle>
-            <a:extLst/>
-          </a:lstStyle>
+          <a:lstStyle/>
           <a:p>
             <a:fld id="{91C6F807-9600-4810-AA4D-D4FF486A8168}" type="slidenum">
               <a:rPr lang="ko-KR" altLang="en-US" smtClean="0"/>
@@ -1874,9 +1861,7 @@
         </p:style>
         <p:txBody>
           <a:bodyPr anchor="ctr"/>
-          <a:lstStyle>
-            <a:extLst/>
-          </a:lstStyle>
+          <a:lstStyle/>
           <a:p>
             <a:pPr algn="ctr" eaLnBrk="1" latinLnBrk="0" hangingPunct="1"/>
             <a:endParaRPr kumimoji="0" lang="en-US"/>
@@ -1913,7 +1898,7 @@
           </a:lstStyle>
           <a:p>
             <a:r>
-              <a:rPr kumimoji="0" lang="ko-KR" altLang="en-US" smtClean="0"/>
+              <a:rPr kumimoji="0" lang="ko-KR" altLang="en-US"/>
               <a:t>마스터 제목 스타일 편집</a:t>
             </a:r>
             <a:endParaRPr kumimoji="0" lang="en-US"/>
@@ -2001,7 +1986,7 @@
           <a:p>
             <a:pPr lvl="0" eaLnBrk="1" latinLnBrk="0" hangingPunct="1"/>
             <a:r>
-              <a:rPr kumimoji="0" lang="ko-KR" altLang="en-US" smtClean="0"/>
+              <a:rPr kumimoji="0" lang="ko-KR" altLang="en-US"/>
               <a:t>마스터 텍스트 스타일을 편집합니다</a:t>
             </a:r>
           </a:p>
@@ -2020,9 +2005,7 @@
         <p:spPr/>
         <p:txBody>
           <a:bodyPr/>
-          <a:lstStyle>
-            <a:extLst/>
-          </a:lstStyle>
+          <a:lstStyle/>
           <a:p>
             <a:fld id="{5461D8C1-8742-4899-8C54-88F14E68CB8A}" type="datetimeFigureOut">
               <a:rPr lang="ko-KR" altLang="en-US" smtClean="0"/>
@@ -2045,9 +2028,7 @@
         <p:spPr/>
         <p:txBody>
           <a:bodyPr/>
-          <a:lstStyle>
-            <a:extLst/>
-          </a:lstStyle>
+          <a:lstStyle/>
           <a:p>
             <a:endParaRPr lang="ko-KR" altLang="en-US"/>
           </a:p>
@@ -2066,9 +2047,7 @@
         <p:spPr/>
         <p:txBody>
           <a:bodyPr/>
-          <a:lstStyle>
-            <a:extLst/>
-          </a:lstStyle>
+          <a:lstStyle/>
           <a:p>
             <a:fld id="{91C6F807-9600-4810-AA4D-D4FF486A8168}" type="slidenum">
               <a:rPr lang="ko-KR" altLang="en-US" smtClean="0"/>
@@ -2125,9 +2104,7 @@
         </p:style>
         <p:txBody>
           <a:bodyPr anchor="ctr"/>
-          <a:lstStyle>
-            <a:extLst/>
-          </a:lstStyle>
+          <a:lstStyle/>
           <a:p>
             <a:pPr algn="ctr" eaLnBrk="1" latinLnBrk="0" hangingPunct="1"/>
             <a:endParaRPr kumimoji="0" lang="en-US"/>
@@ -2212,9 +2189,7 @@
         </p:style>
         <p:txBody>
           <a:bodyPr anchor="ctr"/>
-          <a:lstStyle>
-            <a:extLst/>
-          </a:lstStyle>
+          <a:lstStyle/>
           <a:p>
             <a:pPr algn="ctr" eaLnBrk="1" latinLnBrk="0" hangingPunct="1"/>
             <a:endParaRPr kumimoji="0" lang="en-US"/>
@@ -2263,9 +2238,7 @@
         </p:style>
         <p:txBody>
           <a:bodyPr anchor="ctr"/>
-          <a:lstStyle>
-            <a:extLst/>
-          </a:lstStyle>
+          <a:lstStyle/>
           <a:p>
             <a:pPr algn="ctr" eaLnBrk="1" latinLnBrk="0" hangingPunct="1"/>
             <a:endParaRPr kumimoji="0" lang="en-US"/>
@@ -2315,12 +2288,10 @@
         </p:spPr>
         <p:txBody>
           <a:bodyPr/>
-          <a:lstStyle>
-            <a:extLst/>
-          </a:lstStyle>
-          <a:p>
-            <a:r>
-              <a:rPr kumimoji="0" lang="ko-KR" altLang="en-US" smtClean="0"/>
+          <a:lstStyle/>
+          <a:p>
+            <a:r>
+              <a:rPr kumimoji="0" lang="ko-KR" altLang="en-US"/>
               <a:t>마스터 제목 스타일 편집</a:t>
             </a:r>
             <a:endParaRPr kumimoji="0" lang="en-US"/>
@@ -2366,35 +2337,35 @@
           <a:p>
             <a:pPr lvl="0" eaLnBrk="1" latinLnBrk="0" hangingPunct="1"/>
             <a:r>
-              <a:rPr lang="ko-KR" altLang="en-US" smtClean="0"/>
+              <a:rPr lang="ko-KR" altLang="en-US"/>
               <a:t>마스터 텍스트 스타일을 편집합니다</a:t>
             </a:r>
           </a:p>
           <a:p>
             <a:pPr lvl="1" eaLnBrk="1" latinLnBrk="0" hangingPunct="1"/>
             <a:r>
-              <a:rPr lang="ko-KR" altLang="en-US" smtClean="0"/>
+              <a:rPr lang="ko-KR" altLang="en-US"/>
               <a:t>둘째 수준</a:t>
             </a:r>
           </a:p>
           <a:p>
             <a:pPr lvl="2" eaLnBrk="1" latinLnBrk="0" hangingPunct="1"/>
             <a:r>
-              <a:rPr lang="ko-KR" altLang="en-US" smtClean="0"/>
+              <a:rPr lang="ko-KR" altLang="en-US"/>
               <a:t>셋째 수준</a:t>
             </a:r>
           </a:p>
           <a:p>
             <a:pPr lvl="3" eaLnBrk="1" latinLnBrk="0" hangingPunct="1"/>
             <a:r>
-              <a:rPr lang="ko-KR" altLang="en-US" smtClean="0"/>
+              <a:rPr lang="ko-KR" altLang="en-US"/>
               <a:t>넷째 수준</a:t>
             </a:r>
           </a:p>
           <a:p>
             <a:pPr lvl="4" eaLnBrk="1" latinLnBrk="0" hangingPunct="1"/>
             <a:r>
-              <a:rPr lang="ko-KR" altLang="en-US" smtClean="0"/>
+              <a:rPr lang="ko-KR" altLang="en-US"/>
               <a:t>다섯째 수준</a:t>
             </a:r>
             <a:endParaRPr kumimoji="0" lang="en-US"/>
@@ -2440,35 +2411,35 @@
           <a:p>
             <a:pPr lvl="0" eaLnBrk="1" latinLnBrk="0" hangingPunct="1"/>
             <a:r>
-              <a:rPr lang="ko-KR" altLang="en-US" smtClean="0"/>
+              <a:rPr lang="ko-KR" altLang="en-US"/>
               <a:t>마스터 텍스트 스타일을 편집합니다</a:t>
             </a:r>
           </a:p>
           <a:p>
             <a:pPr lvl="1" eaLnBrk="1" latinLnBrk="0" hangingPunct="1"/>
             <a:r>
-              <a:rPr lang="ko-KR" altLang="en-US" smtClean="0"/>
+              <a:rPr lang="ko-KR" altLang="en-US"/>
               <a:t>둘째 수준</a:t>
             </a:r>
           </a:p>
           <a:p>
             <a:pPr lvl="2" eaLnBrk="1" latinLnBrk="0" hangingPunct="1"/>
             <a:r>
-              <a:rPr lang="ko-KR" altLang="en-US" smtClean="0"/>
+              <a:rPr lang="ko-KR" altLang="en-US"/>
               <a:t>셋째 수준</a:t>
             </a:r>
           </a:p>
           <a:p>
             <a:pPr lvl="3" eaLnBrk="1" latinLnBrk="0" hangingPunct="1"/>
             <a:r>
-              <a:rPr lang="ko-KR" altLang="en-US" smtClean="0"/>
+              <a:rPr lang="ko-KR" altLang="en-US"/>
               <a:t>넷째 수준</a:t>
             </a:r>
           </a:p>
           <a:p>
             <a:pPr lvl="4" eaLnBrk="1" latinLnBrk="0" hangingPunct="1"/>
             <a:r>
-              <a:rPr lang="ko-KR" altLang="en-US" smtClean="0"/>
+              <a:rPr lang="ko-KR" altLang="en-US"/>
               <a:t>다섯째 수준</a:t>
             </a:r>
             <a:endParaRPr kumimoji="0" lang="en-US"/>
@@ -2488,9 +2459,7 @@
         <p:spPr/>
         <p:txBody>
           <a:bodyPr/>
-          <a:lstStyle>
-            <a:extLst/>
-          </a:lstStyle>
+          <a:lstStyle/>
           <a:p>
             <a:fld id="{5461D8C1-8742-4899-8C54-88F14E68CB8A}" type="datetimeFigureOut">
               <a:rPr lang="ko-KR" altLang="en-US" smtClean="0"/>
@@ -2513,9 +2482,7 @@
         <p:spPr/>
         <p:txBody>
           <a:bodyPr/>
-          <a:lstStyle>
-            <a:extLst/>
-          </a:lstStyle>
+          <a:lstStyle/>
           <a:p>
             <a:endParaRPr lang="ko-KR" altLang="en-US"/>
           </a:p>
@@ -2534,9 +2501,7 @@
         <p:spPr/>
         <p:txBody>
           <a:bodyPr/>
-          <a:lstStyle>
-            <a:extLst/>
-          </a:lstStyle>
+          <a:lstStyle/>
           <a:p>
             <a:fld id="{91C6F807-9600-4810-AA4D-D4FF486A8168}" type="slidenum">
               <a:rPr lang="ko-KR" altLang="en-US" smtClean="0"/>
@@ -2597,7 +2562,7 @@
           </a:lstStyle>
           <a:p>
             <a:r>
-              <a:rPr kumimoji="0" lang="ko-KR" altLang="en-US" smtClean="0"/>
+              <a:rPr kumimoji="0" lang="ko-KR" altLang="en-US"/>
               <a:t>마스터 제목 스타일 편집</a:t>
             </a:r>
             <a:endParaRPr kumimoji="0" lang="en-US"/>
@@ -2667,7 +2632,7 @@
           <a:p>
             <a:pPr lvl="0" eaLnBrk="1" latinLnBrk="0" hangingPunct="1"/>
             <a:r>
-              <a:rPr kumimoji="0" lang="ko-KR" altLang="en-US" smtClean="0"/>
+              <a:rPr kumimoji="0" lang="ko-KR" altLang="en-US"/>
               <a:t>마스터 텍스트 스타일을 편집합니다</a:t>
             </a:r>
           </a:p>
@@ -2736,7 +2701,7 @@
           <a:p>
             <a:pPr lvl="0" eaLnBrk="1" latinLnBrk="0" hangingPunct="1"/>
             <a:r>
-              <a:rPr kumimoji="0" lang="ko-KR" altLang="en-US" smtClean="0"/>
+              <a:rPr kumimoji="0" lang="ko-KR" altLang="en-US"/>
               <a:t>마스터 텍스트 스타일을 편집합니다</a:t>
             </a:r>
           </a:p>
@@ -2818,35 +2783,35 @@
           <a:p>
             <a:pPr lvl="0" eaLnBrk="1" latinLnBrk="0" hangingPunct="1"/>
             <a:r>
-              <a:rPr lang="ko-KR" altLang="en-US" smtClean="0"/>
+              <a:rPr lang="ko-KR" altLang="en-US"/>
               <a:t>마스터 텍스트 스타일을 편집합니다</a:t>
             </a:r>
           </a:p>
           <a:p>
             <a:pPr lvl="1" eaLnBrk="1" latinLnBrk="0" hangingPunct="1"/>
             <a:r>
-              <a:rPr lang="ko-KR" altLang="en-US" smtClean="0"/>
+              <a:rPr lang="ko-KR" altLang="en-US"/>
               <a:t>둘째 수준</a:t>
             </a:r>
           </a:p>
           <a:p>
             <a:pPr lvl="2" eaLnBrk="1" latinLnBrk="0" hangingPunct="1"/>
             <a:r>
-              <a:rPr lang="ko-KR" altLang="en-US" smtClean="0"/>
+              <a:rPr lang="ko-KR" altLang="en-US"/>
               <a:t>셋째 수준</a:t>
             </a:r>
           </a:p>
           <a:p>
             <a:pPr lvl="3" eaLnBrk="1" latinLnBrk="0" hangingPunct="1"/>
             <a:r>
-              <a:rPr lang="ko-KR" altLang="en-US" smtClean="0"/>
+              <a:rPr lang="ko-KR" altLang="en-US"/>
               <a:t>넷째 수준</a:t>
             </a:r>
           </a:p>
           <a:p>
             <a:pPr lvl="4" eaLnBrk="1" latinLnBrk="0" hangingPunct="1"/>
             <a:r>
-              <a:rPr lang="ko-KR" altLang="en-US" smtClean="0"/>
+              <a:rPr lang="ko-KR" altLang="en-US"/>
               <a:t>다섯째 수준</a:t>
             </a:r>
             <a:endParaRPr kumimoji="0" lang="en-US"/>
@@ -2929,35 +2894,35 @@
           <a:p>
             <a:pPr lvl="0" eaLnBrk="1" latinLnBrk="0" hangingPunct="1"/>
             <a:r>
-              <a:rPr lang="ko-KR" altLang="en-US" smtClean="0"/>
+              <a:rPr lang="ko-KR" altLang="en-US"/>
               <a:t>마스터 텍스트 스타일을 편집합니다</a:t>
             </a:r>
           </a:p>
           <a:p>
             <a:pPr lvl="1" eaLnBrk="1" latinLnBrk="0" hangingPunct="1"/>
             <a:r>
-              <a:rPr lang="ko-KR" altLang="en-US" smtClean="0"/>
+              <a:rPr lang="ko-KR" altLang="en-US"/>
               <a:t>둘째 수준</a:t>
             </a:r>
           </a:p>
           <a:p>
             <a:pPr lvl="2" eaLnBrk="1" latinLnBrk="0" hangingPunct="1"/>
             <a:r>
-              <a:rPr lang="ko-KR" altLang="en-US" smtClean="0"/>
+              <a:rPr lang="ko-KR" altLang="en-US"/>
               <a:t>셋째 수준</a:t>
             </a:r>
           </a:p>
           <a:p>
             <a:pPr lvl="3" eaLnBrk="1" latinLnBrk="0" hangingPunct="1"/>
             <a:r>
-              <a:rPr lang="ko-KR" altLang="en-US" smtClean="0"/>
+              <a:rPr lang="ko-KR" altLang="en-US"/>
               <a:t>넷째 수준</a:t>
             </a:r>
           </a:p>
           <a:p>
             <a:pPr lvl="4" eaLnBrk="1" latinLnBrk="0" hangingPunct="1"/>
             <a:r>
-              <a:rPr lang="ko-KR" altLang="en-US" smtClean="0"/>
+              <a:rPr lang="ko-KR" altLang="en-US"/>
               <a:t>다섯째 수준</a:t>
             </a:r>
             <a:endParaRPr kumimoji="0" lang="en-US"/>
@@ -2977,9 +2942,7 @@
         <p:spPr/>
         <p:txBody>
           <a:bodyPr/>
-          <a:lstStyle>
-            <a:extLst/>
-          </a:lstStyle>
+          <a:lstStyle/>
           <a:p>
             <a:fld id="{5461D8C1-8742-4899-8C54-88F14E68CB8A}" type="datetimeFigureOut">
               <a:rPr lang="ko-KR" altLang="en-US" smtClean="0"/>
@@ -3002,9 +2965,7 @@
         <p:spPr/>
         <p:txBody>
           <a:bodyPr/>
-          <a:lstStyle>
-            <a:extLst/>
-          </a:lstStyle>
+          <a:lstStyle/>
           <a:p>
             <a:endParaRPr lang="ko-KR" altLang="en-US"/>
           </a:p>
@@ -3023,9 +2984,7 @@
         <p:spPr/>
         <p:txBody>
           <a:bodyPr/>
-          <a:lstStyle>
-            <a:extLst/>
-          </a:lstStyle>
+          <a:lstStyle/>
           <a:p>
             <a:fld id="{91C6F807-9600-4810-AA4D-D4FF486A8168}" type="slidenum">
               <a:rPr lang="ko-KR" altLang="en-US" smtClean="0"/>
@@ -3078,12 +3037,10 @@
         </p:spPr>
         <p:txBody>
           <a:bodyPr anchor="ctr"/>
-          <a:lstStyle>
-            <a:extLst/>
-          </a:lstStyle>
-          <a:p>
-            <a:r>
-              <a:rPr kumimoji="0" lang="ko-KR" altLang="en-US" smtClean="0"/>
+          <a:lstStyle/>
+          <a:p>
+            <a:r>
+              <a:rPr kumimoji="0" lang="ko-KR" altLang="en-US"/>
               <a:t>마스터 제목 스타일 편집</a:t>
             </a:r>
             <a:endParaRPr kumimoji="0" lang="en-US"/>
@@ -3103,9 +3060,7 @@
         <p:spPr/>
         <p:txBody>
           <a:bodyPr/>
-          <a:lstStyle>
-            <a:extLst/>
-          </a:lstStyle>
+          <a:lstStyle/>
           <a:p>
             <a:fld id="{5461D8C1-8742-4899-8C54-88F14E68CB8A}" type="datetimeFigureOut">
               <a:rPr lang="ko-KR" altLang="en-US" smtClean="0"/>
@@ -3128,9 +3083,7 @@
         <p:spPr/>
         <p:txBody>
           <a:bodyPr/>
-          <a:lstStyle>
-            <a:extLst/>
-          </a:lstStyle>
+          <a:lstStyle/>
           <a:p>
             <a:endParaRPr lang="ko-KR" altLang="en-US"/>
           </a:p>
@@ -3149,9 +3102,7 @@
         <p:spPr/>
         <p:txBody>
           <a:bodyPr/>
-          <a:lstStyle>
-            <a:extLst/>
-          </a:lstStyle>
+          <a:lstStyle/>
           <a:p>
             <a:fld id="{91C6F807-9600-4810-AA4D-D4FF486A8168}" type="slidenum">
               <a:rPr lang="ko-KR" altLang="en-US" smtClean="0"/>
@@ -3225,9 +3176,7 @@
         </p:style>
         <p:txBody>
           <a:bodyPr anchor="ctr"/>
-          <a:lstStyle>
-            <a:extLst/>
-          </a:lstStyle>
+          <a:lstStyle/>
           <a:p>
             <a:pPr algn="ctr" eaLnBrk="1" latinLnBrk="0" hangingPunct="1"/>
             <a:endParaRPr kumimoji="0" lang="en-US"/>
@@ -3247,9 +3196,7 @@
         <p:spPr/>
         <p:txBody>
           <a:bodyPr/>
-          <a:lstStyle>
-            <a:extLst/>
-          </a:lstStyle>
+          <a:lstStyle/>
           <a:p>
             <a:fld id="{5461D8C1-8742-4899-8C54-88F14E68CB8A}" type="datetimeFigureOut">
               <a:rPr lang="ko-KR" altLang="en-US" smtClean="0"/>
@@ -3272,9 +3219,7 @@
         <p:spPr/>
         <p:txBody>
           <a:bodyPr/>
-          <a:lstStyle>
-            <a:extLst/>
-          </a:lstStyle>
+          <a:lstStyle/>
           <a:p>
             <a:endParaRPr lang="ko-KR" altLang="en-US"/>
           </a:p>
@@ -3293,9 +3238,7 @@
         <p:spPr/>
         <p:txBody>
           <a:bodyPr/>
-          <a:lstStyle>
-            <a:extLst/>
-          </a:lstStyle>
+          <a:lstStyle/>
           <a:p>
             <a:fld id="{91C6F807-9600-4810-AA4D-D4FF486A8168}" type="slidenum">
               <a:rPr lang="ko-KR" altLang="en-US" smtClean="0"/>
@@ -3352,9 +3295,7 @@
         </p:style>
         <p:txBody>
           <a:bodyPr anchor="ctr"/>
-          <a:lstStyle>
-            <a:extLst/>
-          </a:lstStyle>
+          <a:lstStyle/>
           <a:p>
             <a:pPr algn="ctr" eaLnBrk="1" latinLnBrk="0" hangingPunct="1"/>
             <a:endParaRPr kumimoji="0" lang="en-US"/>
@@ -3419,7 +3360,7 @@
           </a:lstStyle>
           <a:p>
             <a:r>
-              <a:rPr kumimoji="0" lang="ko-KR" altLang="en-US" smtClean="0"/>
+              <a:rPr kumimoji="0" lang="ko-KR" altLang="en-US"/>
               <a:t>마스터 제목 스타일 편집</a:t>
             </a:r>
             <a:endParaRPr kumimoji="0" lang="en-US"/>
@@ -3476,7 +3417,7 @@
           <a:p>
             <a:pPr lvl="0" eaLnBrk="1" latinLnBrk="0" hangingPunct="1"/>
             <a:r>
-              <a:rPr kumimoji="0" lang="ko-KR" altLang="en-US" smtClean="0"/>
+              <a:rPr kumimoji="0" lang="ko-KR" altLang="en-US"/>
               <a:t>마스터 텍스트 스타일을 편집합니다</a:t>
             </a:r>
           </a:p>
@@ -3521,35 +3462,35 @@
           <a:p>
             <a:pPr lvl="0" eaLnBrk="1" latinLnBrk="0" hangingPunct="1"/>
             <a:r>
-              <a:rPr lang="ko-KR" altLang="en-US" smtClean="0"/>
+              <a:rPr lang="ko-KR" altLang="en-US"/>
               <a:t>마스터 텍스트 스타일을 편집합니다</a:t>
             </a:r>
           </a:p>
           <a:p>
             <a:pPr lvl="1" eaLnBrk="1" latinLnBrk="0" hangingPunct="1"/>
             <a:r>
-              <a:rPr lang="ko-KR" altLang="en-US" smtClean="0"/>
+              <a:rPr lang="ko-KR" altLang="en-US"/>
               <a:t>둘째 수준</a:t>
             </a:r>
           </a:p>
           <a:p>
             <a:pPr lvl="2" eaLnBrk="1" latinLnBrk="0" hangingPunct="1"/>
             <a:r>
-              <a:rPr lang="ko-KR" altLang="en-US" smtClean="0"/>
+              <a:rPr lang="ko-KR" altLang="en-US"/>
               <a:t>셋째 수준</a:t>
             </a:r>
           </a:p>
           <a:p>
             <a:pPr lvl="3" eaLnBrk="1" latinLnBrk="0" hangingPunct="1"/>
             <a:r>
-              <a:rPr lang="ko-KR" altLang="en-US" smtClean="0"/>
+              <a:rPr lang="ko-KR" altLang="en-US"/>
               <a:t>넷째 수준</a:t>
             </a:r>
           </a:p>
           <a:p>
             <a:pPr lvl="4" eaLnBrk="1" latinLnBrk="0" hangingPunct="1"/>
             <a:r>
-              <a:rPr lang="ko-KR" altLang="en-US" smtClean="0"/>
+              <a:rPr lang="ko-KR" altLang="en-US"/>
               <a:t>다섯째 수준</a:t>
             </a:r>
             <a:endParaRPr kumimoji="0" lang="en-US"/>
@@ -3569,9 +3510,7 @@
         <p:spPr/>
         <p:txBody>
           <a:bodyPr/>
-          <a:lstStyle>
-            <a:extLst/>
-          </a:lstStyle>
+          <a:lstStyle/>
           <a:p>
             <a:fld id="{5461D8C1-8742-4899-8C54-88F14E68CB8A}" type="datetimeFigureOut">
               <a:rPr lang="ko-KR" altLang="en-US" smtClean="0"/>
@@ -3594,9 +3533,7 @@
         <p:spPr/>
         <p:txBody>
           <a:bodyPr/>
-          <a:lstStyle>
-            <a:extLst/>
-          </a:lstStyle>
+          <a:lstStyle/>
           <a:p>
             <a:endParaRPr lang="ko-KR" altLang="en-US"/>
           </a:p>
@@ -3615,9 +3552,7 @@
         <p:spPr/>
         <p:txBody>
           <a:bodyPr/>
-          <a:lstStyle>
-            <a:extLst/>
-          </a:lstStyle>
+          <a:lstStyle/>
           <a:p>
             <a:fld id="{91C6F807-9600-4810-AA4D-D4FF486A8168}" type="slidenum">
               <a:rPr lang="ko-KR" altLang="en-US" smtClean="0"/>
@@ -3683,7 +3618,7 @@
           </a:lstStyle>
           <a:p>
             <a:r>
-              <a:rPr kumimoji="0" lang="ko-KR" altLang="en-US" smtClean="0"/>
+              <a:rPr kumimoji="0" lang="ko-KR" altLang="en-US"/>
               <a:t>마스터 제목 스타일 편집</a:t>
             </a:r>
             <a:endParaRPr kumimoji="0" lang="en-US"/>
@@ -3703,9 +3638,7 @@
         <p:spPr/>
         <p:txBody>
           <a:bodyPr/>
-          <a:lstStyle>
-            <a:extLst/>
-          </a:lstStyle>
+          <a:lstStyle/>
           <a:p>
             <a:fld id="{5461D8C1-8742-4899-8C54-88F14E68CB8A}" type="datetimeFigureOut">
               <a:rPr lang="ko-KR" altLang="en-US" smtClean="0"/>
@@ -3728,9 +3661,7 @@
         <p:spPr/>
         <p:txBody>
           <a:bodyPr/>
-          <a:lstStyle>
-            <a:extLst/>
-          </a:lstStyle>
+          <a:lstStyle/>
           <a:p>
             <a:endParaRPr lang="ko-KR" altLang="en-US"/>
           </a:p>
@@ -3749,9 +3680,7 @@
         <p:spPr/>
         <p:txBody>
           <a:bodyPr/>
-          <a:lstStyle>
-            <a:extLst/>
-          </a:lstStyle>
+          <a:lstStyle/>
           <a:p>
             <a:fld id="{91C6F807-9600-4810-AA4D-D4FF486A8168}" type="slidenum">
               <a:rPr lang="ko-KR" altLang="en-US" smtClean="0"/>
@@ -3808,9 +3737,7 @@
           <a:bodyPr lIns="91440" tIns="274320" rtlCol="0" anchor="t">
             <a:normAutofit/>
           </a:bodyPr>
-          <a:lstStyle>
-            <a:extLst/>
-          </a:lstStyle>
+          <a:lstStyle/>
           <a:p>
             <a:pPr marL="0" indent="-283464" algn="l" rtl="0" eaLnBrk="1" latinLnBrk="0" hangingPunct="1">
               <a:lnSpc>
@@ -3878,7 +3805,7 @@
           <a:p>
             <a:pPr marL="0" algn="l" eaLnBrk="1" latinLnBrk="0" hangingPunct="1"/>
             <a:r>
-              <a:rPr kumimoji="0" lang="ko-KR" altLang="en-US" smtClean="0"/>
+              <a:rPr kumimoji="0" lang="ko-KR" altLang="en-US"/>
               <a:t>그림을 추가하려면 아이콘을 클릭하십시오</a:t>
             </a:r>
             <a:endParaRPr kumimoji="0" lang="en-US" dirty="0"/>
@@ -3938,9 +3865,7 @@
         </p:style>
         <p:txBody>
           <a:bodyPr anchor="ctr"/>
-          <a:lstStyle>
-            <a:extLst/>
-          </a:lstStyle>
+          <a:lstStyle/>
           <a:p>
             <a:pPr algn="ctr" eaLnBrk="1" latinLnBrk="0" hangingPunct="1"/>
             <a:endParaRPr kumimoji="0" lang="en-US"/>
@@ -3998,9 +3923,7 @@
         </p:style>
         <p:txBody>
           <a:bodyPr anchor="ctr"/>
-          <a:lstStyle>
-            <a:extLst/>
-          </a:lstStyle>
+          <a:lstStyle/>
           <a:p>
             <a:pPr algn="ctr" eaLnBrk="1" latinLnBrk="0" hangingPunct="1"/>
             <a:endParaRPr kumimoji="0" lang="en-US" dirty="0"/>
@@ -4057,7 +3980,7 @@
           <a:p>
             <a:pPr lvl="0" eaLnBrk="1" latinLnBrk="0" hangingPunct="1"/>
             <a:r>
-              <a:rPr kumimoji="0" lang="ko-KR" altLang="en-US" smtClean="0"/>
+              <a:rPr kumimoji="0" lang="ko-KR" altLang="en-US"/>
               <a:t>마스터 텍스트 스타일을 편집합니다</a:t>
             </a:r>
           </a:p>
@@ -4145,9 +4068,7 @@
         </p:style>
         <p:txBody>
           <a:bodyPr anchor="ctr"/>
-          <a:lstStyle>
-            <a:extLst/>
-          </a:lstStyle>
+          <a:lstStyle/>
           <a:p>
             <a:pPr algn="ctr" eaLnBrk="1" latinLnBrk="0" hangingPunct="1"/>
             <a:endParaRPr kumimoji="0" lang="en-US"/>
@@ -4205,9 +4126,7 @@
         </p:style>
         <p:txBody>
           <a:bodyPr anchor="ctr"/>
-          <a:lstStyle>
-            <a:extLst/>
-          </a:lstStyle>
+          <a:lstStyle/>
           <a:p>
             <a:pPr algn="ctr" eaLnBrk="1" latinLnBrk="0" hangingPunct="1"/>
             <a:endParaRPr kumimoji="0" lang="en-US"/>
@@ -4297,9 +4216,7 @@
         </p:style>
         <p:txBody>
           <a:bodyPr anchor="ctr"/>
-          <a:lstStyle>
-            <a:extLst/>
-          </a:lstStyle>
+          <a:lstStyle/>
           <a:p>
             <a:pPr algn="ctr" eaLnBrk="1" latinLnBrk="0" hangingPunct="1"/>
             <a:endParaRPr kumimoji="0" lang="en-US"/>
@@ -4345,9 +4262,7 @@
         </p:style>
         <p:txBody>
           <a:bodyPr anchor="ctr"/>
-          <a:lstStyle>
-            <a:extLst/>
-          </a:lstStyle>
+          <a:lstStyle/>
           <a:p>
             <a:pPr algn="ctr" eaLnBrk="1" latinLnBrk="0" hangingPunct="1"/>
             <a:endParaRPr kumimoji="0" lang="en-US"/>
@@ -4377,12 +4292,10 @@
           <a:bodyPr anchor="ctr">
             <a:normAutofit/>
           </a:bodyPr>
-          <a:lstStyle>
-            <a:extLst/>
-          </a:lstStyle>
-          <a:p>
-            <a:r>
-              <a:rPr kumimoji="0" lang="ko-KR" altLang="en-US" smtClean="0"/>
+          <a:lstStyle/>
+          <a:p>
+            <a:r>
+              <a:rPr kumimoji="0" lang="ko-KR" altLang="en-US"/>
               <a:t>마스터 제목 스타일 편집</a:t>
             </a:r>
             <a:endParaRPr kumimoji="0" lang="en-US"/>
@@ -4412,41 +4325,39 @@
           <a:bodyPr>
             <a:normAutofit/>
           </a:bodyPr>
-          <a:lstStyle>
-            <a:extLst/>
-          </a:lstStyle>
+          <a:lstStyle/>
           <a:p>
             <a:pPr lvl="0" eaLnBrk="1" latinLnBrk="0" hangingPunct="1"/>
             <a:r>
-              <a:rPr kumimoji="0" lang="ko-KR" altLang="en-US" smtClean="0"/>
+              <a:rPr kumimoji="0" lang="ko-KR" altLang="en-US"/>
               <a:t>마스터 텍스트 스타일을 편집합니다</a:t>
             </a:r>
           </a:p>
           <a:p>
             <a:pPr lvl="1" eaLnBrk="1" latinLnBrk="0" hangingPunct="1"/>
             <a:r>
-              <a:rPr kumimoji="0" lang="ko-KR" altLang="en-US" smtClean="0"/>
+              <a:rPr kumimoji="0" lang="ko-KR" altLang="en-US"/>
               <a:t>둘째 수준</a:t>
             </a:r>
           </a:p>
           <a:p>
             <a:pPr lvl="2" eaLnBrk="1" latinLnBrk="0" hangingPunct="1"/>
             <a:r>
-              <a:rPr kumimoji="0" lang="ko-KR" altLang="en-US" smtClean="0"/>
+              <a:rPr kumimoji="0" lang="ko-KR" altLang="en-US"/>
               <a:t>셋째 수준</a:t>
             </a:r>
           </a:p>
           <a:p>
             <a:pPr lvl="3" eaLnBrk="1" latinLnBrk="0" hangingPunct="1"/>
             <a:r>
-              <a:rPr kumimoji="0" lang="ko-KR" altLang="en-US" smtClean="0"/>
+              <a:rPr kumimoji="0" lang="ko-KR" altLang="en-US"/>
               <a:t>넷째 수준</a:t>
             </a:r>
           </a:p>
           <a:p>
             <a:pPr lvl="4" eaLnBrk="1" latinLnBrk="0" hangingPunct="1"/>
             <a:r>
-              <a:rPr kumimoji="0" lang="ko-KR" altLang="en-US" smtClean="0"/>
+              <a:rPr kumimoji="0" lang="ko-KR" altLang="en-US"/>
               <a:t>다섯째 수준</a:t>
             </a:r>
             <a:endParaRPr kumimoji="0" lang="en-US"/>
@@ -4627,9 +4538,7 @@
         </p:style>
         <p:txBody>
           <a:bodyPr anchor="ctr"/>
-          <a:lstStyle>
-            <a:extLst/>
-          </a:lstStyle>
+          <a:lstStyle/>
           <a:p>
             <a:pPr algn="ctr" eaLnBrk="1" latinLnBrk="0" hangingPunct="1"/>
             <a:endParaRPr kumimoji="0" lang="en-US"/>
@@ -5010,14 +4919,14 @@
           <a:p>
             <a:pPr algn="ctr"/>
             <a:r>
-              <a:rPr lang="en-US" altLang="ko-KR" dirty="0" smtClean="0"/>
+              <a:rPr lang="en-US" altLang="ko-KR" dirty="0"/>
               <a:t>Blue Company</a:t>
             </a:r>
             <a:br>
-              <a:rPr lang="en-US" altLang="ko-KR" dirty="0" smtClean="0"/>
+              <a:rPr lang="en-US" altLang="ko-KR" dirty="0"/>
             </a:br>
             <a:r>
-              <a:rPr lang="en-US" altLang="ko-KR" dirty="0" smtClean="0"/>
+              <a:rPr lang="en-US" altLang="ko-KR" dirty="0"/>
               <a:t>Fulfillment Service</a:t>
             </a:r>
             <a:endParaRPr lang="ko-KR" altLang="en-US" dirty="0"/>
@@ -5048,43 +4957,39 @@
           <a:p>
             <a:pPr algn="r"/>
             <a:r>
-              <a:rPr lang="ko-KR" altLang="en-US" dirty="0" smtClean="0"/>
+              <a:rPr lang="ko-KR" altLang="en-US" dirty="0"/>
               <a:t>전자정부표준프레임워크</a:t>
             </a:r>
-            <a:endParaRPr lang="en-US" altLang="ko-KR" dirty="0" smtClean="0"/>
+            <a:endParaRPr lang="en-US" altLang="ko-KR" dirty="0"/>
           </a:p>
           <a:p>
             <a:pPr algn="r"/>
             <a:r>
-              <a:rPr lang="en-US" altLang="ko-KR" dirty="0" smtClean="0"/>
+              <a:rPr lang="en-US" altLang="ko-KR" dirty="0"/>
               <a:t>Project 01</a:t>
             </a:r>
           </a:p>
           <a:p>
             <a:pPr algn="r"/>
             <a:r>
-              <a:rPr lang="ko-KR" altLang="en-US" dirty="0" err="1" smtClean="0"/>
+              <a:rPr lang="ko-KR" altLang="en-US" dirty="0" err="1"/>
               <a:t>권오인</a:t>
             </a:r>
-            <a:endParaRPr lang="en-US" altLang="ko-KR" dirty="0" smtClean="0"/>
+            <a:endParaRPr lang="en-US" altLang="ko-KR" dirty="0"/>
           </a:p>
           <a:p>
             <a:pPr algn="r"/>
             <a:r>
-              <a:rPr lang="ko-KR" altLang="en-US" dirty="0" smtClean="0"/>
+              <a:rPr lang="ko-KR" altLang="en-US" dirty="0"/>
               <a:t>김성현</a:t>
             </a:r>
-            <a:endParaRPr lang="en-US" altLang="ko-KR" dirty="0" smtClean="0"/>
+            <a:endParaRPr lang="en-US" altLang="ko-KR" dirty="0"/>
           </a:p>
           <a:p>
             <a:pPr algn="r"/>
             <a:r>
-              <a:rPr lang="ko-KR" altLang="en-US" dirty="0" smtClean="0"/>
-              <a:t>은정</a:t>
-            </a:r>
-            <a:r>
               <a:rPr lang="ko-KR" altLang="en-US" dirty="0"/>
-              <a:t>우</a:t>
+              <a:t>은정우</a:t>
             </a:r>
           </a:p>
         </p:txBody>
@@ -5099,13 +5004,6 @@
   <p:clrMapOvr>
     <a:masterClrMapping/>
   </p:clrMapOvr>
-  <p:timing>
-    <p:tnLst>
-      <p:par>
-        <p:cTn id="1" dur="indefinite" restart="never" nodeType="tmRoot"/>
-      </p:par>
-    </p:tnLst>
-  </p:timing>
 </p:sld>
 </file>
 
@@ -5165,18 +5063,13 @@
           <a:p>
             <a:pPr algn="ctr"/>
             <a:r>
-              <a:rPr lang="ko-KR" altLang="en-US" dirty="0" smtClean="0">
+              <a:rPr lang="ko-KR" altLang="en-US" dirty="0">
                 <a:solidFill>
                   <a:schemeClr val="tx1"/>
                 </a:solidFill>
               </a:rPr>
               <a:t>로그아웃</a:t>
             </a:r>
-            <a:endParaRPr lang="ko-KR" altLang="en-US" dirty="0">
-              <a:solidFill>
-                <a:schemeClr val="tx1"/>
-              </a:solidFill>
-            </a:endParaRPr>
           </a:p>
         </p:txBody>
       </p:sp>
@@ -5253,7 +5146,7 @@
           <a:lstStyle/>
           <a:p>
             <a:r>
-              <a:rPr lang="en-US" altLang="ko-KR" sz="1600" dirty="0" smtClean="0"/>
+              <a:rPr lang="en-US" altLang="ko-KR" sz="1600" dirty="0"/>
               <a:t>Transport Invoice</a:t>
             </a:r>
           </a:p>
@@ -5282,30 +5175,25 @@
           <a:lstStyle/>
           <a:p>
             <a:r>
-              <a:rPr lang="ko-KR" altLang="en-US" dirty="0" smtClean="0"/>
+              <a:rPr lang="ko-KR" altLang="en-US" dirty="0"/>
               <a:t>송장번호</a:t>
             </a:r>
             <a:r>
               <a:rPr lang="en-US" altLang="ko-KR" dirty="0"/>
-              <a:t> </a:t>
-            </a:r>
-            <a:r>
-              <a:rPr lang="en-US" altLang="ko-KR" dirty="0" smtClean="0"/>
-              <a:t>       </a:t>
-            </a:r>
-            <a:r>
-              <a:rPr lang="ko-KR" altLang="en-US" dirty="0" smtClean="0"/>
+              <a:t>        </a:t>
+            </a:r>
+            <a:r>
+              <a:rPr lang="ko-KR" altLang="en-US" dirty="0"/>
               <a:t>고객명</a:t>
             </a:r>
             <a:r>
-              <a:rPr lang="en-US" altLang="ko-KR" dirty="0" smtClean="0"/>
+              <a:rPr lang="en-US" altLang="ko-KR" dirty="0"/>
               <a:t>		     </a:t>
             </a:r>
             <a:r>
-              <a:rPr lang="ko-KR" altLang="en-US" dirty="0" smtClean="0"/>
+              <a:rPr lang="ko-KR" altLang="en-US" dirty="0"/>
               <a:t>주소</a:t>
             </a:r>
-            <a:endParaRPr lang="ko-KR" altLang="en-US" dirty="0"/>
           </a:p>
         </p:txBody>
       </p:sp>
@@ -5332,7 +5220,7 @@
           <a:lstStyle/>
           <a:p>
             <a:r>
-              <a:rPr lang="en-US" altLang="ko-KR" dirty="0" smtClean="0"/>
+              <a:rPr lang="en-US" altLang="ko-KR" dirty="0"/>
               <a:t>- 1 -</a:t>
             </a:r>
             <a:endParaRPr lang="ko-KR" altLang="en-US" dirty="0"/>
@@ -5380,27 +5268,23 @@
               </a:pPr>
               <a:r>
                 <a:rPr lang="en-US" altLang="ko-KR" sz="1400" dirty="0"/>
-                <a:t> </a:t>
+                <a:t>    </a:t>
               </a:r>
               <a:r>
-                <a:rPr lang="en-US" altLang="ko-KR" sz="1400" dirty="0" smtClean="0"/>
-                <a:t>   </a:t>
-              </a:r>
-              <a:r>
-                <a:rPr lang="en-US" altLang="ko-KR" sz="1400" dirty="0" smtClean="0">
+                <a:rPr lang="en-US" altLang="ko-KR" sz="1400" dirty="0">
                   <a:hlinkClick r:id="rId3" action="ppaction://hlinksldjump"/>
                 </a:rPr>
                 <a:t>b1021</a:t>
               </a:r>
               <a:r>
-                <a:rPr lang="en-US" altLang="ko-KR" sz="1400" dirty="0" smtClean="0"/>
+                <a:rPr lang="en-US" altLang="ko-KR" sz="1400" dirty="0"/>
                 <a:t>	   </a:t>
               </a:r>
               <a:r>
-                <a:rPr lang="ko-KR" altLang="en-US" sz="1400" dirty="0" err="1" smtClean="0"/>
+                <a:rPr lang="ko-KR" altLang="en-US" sz="1400" dirty="0" err="1"/>
                 <a:t>냥냥이</a:t>
               </a:r>
-              <a:endParaRPr lang="en-US" altLang="ko-KR" sz="1400" dirty="0" smtClean="0"/>
+              <a:endParaRPr lang="en-US" altLang="ko-KR" sz="1400" dirty="0"/>
             </a:p>
             <a:p>
               <a:pPr marL="342900" indent="-342900">
@@ -5408,27 +5292,23 @@
               </a:pPr>
               <a:r>
                 <a:rPr lang="en-US" altLang="ko-KR" sz="1400" dirty="0"/>
-                <a:t> </a:t>
+                <a:t>    </a:t>
               </a:r>
               <a:r>
-                <a:rPr lang="en-US" altLang="ko-KR" sz="1400" dirty="0" smtClean="0"/>
-                <a:t>   </a:t>
-              </a:r>
-              <a:r>
-                <a:rPr lang="en-US" altLang="ko-KR" sz="1400" dirty="0" smtClean="0">
+                <a:rPr lang="en-US" altLang="ko-KR" sz="1400" dirty="0">
                   <a:hlinkClick r:id="rId3" action="ppaction://hlinksldjump"/>
                 </a:rPr>
                 <a:t>c1007</a:t>
               </a:r>
               <a:r>
-                <a:rPr lang="en-US" altLang="ko-KR" sz="1400" dirty="0" smtClean="0"/>
+                <a:rPr lang="en-US" altLang="ko-KR" sz="1400" dirty="0"/>
                 <a:t>                    </a:t>
               </a:r>
               <a:r>
-                <a:rPr lang="ko-KR" altLang="en-US" sz="1400" dirty="0" err="1" smtClean="0"/>
+                <a:rPr lang="ko-KR" altLang="en-US" sz="1400" dirty="0" err="1"/>
                 <a:t>댕댕이</a:t>
               </a:r>
-              <a:endParaRPr lang="en-US" altLang="ko-KR" sz="1400" dirty="0" smtClean="0"/>
+              <a:endParaRPr lang="en-US" altLang="ko-KR" sz="1400" dirty="0"/>
             </a:p>
             <a:p>
               <a:pPr marL="342900" indent="-342900">
@@ -5436,11 +5316,11 @@
                 <a:buAutoNum type="arabicPeriod"/>
               </a:pPr>
               <a:r>
-                <a:rPr lang="en-US" altLang="ko-KR" sz="1400" dirty="0" smtClean="0"/>
+                <a:rPr lang="en-US" altLang="ko-KR" sz="1400" dirty="0"/>
                 <a:t>    </a:t>
               </a:r>
               <a:r>
-                <a:rPr lang="en-US" altLang="ko-KR" sz="1400" dirty="0" smtClean="0">
+                <a:rPr lang="en-US" altLang="ko-KR" sz="1400" dirty="0">
                   <a:hlinkClick r:id="rId3" action="ppaction://hlinksldjump"/>
                 </a:rPr>
                 <a:t>a1001</a:t>
@@ -5461,29 +5341,25 @@
                 <a:buAutoNum type="arabicPeriod"/>
               </a:pPr>
               <a:r>
-                <a:rPr lang="en-US" altLang="ko-KR" sz="1400" dirty="0" smtClean="0"/>
+                <a:rPr lang="en-US" altLang="ko-KR" sz="1400" dirty="0"/>
                 <a:t>    </a:t>
               </a:r>
               <a:r>
-                <a:rPr lang="en-US" altLang="ko-KR" sz="1400" dirty="0" smtClean="0">
+                <a:rPr lang="en-US" altLang="ko-KR" sz="1400" dirty="0">
                   <a:hlinkClick r:id="rId3" action="ppaction://hlinksldjump"/>
                 </a:rPr>
                 <a:t>a1002</a:t>
               </a:r>
               <a:r>
-                <a:rPr lang="en-US" altLang="ko-KR" sz="1400" dirty="0" smtClean="0"/>
-                <a:t>   </a:t>
+                <a:rPr lang="en-US" altLang="ko-KR" sz="1400" dirty="0"/>
+                <a:t>   	   </a:t>
+              </a:r>
+              <a:r>
+                <a:rPr lang="ko-KR" altLang="en-US" sz="1400" dirty="0" err="1"/>
+                <a:t>김자바</a:t>
               </a:r>
               <a:r>
                 <a:rPr lang="en-US" altLang="ko-KR" sz="1400" dirty="0"/>
-                <a:t>	   </a:t>
-              </a:r>
-              <a:r>
-                <a:rPr lang="ko-KR" altLang="en-US" sz="1400" dirty="0" err="1" smtClean="0"/>
-                <a:t>김자바</a:t>
-              </a:r>
-              <a:r>
-                <a:rPr lang="en-US" altLang="ko-KR" sz="1400" dirty="0" smtClean="0"/>
                 <a:t>	 </a:t>
               </a:r>
             </a:p>
@@ -5520,24 +5396,23 @@
                 <a:rPr lang="en-US" altLang="ko-KR" sz="1400" dirty="0"/>
                 <a:t>333 </a:t>
               </a:r>
-              <a:endParaRPr lang="en-US" altLang="ko-KR" sz="1400" dirty="0" smtClean="0"/>
             </a:p>
             <a:p>
               <a:pPr algn="ctr"/>
               <a:r>
-                <a:rPr lang="ko-KR" altLang="en-US" sz="1400" dirty="0" smtClean="0"/>
+                <a:rPr lang="ko-KR" altLang="en-US" sz="1400" dirty="0"/>
                 <a:t>부산광역시 중구 </a:t>
               </a:r>
               <a:r>
-                <a:rPr lang="ko-KR" altLang="en-US" sz="1400" dirty="0" err="1" smtClean="0"/>
+                <a:rPr lang="ko-KR" altLang="en-US" sz="1400" dirty="0" err="1"/>
                 <a:t>남포동</a:t>
               </a:r>
               <a:r>
-                <a:rPr lang="ko-KR" altLang="en-US" sz="1400" dirty="0" smtClean="0"/>
+                <a:rPr lang="ko-KR" altLang="en-US" sz="1400" dirty="0"/>
                 <a:t> </a:t>
               </a:r>
               <a:r>
-                <a:rPr lang="en-US" altLang="ko-KR" sz="1400" dirty="0" smtClean="0"/>
+                <a:rPr lang="en-US" altLang="ko-KR" sz="1400" dirty="0"/>
                 <a:t>987</a:t>
               </a:r>
             </a:p>
@@ -5572,10 +5447,10 @@
                 <a:t>7</a:t>
               </a:r>
               <a:r>
-                <a:rPr lang="ko-KR" altLang="en-US" sz="1400" dirty="0" smtClean="0"/>
+                <a:rPr lang="ko-KR" altLang="en-US" sz="1400" dirty="0"/>
                 <a:t>층</a:t>
               </a:r>
-              <a:endParaRPr lang="en-US" altLang="ko-KR" sz="1400" dirty="0" smtClean="0"/>
+              <a:endParaRPr lang="en-US" altLang="ko-KR" sz="1400" dirty="0"/>
             </a:p>
             <a:p>
               <a:pPr algn="ctr"/>
@@ -5608,7 +5483,7 @@
                 <a:t>7</a:t>
               </a:r>
               <a:r>
-                <a:rPr lang="ko-KR" altLang="en-US" sz="1400" dirty="0" smtClean="0"/>
+                <a:rPr lang="ko-KR" altLang="en-US" sz="1400" dirty="0"/>
                 <a:t>층</a:t>
               </a:r>
               <a:endParaRPr lang="en-US" altLang="ko-KR" sz="1400" dirty="0"/>
@@ -5768,18 +5643,13 @@
           <a:p>
             <a:pPr algn="ctr"/>
             <a:r>
-              <a:rPr lang="ko-KR" altLang="en-US" dirty="0" smtClean="0">
+              <a:rPr lang="ko-KR" altLang="en-US" dirty="0">
                 <a:solidFill>
                   <a:schemeClr val="tx1"/>
                 </a:solidFill>
               </a:rPr>
               <a:t>로그아웃</a:t>
             </a:r>
-            <a:endParaRPr lang="ko-KR" altLang="en-US" dirty="0">
-              <a:solidFill>
-                <a:schemeClr val="tx1"/>
-              </a:solidFill>
-            </a:endParaRPr>
           </a:p>
         </p:txBody>
       </p:sp>
@@ -5856,7 +5726,7 @@
           <a:lstStyle/>
           <a:p>
             <a:r>
-              <a:rPr lang="en-US" altLang="ko-KR" sz="1600" dirty="0" smtClean="0"/>
+              <a:rPr lang="en-US" altLang="ko-KR" sz="1600" dirty="0"/>
               <a:t>Transport Invoice</a:t>
             </a:r>
           </a:p>
@@ -5885,30 +5755,25 @@
           <a:lstStyle/>
           <a:p>
             <a:r>
-              <a:rPr lang="ko-KR" altLang="en-US" dirty="0" smtClean="0"/>
+              <a:rPr lang="ko-KR" altLang="en-US" dirty="0"/>
               <a:t>송장번호</a:t>
             </a:r>
             <a:r>
               <a:rPr lang="en-US" altLang="ko-KR" dirty="0"/>
-              <a:t> </a:t>
-            </a:r>
-            <a:r>
-              <a:rPr lang="en-US" altLang="ko-KR" dirty="0" smtClean="0"/>
-              <a:t>       </a:t>
-            </a:r>
-            <a:r>
-              <a:rPr lang="ko-KR" altLang="en-US" dirty="0" smtClean="0"/>
+              <a:t>        </a:t>
+            </a:r>
+            <a:r>
+              <a:rPr lang="ko-KR" altLang="en-US" dirty="0"/>
               <a:t>고객명</a:t>
             </a:r>
             <a:r>
-              <a:rPr lang="en-US" altLang="ko-KR" dirty="0" smtClean="0"/>
+              <a:rPr lang="en-US" altLang="ko-KR" dirty="0"/>
               <a:t>		     </a:t>
             </a:r>
             <a:r>
-              <a:rPr lang="ko-KR" altLang="en-US" dirty="0" smtClean="0"/>
+              <a:rPr lang="ko-KR" altLang="en-US" dirty="0"/>
               <a:t>주소</a:t>
             </a:r>
-            <a:endParaRPr lang="ko-KR" altLang="en-US" dirty="0"/>
           </a:p>
         </p:txBody>
       </p:sp>
@@ -5935,7 +5800,7 @@
           <a:lstStyle/>
           <a:p>
             <a:r>
-              <a:rPr lang="en-US" altLang="ko-KR" dirty="0" smtClean="0"/>
+              <a:rPr lang="en-US" altLang="ko-KR" dirty="0"/>
               <a:t>- 1 -</a:t>
             </a:r>
             <a:endParaRPr lang="ko-KR" altLang="en-US" dirty="0"/>
@@ -5983,27 +5848,23 @@
               </a:pPr>
               <a:r>
                 <a:rPr lang="en-US" altLang="ko-KR" sz="1400" dirty="0"/>
-                <a:t> </a:t>
+                <a:t>    </a:t>
               </a:r>
               <a:r>
-                <a:rPr lang="en-US" altLang="ko-KR" sz="1400" dirty="0" smtClean="0"/>
-                <a:t>   </a:t>
-              </a:r>
-              <a:r>
-                <a:rPr lang="en-US" altLang="ko-KR" sz="1400" dirty="0" smtClean="0">
+                <a:rPr lang="en-US" altLang="ko-KR" sz="1400" dirty="0">
                   <a:hlinkClick r:id="rId3" action="ppaction://hlinksldjump"/>
                 </a:rPr>
                 <a:t>b1021</a:t>
               </a:r>
               <a:r>
-                <a:rPr lang="en-US" altLang="ko-KR" sz="1400" dirty="0" smtClean="0"/>
+                <a:rPr lang="en-US" altLang="ko-KR" sz="1400" dirty="0"/>
                 <a:t>	   </a:t>
               </a:r>
               <a:r>
-                <a:rPr lang="ko-KR" altLang="en-US" sz="1400" dirty="0" err="1" smtClean="0"/>
+                <a:rPr lang="ko-KR" altLang="en-US" sz="1400" dirty="0" err="1"/>
                 <a:t>냥냥이</a:t>
               </a:r>
-              <a:endParaRPr lang="en-US" altLang="ko-KR" sz="1400" dirty="0" smtClean="0"/>
+              <a:endParaRPr lang="en-US" altLang="ko-KR" sz="1400" dirty="0"/>
             </a:p>
             <a:p>
               <a:pPr marL="342900" indent="-342900">
@@ -6011,27 +5872,23 @@
               </a:pPr>
               <a:r>
                 <a:rPr lang="en-US" altLang="ko-KR" sz="1400" dirty="0"/>
-                <a:t> </a:t>
+                <a:t>    </a:t>
               </a:r>
               <a:r>
-                <a:rPr lang="en-US" altLang="ko-KR" sz="1400" dirty="0" smtClean="0"/>
-                <a:t>   </a:t>
-              </a:r>
-              <a:r>
-                <a:rPr lang="en-US" altLang="ko-KR" sz="1400" dirty="0" smtClean="0">
+                <a:rPr lang="en-US" altLang="ko-KR" sz="1400" dirty="0">
                   <a:hlinkClick r:id="rId3" action="ppaction://hlinksldjump"/>
                 </a:rPr>
                 <a:t>c1007</a:t>
               </a:r>
               <a:r>
-                <a:rPr lang="en-US" altLang="ko-KR" sz="1400" dirty="0" smtClean="0"/>
+                <a:rPr lang="en-US" altLang="ko-KR" sz="1400" dirty="0"/>
                 <a:t>                    </a:t>
               </a:r>
               <a:r>
-                <a:rPr lang="ko-KR" altLang="en-US" sz="1400" dirty="0" err="1" smtClean="0"/>
+                <a:rPr lang="ko-KR" altLang="en-US" sz="1400" dirty="0" err="1"/>
                 <a:t>댕댕이</a:t>
               </a:r>
-              <a:endParaRPr lang="en-US" altLang="ko-KR" sz="1400" dirty="0" smtClean="0"/>
+              <a:endParaRPr lang="en-US" altLang="ko-KR" sz="1400" dirty="0"/>
             </a:p>
             <a:p>
               <a:pPr marL="342900" indent="-342900">
@@ -6039,11 +5896,11 @@
                 <a:buAutoNum type="arabicPeriod"/>
               </a:pPr>
               <a:r>
-                <a:rPr lang="en-US" altLang="ko-KR" sz="1400" dirty="0" smtClean="0"/>
+                <a:rPr lang="en-US" altLang="ko-KR" sz="1400" dirty="0"/>
                 <a:t>    </a:t>
               </a:r>
               <a:r>
-                <a:rPr lang="en-US" altLang="ko-KR" sz="1400" dirty="0" smtClean="0">
+                <a:rPr lang="en-US" altLang="ko-KR" sz="1400" dirty="0">
                   <a:hlinkClick r:id="rId3" action="ppaction://hlinksldjump"/>
                 </a:rPr>
                 <a:t>a1001</a:t>
@@ -6064,29 +5921,25 @@
                 <a:buAutoNum type="arabicPeriod"/>
               </a:pPr>
               <a:r>
-                <a:rPr lang="en-US" altLang="ko-KR" sz="1400" dirty="0" smtClean="0"/>
+                <a:rPr lang="en-US" altLang="ko-KR" sz="1400" dirty="0"/>
                 <a:t>    </a:t>
               </a:r>
               <a:r>
-                <a:rPr lang="en-US" altLang="ko-KR" sz="1400" dirty="0" smtClean="0">
+                <a:rPr lang="en-US" altLang="ko-KR" sz="1400" dirty="0">
                   <a:hlinkClick r:id="rId3" action="ppaction://hlinksldjump"/>
                 </a:rPr>
                 <a:t>a1002</a:t>
               </a:r>
               <a:r>
-                <a:rPr lang="en-US" altLang="ko-KR" sz="1400" dirty="0" smtClean="0"/>
-                <a:t>   </a:t>
+                <a:rPr lang="en-US" altLang="ko-KR" sz="1400" dirty="0"/>
+                <a:t>   	   </a:t>
+              </a:r>
+              <a:r>
+                <a:rPr lang="ko-KR" altLang="en-US" sz="1400" dirty="0" err="1"/>
+                <a:t>김자바</a:t>
               </a:r>
               <a:r>
                 <a:rPr lang="en-US" altLang="ko-KR" sz="1400" dirty="0"/>
-                <a:t>	   </a:t>
-              </a:r>
-              <a:r>
-                <a:rPr lang="ko-KR" altLang="en-US" sz="1400" dirty="0" err="1" smtClean="0"/>
-                <a:t>김자바</a:t>
-              </a:r>
-              <a:r>
-                <a:rPr lang="en-US" altLang="ko-KR" sz="1400" dirty="0" smtClean="0"/>
                 <a:t>	 </a:t>
               </a:r>
             </a:p>
@@ -6123,24 +5976,23 @@
                 <a:rPr lang="en-US" altLang="ko-KR" sz="1400" dirty="0"/>
                 <a:t>333 </a:t>
               </a:r>
-              <a:endParaRPr lang="en-US" altLang="ko-KR" sz="1400" dirty="0" smtClean="0"/>
             </a:p>
             <a:p>
               <a:pPr algn="ctr"/>
               <a:r>
-                <a:rPr lang="ko-KR" altLang="en-US" sz="1400" dirty="0" smtClean="0"/>
+                <a:rPr lang="ko-KR" altLang="en-US" sz="1400" dirty="0"/>
                 <a:t>부산광역시 중구 </a:t>
               </a:r>
               <a:r>
-                <a:rPr lang="ko-KR" altLang="en-US" sz="1400" dirty="0" err="1" smtClean="0"/>
+                <a:rPr lang="ko-KR" altLang="en-US" sz="1400" dirty="0" err="1"/>
                 <a:t>남포동</a:t>
               </a:r>
               <a:r>
-                <a:rPr lang="ko-KR" altLang="en-US" sz="1400" dirty="0" smtClean="0"/>
+                <a:rPr lang="ko-KR" altLang="en-US" sz="1400" dirty="0"/>
                 <a:t> </a:t>
               </a:r>
               <a:r>
-                <a:rPr lang="en-US" altLang="ko-KR" sz="1400" dirty="0" smtClean="0"/>
+                <a:rPr lang="en-US" altLang="ko-KR" sz="1400" dirty="0"/>
                 <a:t>987</a:t>
               </a:r>
             </a:p>
@@ -6175,10 +6027,10 @@
                 <a:t>7</a:t>
               </a:r>
               <a:r>
-                <a:rPr lang="ko-KR" altLang="en-US" sz="1400" dirty="0" smtClean="0"/>
+                <a:rPr lang="ko-KR" altLang="en-US" sz="1400" dirty="0"/>
                 <a:t>층</a:t>
               </a:r>
-              <a:endParaRPr lang="en-US" altLang="ko-KR" sz="1400" dirty="0" smtClean="0"/>
+              <a:endParaRPr lang="en-US" altLang="ko-KR" sz="1400" dirty="0"/>
             </a:p>
             <a:p>
               <a:pPr algn="ctr"/>
@@ -6211,7 +6063,7 @@
                 <a:t>7</a:t>
               </a:r>
               <a:r>
-                <a:rPr lang="ko-KR" altLang="en-US" sz="1400" dirty="0" smtClean="0"/>
+                <a:rPr lang="ko-KR" altLang="en-US" sz="1400" dirty="0"/>
                 <a:t>층</a:t>
               </a:r>
               <a:endParaRPr lang="en-US" altLang="ko-KR" sz="1400" dirty="0"/>
@@ -6369,7 +6221,7 @@
           <a:p>
             <a:pPr algn="ctr"/>
             <a:r>
-              <a:rPr lang="ko-KR" altLang="en-US" dirty="0" smtClean="0">
+              <a:rPr lang="ko-KR" altLang="en-US" dirty="0">
                 <a:solidFill>
                   <a:schemeClr val="tx1"/>
                 </a:solidFill>
@@ -6377,7 +6229,7 @@
               <a:t>송장 </a:t>
             </a:r>
             <a:r>
-              <a:rPr lang="en-US" altLang="ko-KR" dirty="0" smtClean="0">
+              <a:rPr lang="en-US" altLang="ko-KR" dirty="0">
                 <a:solidFill>
                   <a:schemeClr val="tx1"/>
                 </a:solidFill>
@@ -6385,14 +6237,14 @@
               <a:t>CSV</a:t>
             </a:r>
             <a:r>
-              <a:rPr lang="ko-KR" altLang="en-US" dirty="0" smtClean="0">
+              <a:rPr lang="ko-KR" altLang="en-US" dirty="0">
                 <a:solidFill>
                   <a:schemeClr val="tx1"/>
                 </a:solidFill>
               </a:rPr>
               <a:t> </a:t>
             </a:r>
-            <a:endParaRPr lang="en-US" altLang="ko-KR" dirty="0" smtClean="0">
+            <a:endParaRPr lang="en-US" altLang="ko-KR" dirty="0">
               <a:solidFill>
                 <a:schemeClr val="tx1"/>
               </a:solidFill>
@@ -6401,18 +6253,13 @@
           <a:p>
             <a:pPr algn="ctr"/>
             <a:r>
-              <a:rPr lang="ko-KR" altLang="en-US" dirty="0" smtClean="0">
+              <a:rPr lang="ko-KR" altLang="en-US" dirty="0">
                 <a:solidFill>
                   <a:schemeClr val="tx1"/>
                 </a:solidFill>
               </a:rPr>
               <a:t>다운로드</a:t>
             </a:r>
-            <a:endParaRPr lang="ko-KR" altLang="en-US" dirty="0">
-              <a:solidFill>
-                <a:schemeClr val="tx1"/>
-              </a:solidFill>
-            </a:endParaRPr>
           </a:p>
         </p:txBody>
       </p:sp>
@@ -6455,18 +6302,13 @@
           <a:p>
             <a:pPr algn="ctr"/>
             <a:r>
-              <a:rPr lang="ko-KR" altLang="en-US" dirty="0" smtClean="0">
+              <a:rPr lang="ko-KR" altLang="en-US" dirty="0">
                 <a:solidFill>
                   <a:schemeClr val="tx1"/>
                 </a:solidFill>
               </a:rPr>
               <a:t>로그아웃</a:t>
             </a:r>
-            <a:endParaRPr lang="ko-KR" altLang="en-US" dirty="0">
-              <a:solidFill>
-                <a:schemeClr val="tx1"/>
-              </a:solidFill>
-            </a:endParaRPr>
           </a:p>
         </p:txBody>
       </p:sp>
@@ -6494,11 +6336,7 @@
           <a:p>
             <a:r>
               <a:rPr lang="en-US" altLang="ko-KR" dirty="0"/>
-              <a:t>T</a:t>
-            </a:r>
-            <a:r>
-              <a:rPr lang="en-US" altLang="ko-KR" dirty="0" smtClean="0"/>
-              <a:t>ransport</a:t>
+              <a:t>Transport</a:t>
             </a:r>
           </a:p>
         </p:txBody>
@@ -6552,18 +6390,13 @@
             <a:p>
               <a:pPr algn="ctr"/>
               <a:r>
-                <a:rPr lang="ko-KR" altLang="en-US" dirty="0" smtClean="0">
+                <a:rPr lang="ko-KR" altLang="en-US" dirty="0">
                   <a:solidFill>
                     <a:schemeClr val="tx1"/>
                   </a:solidFill>
                 </a:rPr>
                 <a:t> </a:t>
               </a:r>
-              <a:endParaRPr lang="ko-KR" altLang="en-US" dirty="0">
-                <a:solidFill>
-                  <a:schemeClr val="tx1"/>
-                </a:solidFill>
-              </a:endParaRPr>
             </a:p>
           </p:txBody>
         </p:sp>
@@ -6604,26 +6437,26 @@
               <a:lstStyle/>
               <a:p>
                 <a:r>
-                  <a:rPr lang="ko-KR" altLang="en-US" dirty="0" smtClean="0"/>
+                  <a:rPr lang="ko-KR" altLang="en-US" dirty="0"/>
                   <a:t>   고객명                            </a:t>
                 </a:r>
                 <a:r>
-                  <a:rPr lang="en-US" altLang="ko-KR" dirty="0" smtClean="0"/>
+                  <a:rPr lang="en-US" altLang="ko-KR" dirty="0"/>
                   <a:t>  </a:t>
                 </a:r>
                 <a:r>
-                  <a:rPr lang="ko-KR" altLang="en-US" dirty="0" smtClean="0"/>
+                  <a:rPr lang="ko-KR" altLang="en-US" dirty="0"/>
                   <a:t>주소</a:t>
                 </a:r>
                 <a:r>
-                  <a:rPr lang="en-US" altLang="ko-KR" dirty="0" smtClean="0"/>
+                  <a:rPr lang="en-US" altLang="ko-KR" dirty="0"/>
                   <a:t>		                </a:t>
                 </a:r>
                 <a:r>
-                  <a:rPr lang="ko-KR" altLang="en-US" dirty="0" smtClean="0"/>
+                  <a:rPr lang="ko-KR" altLang="en-US" dirty="0"/>
                   <a:t>물품</a:t>
                 </a:r>
-                <a:endParaRPr lang="en-US" altLang="ko-KR" dirty="0" smtClean="0"/>
+                <a:endParaRPr lang="en-US" altLang="ko-KR" dirty="0"/>
               </a:p>
             </p:txBody>
           </p:sp>
@@ -6651,54 +6484,50 @@
               <a:p>
                 <a:r>
                   <a:rPr lang="en-US" altLang="ko-KR" sz="1400" dirty="0"/>
+                  <a:t>        </a:t>
+                </a:r>
+                <a:r>
+                  <a:rPr lang="ko-KR" altLang="en-US" sz="1400" dirty="0" err="1"/>
+                  <a:t>김자바</a:t>
+                </a:r>
+                <a:r>
+                  <a:rPr lang="en-US" altLang="ko-KR" sz="1400" dirty="0"/>
+                  <a:t>             </a:t>
+                </a:r>
+                <a:r>
+                  <a:rPr lang="ko-KR" altLang="en-US" sz="1400" dirty="0"/>
+                  <a:t>대전광역시 서구 </a:t>
+                </a:r>
+                <a:r>
+                  <a:rPr lang="ko-KR" altLang="en-US" sz="1400" dirty="0" err="1"/>
+                  <a:t>월평동</a:t>
+                </a:r>
+                <a:r>
+                  <a:rPr lang="ko-KR" altLang="en-US" sz="1400" dirty="0"/>
                   <a:t> </a:t>
                 </a:r>
                 <a:r>
-                  <a:rPr lang="en-US" altLang="ko-KR" sz="1400" dirty="0" smtClean="0"/>
-                  <a:t>       </a:t>
+                  <a:rPr lang="en-US" altLang="ko-KR" sz="1400" dirty="0"/>
+                  <a:t>243 </a:t>
                 </a:r>
                 <a:r>
-                  <a:rPr lang="ko-KR" altLang="en-US" sz="1400" dirty="0" err="1" smtClean="0"/>
-                  <a:t>김자바</a:t>
+                  <a:rPr lang="ko-KR" altLang="en-US" sz="1400" dirty="0" err="1"/>
+                  <a:t>스타게이트</a:t>
                 </a:r>
                 <a:r>
-                  <a:rPr lang="en-US" altLang="ko-KR" sz="1400" dirty="0" smtClean="0"/>
-                  <a:t>             </a:t>
-                </a:r>
-                <a:r>
-                  <a:rPr lang="ko-KR" altLang="en-US" sz="1400" dirty="0" smtClean="0"/>
-                  <a:t>대전광역시 서구 </a:t>
-                </a:r>
-                <a:r>
-                  <a:rPr lang="ko-KR" altLang="en-US" sz="1400" dirty="0" err="1" smtClean="0"/>
-                  <a:t>월평동</a:t>
-                </a:r>
-                <a:r>
-                  <a:rPr lang="ko-KR" altLang="en-US" sz="1400" dirty="0" smtClean="0"/>
+                  <a:rPr lang="ko-KR" altLang="en-US" sz="1400" dirty="0"/>
                   <a:t> </a:t>
                 </a:r>
                 <a:r>
-                  <a:rPr lang="en-US" altLang="ko-KR" sz="1400" dirty="0" smtClean="0"/>
-                  <a:t>243 </a:t>
-                </a:r>
-                <a:r>
-                  <a:rPr lang="ko-KR" altLang="en-US" sz="1400" dirty="0" err="1" smtClean="0"/>
-                  <a:t>스타게이트</a:t>
-                </a:r>
-                <a:r>
-                  <a:rPr lang="ko-KR" altLang="en-US" sz="1400" dirty="0" smtClean="0"/>
-                  <a:t> </a:t>
-                </a:r>
-                <a:r>
-                  <a:rPr lang="en-US" altLang="ko-KR" sz="1400" dirty="0" smtClean="0"/>
+                  <a:rPr lang="en-US" altLang="ko-KR" sz="1400" dirty="0"/>
                   <a:t>7</a:t>
                 </a:r>
                 <a:r>
-                  <a:rPr lang="ko-KR" altLang="en-US" sz="1400" dirty="0" smtClean="0"/>
+                  <a:rPr lang="ko-KR" altLang="en-US" sz="1400" dirty="0"/>
                   <a:t>층</a:t>
                 </a:r>
                 <a:r>
-                  <a:rPr lang="en-US" altLang="ko-KR" sz="1400" dirty="0" smtClean="0"/>
+                  <a:rPr lang="en-US" altLang="ko-KR" sz="1400" dirty="0"/>
                   <a:t>	</a:t>
                 </a:r>
               </a:p>
@@ -6728,11 +6557,11 @@
             <a:lstStyle/>
             <a:p>
               <a:r>
-                <a:rPr lang="ko-KR" altLang="en-US" dirty="0" smtClean="0"/>
+                <a:rPr lang="ko-KR" altLang="en-US" dirty="0"/>
                 <a:t>송장번호 </a:t>
               </a:r>
               <a:r>
-                <a:rPr lang="en-US" altLang="ko-KR" dirty="0" smtClean="0"/>
+                <a:rPr lang="en-US" altLang="ko-KR" dirty="0"/>
                 <a:t>a1001</a:t>
               </a:r>
               <a:endParaRPr lang="ko-KR" altLang="en-US" dirty="0"/>
@@ -6763,52 +6592,52 @@
           <a:lstStyle/>
           <a:p>
             <a:r>
-              <a:rPr lang="ko-KR" altLang="en-US" sz="1400" dirty="0" smtClean="0"/>
+              <a:rPr lang="ko-KR" altLang="en-US" sz="1400" dirty="0"/>
               <a:t>삼겹살</a:t>
             </a:r>
-            <a:endParaRPr lang="en-US" altLang="ko-KR" sz="1400" dirty="0" smtClean="0"/>
-          </a:p>
-          <a:p>
-            <a:r>
-              <a:rPr lang="ko-KR" altLang="en-US" sz="1400" dirty="0" smtClean="0"/>
+            <a:endParaRPr lang="en-US" altLang="ko-KR" sz="1400" dirty="0"/>
+          </a:p>
+          <a:p>
+            <a:r>
+              <a:rPr lang="ko-KR" altLang="en-US" sz="1400" dirty="0"/>
               <a:t>목살</a:t>
             </a:r>
-            <a:endParaRPr lang="en-US" altLang="ko-KR" sz="1400" dirty="0" smtClean="0"/>
-          </a:p>
-          <a:p>
-            <a:r>
-              <a:rPr lang="ko-KR" altLang="en-US" sz="1400" dirty="0" smtClean="0"/>
+            <a:endParaRPr lang="en-US" altLang="ko-KR" sz="1400" dirty="0"/>
+          </a:p>
+          <a:p>
+            <a:r>
+              <a:rPr lang="ko-KR" altLang="en-US" sz="1400" dirty="0"/>
               <a:t>대파 </a:t>
             </a:r>
-            <a:endParaRPr lang="en-US" altLang="ko-KR" sz="1400" dirty="0" smtClean="0"/>
-          </a:p>
-          <a:p>
-            <a:r>
-              <a:rPr lang="ko-KR" altLang="en-US" sz="1400" dirty="0" smtClean="0"/>
+            <a:endParaRPr lang="en-US" altLang="ko-KR" sz="1400" dirty="0"/>
+          </a:p>
+          <a:p>
+            <a:r>
+              <a:rPr lang="ko-KR" altLang="en-US" sz="1400" dirty="0"/>
               <a:t>쌈장 </a:t>
             </a:r>
-            <a:endParaRPr lang="en-US" altLang="ko-KR" sz="1400" dirty="0" smtClean="0"/>
-          </a:p>
-          <a:p>
-            <a:r>
-              <a:rPr lang="ko-KR" altLang="en-US" sz="1400" dirty="0" smtClean="0"/>
+            <a:endParaRPr lang="en-US" altLang="ko-KR" sz="1400" dirty="0"/>
+          </a:p>
+          <a:p>
+            <a:r>
+              <a:rPr lang="ko-KR" altLang="en-US" sz="1400" dirty="0"/>
               <a:t>젓가락</a:t>
             </a:r>
-            <a:endParaRPr lang="en-US" altLang="ko-KR" sz="1400" dirty="0" smtClean="0"/>
-          </a:p>
-          <a:p>
-            <a:r>
-              <a:rPr lang="ko-KR" altLang="en-US" sz="1400" dirty="0" smtClean="0"/>
+            <a:endParaRPr lang="en-US" altLang="ko-KR" sz="1400" dirty="0"/>
+          </a:p>
+          <a:p>
+            <a:r>
+              <a:rPr lang="ko-KR" altLang="en-US" sz="1400" dirty="0"/>
               <a:t>일회용용기</a:t>
             </a:r>
-            <a:endParaRPr lang="en-US" altLang="ko-KR" sz="1400" dirty="0" smtClean="0"/>
-          </a:p>
-          <a:p>
-            <a:r>
-              <a:rPr lang="ko-KR" altLang="en-US" sz="1400" dirty="0" smtClean="0"/>
+            <a:endParaRPr lang="en-US" altLang="ko-KR" sz="1400" dirty="0"/>
+          </a:p>
+          <a:p>
+            <a:r>
+              <a:rPr lang="ko-KR" altLang="en-US" sz="1400" dirty="0"/>
               <a:t>콜라</a:t>
             </a:r>
-            <a:endParaRPr lang="en-US" altLang="ko-KR" sz="1400" dirty="0" smtClean="0"/>
+            <a:endParaRPr lang="en-US" altLang="ko-KR" sz="1400" dirty="0"/>
           </a:p>
           <a:p>
             <a:pPr marL="342900" indent="-342900">
@@ -6857,7 +6686,7 @@
           <a:p>
             <a:pPr algn="ctr"/>
             <a:r>
-              <a:rPr lang="ko-KR" altLang="en-US" dirty="0" err="1" smtClean="0">
+              <a:rPr lang="ko-KR" altLang="en-US" dirty="0" err="1">
                 <a:solidFill>
                   <a:schemeClr val="tx1"/>
                 </a:solidFill>
@@ -6917,7 +6746,7 @@
           <a:p>
             <a:pPr algn="ctr"/>
             <a:r>
-              <a:rPr lang="ko-KR" altLang="en-US" dirty="0" smtClean="0">
+              <a:rPr lang="ko-KR" altLang="en-US" dirty="0">
                 <a:solidFill>
                   <a:schemeClr val="tx1"/>
                 </a:solidFill>
@@ -6925,7 +6754,7 @@
               <a:t>송장이 </a:t>
             </a:r>
             <a:r>
-              <a:rPr lang="en-US" altLang="ko-KR" dirty="0" smtClean="0">
+              <a:rPr lang="en-US" altLang="ko-KR" dirty="0">
                 <a:solidFill>
                   <a:schemeClr val="tx1"/>
                 </a:solidFill>
@@ -6933,7 +6762,7 @@
               <a:t>CSV</a:t>
             </a:r>
             <a:r>
-              <a:rPr lang="ko-KR" altLang="en-US" dirty="0" smtClean="0">
+              <a:rPr lang="ko-KR" altLang="en-US" dirty="0">
                 <a:solidFill>
                   <a:schemeClr val="tx1"/>
                 </a:solidFill>
@@ -6941,7 +6770,7 @@
               <a:t>파일로 다운로드 되었습니다</a:t>
             </a:r>
             <a:r>
-              <a:rPr lang="en-US" altLang="ko-KR" dirty="0" smtClean="0">
+              <a:rPr lang="en-US" altLang="ko-KR" dirty="0">
                 <a:solidFill>
                   <a:schemeClr val="tx1"/>
                 </a:solidFill>
@@ -7179,10 +7008,10 @@
           <a:lstStyle/>
           <a:p>
             <a:r>
-              <a:rPr lang="ko-KR" altLang="en-US" dirty="0" smtClean="0"/>
+              <a:rPr lang="ko-KR" altLang="en-US" dirty="0"/>
               <a:t>구매처 전용 창구</a:t>
             </a:r>
-            <a:endParaRPr lang="en-US" altLang="ko-KR" dirty="0" smtClean="0"/>
+            <a:endParaRPr lang="en-US" altLang="ko-KR" dirty="0"/>
           </a:p>
         </p:txBody>
       </p:sp>
@@ -7225,18 +7054,13 @@
           <a:p>
             <a:pPr algn="ctr"/>
             <a:r>
-              <a:rPr lang="ko-KR" altLang="en-US" dirty="0" smtClean="0">
+              <a:rPr lang="ko-KR" altLang="en-US" dirty="0">
                 <a:solidFill>
                   <a:schemeClr val="tx1"/>
                 </a:solidFill>
               </a:rPr>
               <a:t>로그아웃</a:t>
             </a:r>
-            <a:endParaRPr lang="ko-KR" altLang="en-US" dirty="0">
-              <a:solidFill>
-                <a:schemeClr val="tx1"/>
-              </a:solidFill>
-            </a:endParaRPr>
           </a:p>
         </p:txBody>
       </p:sp>
@@ -7279,7 +7103,7 @@
           <a:p>
             <a:pPr algn="ctr"/>
             <a:r>
-              <a:rPr lang="ko-KR" altLang="en-US" dirty="0" err="1" smtClean="0">
+              <a:rPr lang="ko-KR" altLang="en-US" dirty="0" err="1">
                 <a:solidFill>
                   <a:schemeClr val="tx1"/>
                 </a:solidFill>
@@ -7367,7 +7191,7 @@
           <a:lstStyle/>
           <a:p>
             <a:r>
-              <a:rPr lang="en-US" altLang="ko-KR" dirty="0" smtClean="0"/>
+              <a:rPr lang="en-US" altLang="ko-KR" dirty="0"/>
               <a:t>Supplier</a:t>
             </a:r>
             <a:endParaRPr lang="ko-KR" altLang="en-US" dirty="0"/>
@@ -7397,7 +7221,7 @@
           <a:lstStyle/>
           <a:p>
             <a:r>
-              <a:rPr lang="en-US" altLang="ko-KR" dirty="0" smtClean="0"/>
+              <a:rPr lang="en-US" altLang="ko-KR" dirty="0"/>
               <a:t>- 1 -</a:t>
             </a:r>
             <a:endParaRPr lang="ko-KR" altLang="en-US" dirty="0"/>
@@ -7427,10 +7251,9 @@
           <a:lstStyle/>
           <a:p>
             <a:r>
-              <a:rPr lang="ko-KR" altLang="en-US" dirty="0" smtClean="0"/>
+              <a:rPr lang="ko-KR" altLang="en-US" dirty="0"/>
               <a:t>발주 코드                             날짜                                  금액</a:t>
             </a:r>
-            <a:endParaRPr lang="ko-KR" altLang="en-US" dirty="0"/>
           </a:p>
         </p:txBody>
       </p:sp>
@@ -7471,43 +7294,43 @@
             <a:lstStyle/>
             <a:p>
               <a:r>
-                <a:rPr lang="en-US" altLang="ko-KR" dirty="0" smtClean="0"/>
+                <a:rPr lang="en-US" altLang="ko-KR" dirty="0"/>
                 <a:t>1.  </a:t>
               </a:r>
             </a:p>
             <a:p>
               <a:r>
-                <a:rPr lang="en-US" altLang="ko-KR" dirty="0" smtClean="0"/>
+                <a:rPr lang="en-US" altLang="ko-KR" dirty="0"/>
                 <a:t>2. </a:t>
               </a:r>
             </a:p>
             <a:p>
               <a:r>
-                <a:rPr lang="en-US" altLang="ko-KR" dirty="0" smtClean="0"/>
+                <a:rPr lang="en-US" altLang="ko-KR" dirty="0"/>
                 <a:t>3.</a:t>
               </a:r>
             </a:p>
             <a:p>
               <a:r>
-                <a:rPr lang="en-US" altLang="ko-KR" dirty="0" smtClean="0"/>
+                <a:rPr lang="en-US" altLang="ko-KR" dirty="0"/>
                 <a:t>4.</a:t>
               </a:r>
             </a:p>
             <a:p>
               <a:r>
-                <a:rPr lang="en-US" altLang="ko-KR" dirty="0" smtClean="0"/>
+                <a:rPr lang="en-US" altLang="ko-KR" dirty="0"/>
                 <a:t>5.</a:t>
               </a:r>
             </a:p>
             <a:p>
               <a:r>
-                <a:rPr lang="en-US" altLang="ko-KR" dirty="0" smtClean="0"/>
+                <a:rPr lang="en-US" altLang="ko-KR" dirty="0"/>
                 <a:t>6.</a:t>
               </a:r>
             </a:p>
             <a:p>
               <a:r>
-                <a:rPr lang="en-US" altLang="ko-KR" dirty="0" smtClean="0"/>
+                <a:rPr lang="en-US" altLang="ko-KR" dirty="0"/>
                 <a:t>7.</a:t>
               </a:r>
             </a:p>
@@ -7537,49 +7360,49 @@
             <a:p>
               <a:pPr algn="ctr"/>
               <a:r>
-                <a:rPr lang="en-US" altLang="ko-KR" dirty="0" smtClean="0"/>
+                <a:rPr lang="en-US" altLang="ko-KR" dirty="0"/>
                 <a:t>2019-02-02</a:t>
               </a:r>
             </a:p>
             <a:p>
               <a:pPr algn="ctr"/>
               <a:r>
-                <a:rPr lang="en-US" altLang="ko-KR" dirty="0" smtClean="0"/>
+                <a:rPr lang="en-US" altLang="ko-KR" dirty="0"/>
                 <a:t>2019-02-17</a:t>
               </a:r>
             </a:p>
             <a:p>
               <a:pPr algn="ctr"/>
               <a:r>
-                <a:rPr lang="en-US" altLang="ko-KR" dirty="0" smtClean="0"/>
+                <a:rPr lang="en-US" altLang="ko-KR" dirty="0"/>
                 <a:t>2019-03-04</a:t>
               </a:r>
             </a:p>
             <a:p>
               <a:pPr algn="ctr"/>
               <a:r>
-                <a:rPr lang="en-US" altLang="ko-KR" dirty="0" smtClean="0"/>
+                <a:rPr lang="en-US" altLang="ko-KR" dirty="0"/>
                 <a:t>2019-03-16</a:t>
               </a:r>
             </a:p>
             <a:p>
               <a:pPr algn="ctr"/>
               <a:r>
-                <a:rPr lang="en-US" altLang="ko-KR" dirty="0" smtClean="0"/>
+                <a:rPr lang="en-US" altLang="ko-KR" dirty="0"/>
                 <a:t>2019-04-03</a:t>
               </a:r>
             </a:p>
             <a:p>
               <a:pPr algn="ctr"/>
               <a:r>
-                <a:rPr lang="en-US" altLang="ko-KR" dirty="0" smtClean="0"/>
+                <a:rPr lang="en-US" altLang="ko-KR" dirty="0"/>
                 <a:t>2019-04-15</a:t>
               </a:r>
             </a:p>
             <a:p>
               <a:pPr algn="ctr"/>
               <a:r>
-                <a:rPr lang="en-US" altLang="ko-KR" dirty="0" smtClean="0"/>
+                <a:rPr lang="en-US" altLang="ko-KR" dirty="0"/>
                 <a:t>2019-05-01</a:t>
               </a:r>
               <a:endParaRPr lang="ko-KR" altLang="en-US" dirty="0"/>
@@ -7610,52 +7433,51 @@
             <a:p>
               <a:pPr algn="r"/>
               <a:r>
-                <a:rPr lang="en-US" altLang="ko-KR" dirty="0" smtClean="0"/>
+                <a:rPr lang="en-US" altLang="ko-KR" dirty="0"/>
                 <a:t>1,310,000</a:t>
               </a:r>
             </a:p>
             <a:p>
               <a:pPr algn="r"/>
               <a:r>
-                <a:rPr lang="en-US" altLang="ko-KR" dirty="0" smtClean="0"/>
+                <a:rPr lang="en-US" altLang="ko-KR" dirty="0"/>
                 <a:t>2,424,500</a:t>
               </a:r>
             </a:p>
             <a:p>
               <a:pPr algn="r"/>
               <a:r>
-                <a:rPr lang="en-US" altLang="ko-KR" dirty="0" smtClean="0"/>
+                <a:rPr lang="en-US" altLang="ko-KR" dirty="0"/>
                 <a:t>1,905,000</a:t>
               </a:r>
             </a:p>
             <a:p>
               <a:pPr algn="r"/>
               <a:r>
-                <a:rPr lang="en-US" altLang="ko-KR" dirty="0" smtClean="0"/>
+                <a:rPr lang="en-US" altLang="ko-KR" dirty="0"/>
                 <a:t>2,754,000</a:t>
               </a:r>
             </a:p>
             <a:p>
               <a:pPr algn="r"/>
               <a:r>
-                <a:rPr lang="en-US" altLang="ko-KR" dirty="0" smtClean="0"/>
+                <a:rPr lang="en-US" altLang="ko-KR" dirty="0"/>
                 <a:t>2,156,500</a:t>
               </a:r>
             </a:p>
             <a:p>
               <a:pPr algn="r"/>
               <a:r>
-                <a:rPr lang="en-US" altLang="ko-KR" dirty="0" smtClean="0"/>
+                <a:rPr lang="en-US" altLang="ko-KR" dirty="0"/>
                 <a:t>2,540,500</a:t>
               </a:r>
             </a:p>
             <a:p>
               <a:pPr algn="r"/>
               <a:r>
-                <a:rPr lang="en-US" altLang="ko-KR" dirty="0" smtClean="0"/>
+                <a:rPr lang="en-US" altLang="ko-KR" dirty="0"/>
                 <a:t>2,350,000</a:t>
               </a:r>
-              <a:endParaRPr lang="en-US" altLang="ko-KR" dirty="0"/>
             </a:p>
           </p:txBody>
         </p:sp>
@@ -7683,14 +7505,10 @@
             <a:p>
               <a:r>
                 <a:rPr lang="ko-KR" altLang="en-US" dirty="0"/>
-                <a:t> </a:t>
+                <a:t>       총액                </a:t>
               </a:r>
               <a:r>
-                <a:rPr lang="ko-KR" altLang="en-US" dirty="0" smtClean="0"/>
-                <a:t>      총액                </a:t>
-              </a:r>
-              <a:r>
-                <a:rPr lang="en-US" altLang="ko-KR" dirty="0" smtClean="0"/>
+                <a:rPr lang="en-US" altLang="ko-KR" dirty="0"/>
                 <a:t>15,440,500</a:t>
               </a:r>
               <a:endParaRPr lang="ko-KR" altLang="en-US" dirty="0"/>
@@ -7724,7 +7542,7 @@
               <a:buAutoNum type="arabicPeriod"/>
             </a:pPr>
             <a:r>
-              <a:rPr lang="en-US" altLang="ko-KR" dirty="0" smtClean="0"/>
+              <a:rPr lang="en-US" altLang="ko-KR" dirty="0"/>
               <a:t>                                       2019-04-03                       2,156,500</a:t>
             </a:r>
           </a:p>
@@ -7733,7 +7551,7 @@
               <a:buAutoNum type="arabicPeriod"/>
             </a:pPr>
             <a:r>
-              <a:rPr lang="en-US" altLang="ko-KR" dirty="0" smtClean="0"/>
+              <a:rPr lang="en-US" altLang="ko-KR" dirty="0"/>
               <a:t>                                       2019-04-15                       2,540,500</a:t>
             </a:r>
             <a:endParaRPr lang="ko-KR" altLang="en-US" dirty="0"/>
@@ -7777,18 +7595,13 @@
           <a:p>
             <a:pPr algn="ctr"/>
             <a:r>
-              <a:rPr lang="ko-KR" altLang="en-US" dirty="0" smtClean="0">
+              <a:rPr lang="ko-KR" altLang="en-US" dirty="0">
                 <a:solidFill>
                   <a:schemeClr val="tx1"/>
                 </a:solidFill>
               </a:rPr>
               <a:t>검색</a:t>
             </a:r>
-            <a:endParaRPr lang="ko-KR" altLang="en-US" dirty="0">
-              <a:solidFill>
-                <a:schemeClr val="tx1"/>
-              </a:solidFill>
-            </a:endParaRPr>
           </a:p>
         </p:txBody>
       </p:sp>
@@ -7974,14 +7787,14 @@
           <a:p>
             <a:pPr algn="ctr"/>
             <a:r>
-              <a:rPr lang="ko-KR" altLang="en-US" sz="1600" dirty="0" smtClean="0">
+              <a:rPr lang="ko-KR" altLang="en-US" sz="1600" dirty="0">
                 <a:solidFill>
                   <a:schemeClr val="tx1"/>
                 </a:solidFill>
               </a:rPr>
               <a:t>전체 발주</a:t>
             </a:r>
-            <a:endParaRPr lang="en-US" altLang="ko-KR" sz="1600" dirty="0" smtClean="0">
+            <a:endParaRPr lang="en-US" altLang="ko-KR" sz="1600" dirty="0">
               <a:solidFill>
                 <a:schemeClr val="tx1"/>
               </a:solidFill>
@@ -7990,18 +7803,13 @@
           <a:p>
             <a:pPr algn="ctr"/>
             <a:r>
-              <a:rPr lang="ko-KR" altLang="en-US" sz="1600" dirty="0" smtClean="0">
+              <a:rPr lang="ko-KR" altLang="en-US" sz="1600" dirty="0">
                 <a:solidFill>
                   <a:schemeClr val="tx1"/>
                 </a:solidFill>
               </a:rPr>
               <a:t>리스트</a:t>
             </a:r>
-            <a:endParaRPr lang="ko-KR" altLang="en-US" sz="1600" dirty="0">
-              <a:solidFill>
-                <a:schemeClr val="tx1"/>
-              </a:solidFill>
-            </a:endParaRPr>
           </a:p>
         </p:txBody>
       </p:sp>
@@ -8044,18 +7852,13 @@
           <a:p>
             <a:pPr algn="ctr"/>
             <a:r>
-              <a:rPr lang="ko-KR" altLang="en-US" dirty="0" smtClean="0">
+              <a:rPr lang="ko-KR" altLang="en-US" dirty="0">
                 <a:solidFill>
                   <a:schemeClr val="tx1"/>
                 </a:solidFill>
               </a:rPr>
               <a:t>로그아웃</a:t>
             </a:r>
-            <a:endParaRPr lang="ko-KR" altLang="en-US" dirty="0">
-              <a:solidFill>
-                <a:schemeClr val="tx1"/>
-              </a:solidFill>
-            </a:endParaRPr>
           </a:p>
         </p:txBody>
       </p:sp>
@@ -8098,7 +7901,7 @@
           <a:p>
             <a:pPr algn="ctr"/>
             <a:r>
-              <a:rPr lang="ko-KR" altLang="en-US" dirty="0" err="1" smtClean="0">
+              <a:rPr lang="ko-KR" altLang="en-US" dirty="0" err="1">
                 <a:solidFill>
                   <a:schemeClr val="tx1"/>
                 </a:solidFill>
@@ -8150,7 +7953,7 @@
           <a:p>
             <a:pPr algn="ctr"/>
             <a:r>
-              <a:rPr lang="ko-KR" altLang="en-US" sz="1600" dirty="0" smtClean="0">
+              <a:rPr lang="ko-KR" altLang="en-US" sz="1600" dirty="0">
                 <a:solidFill>
                   <a:schemeClr val="tx1"/>
                 </a:solidFill>
@@ -8158,30 +7961,25 @@
               <a:t>발주 </a:t>
             </a:r>
             <a:r>
-              <a:rPr lang="en-US" altLang="ko-KR" sz="1600" dirty="0" smtClean="0">
+              <a:rPr lang="en-US" altLang="ko-KR" sz="1600" dirty="0">
                 <a:solidFill>
                   <a:schemeClr val="tx1"/>
                 </a:solidFill>
               </a:rPr>
               <a:t>CSV</a:t>
             </a:r>
-            <a:endParaRPr lang="en-US" altLang="ko-KR" sz="1600" dirty="0">
-              <a:solidFill>
-                <a:schemeClr val="tx1"/>
-              </a:solidFill>
-            </a:endParaRPr>
           </a:p>
           <a:p>
             <a:pPr algn="ctr"/>
             <a:r>
-              <a:rPr lang="ko-KR" altLang="en-US" sz="1600" dirty="0" smtClean="0">
+              <a:rPr lang="ko-KR" altLang="en-US" sz="1600" dirty="0">
                 <a:solidFill>
                   <a:schemeClr val="tx1"/>
                 </a:solidFill>
               </a:rPr>
               <a:t>다운로드</a:t>
             </a:r>
-            <a:endParaRPr lang="en-US" altLang="ko-KR" sz="1600" dirty="0" smtClean="0">
+            <a:endParaRPr lang="en-US" altLang="ko-KR" sz="1600" dirty="0">
               <a:solidFill>
                 <a:schemeClr val="tx1"/>
               </a:solidFill>
@@ -8212,7 +8010,7 @@
           <a:lstStyle/>
           <a:p>
             <a:r>
-              <a:rPr lang="en-US" altLang="ko-KR" dirty="0" smtClean="0"/>
+              <a:rPr lang="en-US" altLang="ko-KR" dirty="0"/>
               <a:t>Supplier</a:t>
             </a:r>
             <a:endParaRPr lang="ko-KR" altLang="en-US" dirty="0"/>
@@ -8258,20 +8056,12 @@
           <a:p>
             <a:pPr algn="ctr"/>
             <a:r>
-              <a:rPr lang="ko-KR" altLang="en-US" dirty="0" smtClean="0">
-                <a:solidFill>
-                  <a:schemeClr val="tx1"/>
-                </a:solidFill>
-              </a:rPr>
-              <a:t>납품내</a:t>
-            </a:r>
-            <a:r>
               <a:rPr lang="ko-KR" altLang="en-US" dirty="0">
                 <a:solidFill>
                   <a:schemeClr val="tx1"/>
                 </a:solidFill>
               </a:rPr>
-              <a:t>역</a:t>
+              <a:t>납품내역</a:t>
             </a:r>
           </a:p>
         </p:txBody>
@@ -8299,7 +8089,7 @@
           <a:lstStyle/>
           <a:p>
             <a:r>
-              <a:rPr lang="en-US" altLang="ko-KR" dirty="0" smtClean="0"/>
+              <a:rPr lang="en-US" altLang="ko-KR" dirty="0"/>
               <a:t>- 1 -</a:t>
             </a:r>
             <a:endParaRPr lang="ko-KR" altLang="en-US" dirty="0"/>
@@ -8355,18 +8145,13 @@
             <a:p>
               <a:pPr algn="ctr"/>
               <a:r>
-                <a:rPr lang="ko-KR" altLang="en-US" dirty="0" smtClean="0">
+                <a:rPr lang="ko-KR" altLang="en-US" dirty="0">
                   <a:solidFill>
                     <a:schemeClr val="tx1"/>
                   </a:solidFill>
                 </a:rPr>
                 <a:t> </a:t>
               </a:r>
-              <a:endParaRPr lang="ko-KR" altLang="en-US" dirty="0">
-                <a:solidFill>
-                  <a:schemeClr val="tx1"/>
-                </a:solidFill>
-              </a:endParaRPr>
             </a:p>
           </p:txBody>
         </p:sp>
@@ -8393,18 +8178,18 @@
             <a:lstStyle/>
             <a:p>
               <a:r>
-                <a:rPr lang="ko-KR" altLang="en-US" dirty="0" smtClean="0"/>
+                <a:rPr lang="ko-KR" altLang="en-US" dirty="0"/>
                 <a:t>        상품코드             상품명             개수           단가</a:t>
               </a:r>
               <a:r>
-                <a:rPr lang="en-US" altLang="ko-KR" dirty="0" smtClean="0"/>
+                <a:rPr lang="en-US" altLang="ko-KR" dirty="0"/>
                 <a:t>      </a:t>
               </a:r>
               <a:r>
-                <a:rPr lang="ko-KR" altLang="en-US" dirty="0" smtClean="0"/>
+                <a:rPr lang="ko-KR" altLang="en-US" dirty="0"/>
                 <a:t>  합계</a:t>
               </a:r>
-              <a:endParaRPr lang="en-US" altLang="ko-KR" dirty="0" smtClean="0"/>
+              <a:endParaRPr lang="en-US" altLang="ko-KR" dirty="0"/>
             </a:p>
           </p:txBody>
         </p:sp>
@@ -8435,7 +8220,7 @@
               <a:buAutoNum type="arabicPeriod"/>
             </a:pPr>
             <a:r>
-              <a:rPr lang="en-US" altLang="ko-KR" dirty="0" smtClean="0"/>
+              <a:rPr lang="en-US" altLang="ko-KR" dirty="0"/>
               <a:t>    A1002</a:t>
             </a:r>
           </a:p>
@@ -8444,7 +8229,7 @@
               <a:buAutoNum type="arabicPeriod"/>
             </a:pPr>
             <a:r>
-              <a:rPr lang="en-US" altLang="ko-KR" dirty="0" smtClean="0"/>
+              <a:rPr lang="en-US" altLang="ko-KR" dirty="0"/>
               <a:t>    A1004</a:t>
             </a:r>
           </a:p>
@@ -8454,11 +8239,7 @@
             </a:pPr>
             <a:r>
               <a:rPr lang="en-US" altLang="ko-KR" dirty="0"/>
-              <a:t> </a:t>
-            </a:r>
-            <a:r>
-              <a:rPr lang="en-US" altLang="ko-KR" dirty="0" smtClean="0"/>
-              <a:t>   A1012</a:t>
+              <a:t>    A1012</a:t>
             </a:r>
           </a:p>
           <a:p>
@@ -8467,11 +8248,7 @@
             </a:pPr>
             <a:r>
               <a:rPr lang="en-US" altLang="ko-KR" dirty="0"/>
-              <a:t> </a:t>
-            </a:r>
-            <a:r>
-              <a:rPr lang="en-US" altLang="ko-KR" dirty="0" smtClean="0"/>
-              <a:t>   B1001</a:t>
+              <a:t>    B1001</a:t>
             </a:r>
           </a:p>
           <a:p>
@@ -8480,11 +8257,7 @@
             </a:pPr>
             <a:r>
               <a:rPr lang="en-US" altLang="ko-KR" dirty="0"/>
-              <a:t> </a:t>
-            </a:r>
-            <a:r>
-              <a:rPr lang="en-US" altLang="ko-KR" dirty="0" smtClean="0"/>
-              <a:t>   C1011</a:t>
+              <a:t>    C1011</a:t>
             </a:r>
           </a:p>
           <a:p>
@@ -8493,11 +8266,7 @@
             </a:pPr>
             <a:r>
               <a:rPr lang="en-US" altLang="ko-KR" dirty="0"/>
-              <a:t> </a:t>
-            </a:r>
-            <a:r>
-              <a:rPr lang="en-US" altLang="ko-KR" dirty="0" smtClean="0"/>
-              <a:t>   D1001</a:t>
+              <a:t>    D1001</a:t>
             </a:r>
           </a:p>
           <a:p>
@@ -8506,11 +8275,7 @@
             </a:pPr>
             <a:r>
               <a:rPr lang="en-US" altLang="ko-KR" dirty="0"/>
-              <a:t> </a:t>
-            </a:r>
-            <a:r>
-              <a:rPr lang="en-US" altLang="ko-KR" dirty="0" smtClean="0"/>
-              <a:t>   D1010</a:t>
+              <a:t>    D1010</a:t>
             </a:r>
           </a:p>
         </p:txBody>
@@ -8538,86 +8303,86 @@
           <a:lstStyle/>
           <a:p>
             <a:r>
-              <a:rPr lang="ko-KR" altLang="en-US" dirty="0" smtClean="0"/>
+              <a:rPr lang="ko-KR" altLang="en-US" dirty="0"/>
               <a:t>삼겹살 </a:t>
             </a:r>
             <a:r>
-              <a:rPr lang="en-US" altLang="ko-KR" dirty="0" smtClean="0"/>
+              <a:rPr lang="en-US" altLang="ko-KR" dirty="0"/>
               <a:t>1kg</a:t>
             </a:r>
           </a:p>
           <a:p>
             <a:r>
-              <a:rPr lang="ko-KR" altLang="en-US" dirty="0" smtClean="0"/>
+              <a:rPr lang="ko-KR" altLang="en-US" dirty="0"/>
               <a:t>목살 </a:t>
             </a:r>
             <a:r>
-              <a:rPr lang="en-US" altLang="ko-KR" dirty="0" smtClean="0"/>
+              <a:rPr lang="en-US" altLang="ko-KR" dirty="0"/>
               <a:t>1kg</a:t>
             </a:r>
           </a:p>
           <a:p>
             <a:r>
-              <a:rPr lang="ko-KR" altLang="en-US" dirty="0" smtClean="0"/>
+              <a:rPr lang="ko-KR" altLang="en-US" dirty="0"/>
               <a:t>대파 </a:t>
             </a:r>
             <a:r>
-              <a:rPr lang="en-US" altLang="ko-KR" dirty="0" smtClean="0"/>
+              <a:rPr lang="en-US" altLang="ko-KR" dirty="0"/>
               <a:t>1</a:t>
             </a:r>
             <a:r>
-              <a:rPr lang="ko-KR" altLang="en-US" dirty="0" smtClean="0"/>
+              <a:rPr lang="ko-KR" altLang="en-US" dirty="0"/>
               <a:t>단</a:t>
             </a:r>
-            <a:endParaRPr lang="en-US" altLang="ko-KR" dirty="0" smtClean="0"/>
-          </a:p>
-          <a:p>
-            <a:r>
-              <a:rPr lang="ko-KR" altLang="en-US" dirty="0" smtClean="0"/>
+            <a:endParaRPr lang="en-US" altLang="ko-KR" dirty="0"/>
+          </a:p>
+          <a:p>
+            <a:r>
+              <a:rPr lang="ko-KR" altLang="en-US" dirty="0"/>
               <a:t>쌈장 </a:t>
             </a:r>
             <a:r>
-              <a:rPr lang="en-US" altLang="ko-KR" dirty="0" smtClean="0"/>
+              <a:rPr lang="en-US" altLang="ko-KR" dirty="0"/>
               <a:t>150g</a:t>
             </a:r>
           </a:p>
           <a:p>
             <a:r>
-              <a:rPr lang="ko-KR" altLang="en-US" dirty="0" smtClean="0"/>
+              <a:rPr lang="ko-KR" altLang="en-US" dirty="0"/>
               <a:t>일회용젓가락 </a:t>
             </a:r>
             <a:r>
-              <a:rPr lang="en-US" altLang="ko-KR" dirty="0" smtClean="0"/>
+              <a:rPr lang="en-US" altLang="ko-KR" dirty="0"/>
               <a:t>50</a:t>
             </a:r>
             <a:r>
-              <a:rPr lang="ko-KR" altLang="en-US" dirty="0" smtClean="0"/>
+              <a:rPr lang="ko-KR" altLang="en-US" dirty="0"/>
               <a:t>개</a:t>
             </a:r>
-            <a:endParaRPr lang="en-US" altLang="ko-KR" dirty="0" smtClean="0"/>
-          </a:p>
-          <a:p>
-            <a:r>
-              <a:rPr lang="ko-KR" altLang="en-US" dirty="0" smtClean="0"/>
+            <a:endParaRPr lang="en-US" altLang="ko-KR" dirty="0"/>
+          </a:p>
+          <a:p>
+            <a:r>
+              <a:rPr lang="ko-KR" altLang="en-US" dirty="0"/>
               <a:t>일회용 용기 </a:t>
             </a:r>
             <a:r>
-              <a:rPr lang="en-US" altLang="ko-KR" dirty="0" smtClean="0"/>
+              <a:rPr lang="en-US" altLang="ko-KR" dirty="0"/>
               <a:t>50</a:t>
             </a:r>
             <a:r>
-              <a:rPr lang="ko-KR" altLang="en-US" dirty="0" smtClean="0"/>
+              <a:rPr lang="ko-KR" altLang="en-US" dirty="0"/>
               <a:t>개</a:t>
             </a:r>
-            <a:endParaRPr lang="en-US" altLang="ko-KR" dirty="0" smtClean="0"/>
-          </a:p>
-          <a:p>
-            <a:r>
-              <a:rPr lang="ko-KR" altLang="en-US" dirty="0" smtClean="0"/>
+            <a:endParaRPr lang="en-US" altLang="ko-KR" dirty="0"/>
+          </a:p>
+          <a:p>
+            <a:r>
+              <a:rPr lang="ko-KR" altLang="en-US" dirty="0"/>
               <a:t>콜라 </a:t>
             </a:r>
             <a:r>
-              <a:rPr lang="en-US" altLang="ko-KR" dirty="0" smtClean="0"/>
+              <a:rPr lang="en-US" altLang="ko-KR" dirty="0"/>
               <a:t>1.5L</a:t>
             </a:r>
             <a:endParaRPr lang="ko-KR" altLang="en-US" dirty="0"/>
@@ -8647,43 +8412,43 @@
           <a:lstStyle/>
           <a:p>
             <a:r>
-              <a:rPr lang="en-US" altLang="ko-KR" dirty="0" smtClean="0"/>
+              <a:rPr lang="en-US" altLang="ko-KR" dirty="0"/>
               <a:t>100</a:t>
             </a:r>
           </a:p>
           <a:p>
             <a:r>
-              <a:rPr lang="en-US" altLang="ko-KR" dirty="0" smtClean="0"/>
+              <a:rPr lang="en-US" altLang="ko-KR" dirty="0"/>
               <a:t>100</a:t>
             </a:r>
           </a:p>
           <a:p>
             <a:r>
-              <a:rPr lang="en-US" altLang="ko-KR" dirty="0" smtClean="0"/>
+              <a:rPr lang="en-US" altLang="ko-KR" dirty="0"/>
               <a:t>100</a:t>
             </a:r>
           </a:p>
           <a:p>
             <a:r>
-              <a:rPr lang="en-US" altLang="ko-KR" dirty="0" smtClean="0"/>
+              <a:rPr lang="en-US" altLang="ko-KR" dirty="0"/>
               <a:t>100</a:t>
             </a:r>
           </a:p>
           <a:p>
             <a:r>
-              <a:rPr lang="en-US" altLang="ko-KR" dirty="0" smtClean="0"/>
+              <a:rPr lang="en-US" altLang="ko-KR" dirty="0"/>
               <a:t>100</a:t>
             </a:r>
           </a:p>
           <a:p>
             <a:r>
-              <a:rPr lang="en-US" altLang="ko-KR" dirty="0" smtClean="0"/>
+              <a:rPr lang="en-US" altLang="ko-KR" dirty="0"/>
               <a:t>100</a:t>
             </a:r>
           </a:p>
           <a:p>
             <a:r>
-              <a:rPr lang="en-US" altLang="ko-KR" dirty="0" smtClean="0"/>
+              <a:rPr lang="en-US" altLang="ko-KR" dirty="0"/>
               <a:t>100</a:t>
             </a:r>
             <a:endParaRPr lang="ko-KR" altLang="en-US" dirty="0"/>
@@ -8714,49 +8479,49 @@
           <a:p>
             <a:pPr algn="r"/>
             <a:r>
-              <a:rPr lang="en-US" altLang="ko-KR" dirty="0" smtClean="0"/>
+              <a:rPr lang="en-US" altLang="ko-KR" dirty="0"/>
               <a:t>5,000</a:t>
             </a:r>
           </a:p>
           <a:p>
             <a:pPr algn="r"/>
             <a:r>
-              <a:rPr lang="en-US" altLang="ko-KR" dirty="0" smtClean="0"/>
+              <a:rPr lang="en-US" altLang="ko-KR" dirty="0"/>
               <a:t>7,000</a:t>
             </a:r>
           </a:p>
           <a:p>
             <a:pPr algn="r"/>
             <a:r>
-              <a:rPr lang="en-US" altLang="ko-KR" dirty="0" smtClean="0"/>
+              <a:rPr lang="en-US" altLang="ko-KR" dirty="0"/>
               <a:t>3,000</a:t>
             </a:r>
           </a:p>
           <a:p>
             <a:pPr algn="r"/>
             <a:r>
-              <a:rPr lang="en-US" altLang="ko-KR" dirty="0" smtClean="0"/>
+              <a:rPr lang="en-US" altLang="ko-KR" dirty="0"/>
               <a:t>2,000</a:t>
             </a:r>
           </a:p>
           <a:p>
             <a:pPr algn="r"/>
             <a:r>
-              <a:rPr lang="en-US" altLang="ko-KR" dirty="0" smtClean="0"/>
+              <a:rPr lang="en-US" altLang="ko-KR" dirty="0"/>
               <a:t>1,500</a:t>
             </a:r>
           </a:p>
           <a:p>
             <a:pPr algn="r"/>
             <a:r>
-              <a:rPr lang="en-US" altLang="ko-KR" dirty="0" smtClean="0"/>
+              <a:rPr lang="en-US" altLang="ko-KR" dirty="0"/>
               <a:t>2,500</a:t>
             </a:r>
           </a:p>
           <a:p>
             <a:pPr algn="r"/>
             <a:r>
-              <a:rPr lang="en-US" altLang="ko-KR" dirty="0" smtClean="0"/>
+              <a:rPr lang="en-US" altLang="ko-KR" dirty="0"/>
               <a:t>2,500</a:t>
             </a:r>
           </a:p>
@@ -8790,49 +8555,49 @@
           <a:p>
             <a:pPr algn="r"/>
             <a:r>
-              <a:rPr lang="en-US" altLang="ko-KR" dirty="0" smtClean="0"/>
+              <a:rPr lang="en-US" altLang="ko-KR" dirty="0"/>
               <a:t>500000</a:t>
             </a:r>
           </a:p>
           <a:p>
             <a:pPr algn="r"/>
             <a:r>
-              <a:rPr lang="en-US" altLang="ko-KR" dirty="0" smtClean="0"/>
+              <a:rPr lang="en-US" altLang="ko-KR" dirty="0"/>
               <a:t>700000</a:t>
             </a:r>
           </a:p>
           <a:p>
             <a:pPr algn="r"/>
             <a:r>
-              <a:rPr lang="en-US" altLang="ko-KR" dirty="0" smtClean="0"/>
+              <a:rPr lang="en-US" altLang="ko-KR" dirty="0"/>
               <a:t>300000</a:t>
             </a:r>
           </a:p>
           <a:p>
             <a:pPr algn="r"/>
             <a:r>
-              <a:rPr lang="en-US" altLang="ko-KR" dirty="0" smtClean="0"/>
+              <a:rPr lang="en-US" altLang="ko-KR" dirty="0"/>
               <a:t>200000</a:t>
             </a:r>
           </a:p>
           <a:p>
             <a:pPr algn="r"/>
             <a:r>
-              <a:rPr lang="en-US" altLang="ko-KR" dirty="0" smtClean="0"/>
+              <a:rPr lang="en-US" altLang="ko-KR" dirty="0"/>
               <a:t>150000</a:t>
             </a:r>
           </a:p>
           <a:p>
             <a:pPr algn="r"/>
             <a:r>
-              <a:rPr lang="en-US" altLang="ko-KR" dirty="0" smtClean="0"/>
+              <a:rPr lang="en-US" altLang="ko-KR" dirty="0"/>
               <a:t>250000</a:t>
             </a:r>
           </a:p>
           <a:p>
             <a:pPr algn="r"/>
             <a:r>
-              <a:rPr lang="en-US" altLang="ko-KR" dirty="0" smtClean="0"/>
+              <a:rPr lang="en-US" altLang="ko-KR" dirty="0"/>
               <a:t>250000</a:t>
             </a:r>
           </a:p>
@@ -8861,11 +8626,11 @@
           <a:lstStyle/>
           <a:p>
             <a:r>
-              <a:rPr lang="ko-KR" altLang="en-US" dirty="0" smtClean="0"/>
+              <a:rPr lang="ko-KR" altLang="en-US" dirty="0"/>
               <a:t>       총액</a:t>
             </a:r>
             <a:r>
-              <a:rPr lang="en-US" altLang="ko-KR" dirty="0" smtClean="0"/>
+              <a:rPr lang="en-US" altLang="ko-KR" dirty="0"/>
               <a:t>      2,350,000</a:t>
             </a:r>
             <a:endParaRPr lang="ko-KR" altLang="en-US" dirty="0"/>
@@ -8895,28 +8660,8 @@
           <a:lstStyle/>
           <a:p>
             <a:r>
-              <a:rPr lang="ko-KR" altLang="en-US" dirty="0" smtClean="0"/>
-              <a:t>발주 코드   □</a:t>
-            </a:r>
-            <a:r>
               <a:rPr lang="ko-KR" altLang="en-US" dirty="0"/>
-              <a:t> </a:t>
-            </a:r>
-            <a:r>
-              <a:rPr lang="ko-KR" altLang="en-US" dirty="0" smtClean="0"/>
-              <a:t>□</a:t>
-            </a:r>
-            <a:r>
-              <a:rPr lang="ko-KR" altLang="en-US" dirty="0"/>
-              <a:t> </a:t>
-            </a:r>
-            <a:r>
-              <a:rPr lang="ko-KR" altLang="en-US" dirty="0" smtClean="0"/>
-              <a:t>□</a:t>
-            </a:r>
-            <a:r>
-              <a:rPr lang="ko-KR" altLang="en-US" dirty="0"/>
-              <a:t> □</a:t>
+              <a:t>발주 코드   □ □ □ □</a:t>
             </a:r>
           </a:p>
         </p:txBody>
@@ -8944,7 +8689,7 @@
           <a:lstStyle/>
           <a:p>
             <a:r>
-              <a:rPr lang="en-US" altLang="ko-KR" dirty="0" smtClean="0"/>
+              <a:rPr lang="en-US" altLang="ko-KR" dirty="0"/>
               <a:t>- 1 -</a:t>
             </a:r>
             <a:endParaRPr lang="ko-KR" altLang="en-US" dirty="0"/>
@@ -8996,7 +8741,7 @@
           <a:p>
             <a:pPr algn="ctr"/>
             <a:r>
-              <a:rPr lang="ko-KR" altLang="en-US" dirty="0" smtClean="0">
+              <a:rPr lang="ko-KR" altLang="en-US" dirty="0">
                 <a:solidFill>
                   <a:schemeClr val="tx1"/>
                 </a:solidFill>
@@ -9004,7 +8749,7 @@
               <a:t>발주 내역이 </a:t>
             </a:r>
             <a:r>
-              <a:rPr lang="en-US" altLang="ko-KR" dirty="0" smtClean="0">
+              <a:rPr lang="en-US" altLang="ko-KR" dirty="0">
                 <a:solidFill>
                   <a:schemeClr val="tx1"/>
                 </a:solidFill>
@@ -9012,7 +8757,7 @@
               <a:t>CSV</a:t>
             </a:r>
             <a:r>
-              <a:rPr lang="ko-KR" altLang="en-US" dirty="0" smtClean="0">
+              <a:rPr lang="ko-KR" altLang="en-US" dirty="0">
                 <a:solidFill>
                   <a:schemeClr val="tx1"/>
                 </a:solidFill>
@@ -9020,7 +8765,7 @@
               <a:t>파일로 다운로드 되었습니다</a:t>
             </a:r>
             <a:r>
-              <a:rPr lang="en-US" altLang="ko-KR" dirty="0" smtClean="0">
+              <a:rPr lang="en-US" altLang="ko-KR" dirty="0">
                 <a:solidFill>
                   <a:schemeClr val="tx1"/>
                 </a:solidFill>
@@ -9045,14 +8790,6 @@
   <p:clrMapOvr>
     <a:masterClrMapping/>
   </p:clrMapOvr>
-  <mc:AlternateContent xmlns:mc="http://schemas.openxmlformats.org/markup-compatibility/2006" xmlns:p14="http://schemas.microsoft.com/office/powerpoint/2010/main">
-    <mc:Choice Requires="p14">
-      <p:transition spd="slow" p14:dur="2000"/>
-    </mc:Choice>
-    <mc:Fallback xmlns="">
-      <p:transition spd="slow"/>
-    </mc:Fallback>
-  </mc:AlternateContent>
   <p:timing>
     <p:tnLst>
       <p:par>
@@ -9266,10 +9003,10 @@
           <a:lstStyle/>
           <a:p>
             <a:r>
-              <a:rPr lang="ko-KR" altLang="en-US" dirty="0" smtClean="0"/>
+              <a:rPr lang="ko-KR" altLang="en-US" dirty="0"/>
               <a:t>구매처 전용 창구</a:t>
             </a:r>
-            <a:endParaRPr lang="en-US" altLang="ko-KR" dirty="0" smtClean="0"/>
+            <a:endParaRPr lang="en-US" altLang="ko-KR" dirty="0"/>
           </a:p>
         </p:txBody>
       </p:sp>
@@ -9312,18 +9049,13 @@
           <a:p>
             <a:pPr algn="ctr"/>
             <a:r>
-              <a:rPr lang="ko-KR" altLang="en-US" dirty="0" smtClean="0">
+              <a:rPr lang="ko-KR" altLang="en-US" dirty="0">
                 <a:solidFill>
                   <a:schemeClr val="tx1"/>
                 </a:solidFill>
               </a:rPr>
               <a:t>로그아웃</a:t>
             </a:r>
-            <a:endParaRPr lang="ko-KR" altLang="en-US" dirty="0">
-              <a:solidFill>
-                <a:schemeClr val="tx1"/>
-              </a:solidFill>
-            </a:endParaRPr>
           </a:p>
         </p:txBody>
       </p:sp>
@@ -9366,7 +9098,7 @@
           <a:p>
             <a:pPr algn="ctr"/>
             <a:r>
-              <a:rPr lang="ko-KR" altLang="en-US" dirty="0" err="1" smtClean="0">
+              <a:rPr lang="ko-KR" altLang="en-US" dirty="0" err="1">
                 <a:solidFill>
                   <a:schemeClr val="tx1"/>
                 </a:solidFill>
@@ -9424,18 +9156,13 @@
           <a:p>
             <a:pPr algn="ctr"/>
             <a:r>
-              <a:rPr lang="ko-KR" altLang="en-US" dirty="0" smtClean="0">
+              <a:rPr lang="ko-KR" altLang="en-US" dirty="0">
                 <a:solidFill>
                   <a:schemeClr val="tx1"/>
                 </a:solidFill>
               </a:rPr>
               <a:t>납품 내역</a:t>
             </a:r>
-            <a:endParaRPr lang="ko-KR" altLang="en-US" dirty="0">
-              <a:solidFill>
-                <a:schemeClr val="tx1"/>
-              </a:solidFill>
-            </a:endParaRPr>
           </a:p>
         </p:txBody>
       </p:sp>
@@ -9462,7 +9189,7 @@
           <a:lstStyle/>
           <a:p>
             <a:r>
-              <a:rPr lang="en-US" altLang="ko-KR" dirty="0" smtClean="0"/>
+              <a:rPr lang="en-US" altLang="ko-KR" dirty="0"/>
               <a:t>Supplier</a:t>
             </a:r>
             <a:endParaRPr lang="ko-KR" altLang="en-US" dirty="0"/>
@@ -9492,7 +9219,7 @@
           <a:lstStyle/>
           <a:p>
             <a:r>
-              <a:rPr lang="en-US" altLang="ko-KR" dirty="0" smtClean="0"/>
+              <a:rPr lang="en-US" altLang="ko-KR" dirty="0"/>
               <a:t>- 1 -</a:t>
             </a:r>
             <a:endParaRPr lang="ko-KR" altLang="en-US" dirty="0"/>
@@ -9509,21 +9236,6 @@
   <p:clrMapOvr>
     <a:masterClrMapping/>
   </p:clrMapOvr>
-  <mc:AlternateContent xmlns:mc="http://schemas.openxmlformats.org/markup-compatibility/2006" xmlns:p14="http://schemas.microsoft.com/office/powerpoint/2010/main">
-    <mc:Choice Requires="p14">
-      <p:transition spd="slow" p14:dur="2000"/>
-    </mc:Choice>
-    <mc:Fallback xmlns="">
-      <p:transition spd="slow"/>
-    </mc:Fallback>
-  </mc:AlternateContent>
-  <p:timing>
-    <p:tnLst>
-      <p:par>
-        <p:cTn id="1" dur="indefinite" restart="never" nodeType="tmRoot"/>
-      </p:par>
-    </p:tnLst>
-  </p:timing>
 </p:sld>
 </file>
 
@@ -9640,7 +9352,7 @@
             <a:p>
               <a:pPr algn="ctr"/>
               <a:r>
-                <a:rPr lang="en-US" altLang="ko-KR" dirty="0" smtClean="0">
+                <a:rPr lang="en-US" altLang="ko-KR" dirty="0">
                   <a:solidFill>
                     <a:schemeClr val="tx1"/>
                   </a:solidFill>
@@ -9648,18 +9360,13 @@
                 <a:t>1~3</a:t>
               </a:r>
               <a:r>
-                <a:rPr lang="ko-KR" altLang="en-US" dirty="0" smtClean="0">
+                <a:rPr lang="ko-KR" altLang="en-US" dirty="0">
                   <a:solidFill>
                     <a:schemeClr val="tx1"/>
                   </a:solidFill>
                 </a:rPr>
                 <a:t>일</a:t>
               </a:r>
-              <a:endParaRPr lang="ko-KR" altLang="en-US" dirty="0">
-                <a:solidFill>
-                  <a:schemeClr val="tx1"/>
-                </a:solidFill>
-              </a:endParaRPr>
             </a:p>
           </p:txBody>
         </p:sp>
@@ -9703,7 +9410,7 @@
             <a:p>
               <a:pPr algn="ctr"/>
               <a:r>
-                <a:rPr lang="en-US" altLang="ko-KR" dirty="0" smtClean="0">
+                <a:rPr lang="en-US" altLang="ko-KR" dirty="0">
                   <a:solidFill>
                     <a:schemeClr val="tx1"/>
                   </a:solidFill>
@@ -9711,18 +9418,13 @@
                 <a:t>4~10</a:t>
               </a:r>
               <a:r>
-                <a:rPr lang="ko-KR" altLang="en-US" dirty="0" smtClean="0">
+                <a:rPr lang="ko-KR" altLang="en-US" dirty="0">
                   <a:solidFill>
                     <a:schemeClr val="tx1"/>
                   </a:solidFill>
                 </a:rPr>
                 <a:t>일</a:t>
               </a:r>
-              <a:endParaRPr lang="ko-KR" altLang="en-US" dirty="0">
-                <a:solidFill>
-                  <a:schemeClr val="tx1"/>
-                </a:solidFill>
-              </a:endParaRPr>
             </a:p>
           </p:txBody>
         </p:sp>
@@ -9766,7 +9468,7 @@
             <a:p>
               <a:pPr algn="ctr"/>
               <a:r>
-                <a:rPr lang="en-US" altLang="ko-KR" dirty="0" smtClean="0">
+                <a:rPr lang="en-US" altLang="ko-KR" dirty="0">
                   <a:solidFill>
                     <a:schemeClr val="tx1"/>
                   </a:solidFill>
@@ -9774,18 +9476,13 @@
                 <a:t>11~17</a:t>
               </a:r>
               <a:r>
-                <a:rPr lang="ko-KR" altLang="en-US" dirty="0" smtClean="0">
+                <a:rPr lang="ko-KR" altLang="en-US" dirty="0">
                   <a:solidFill>
                     <a:schemeClr val="tx1"/>
                   </a:solidFill>
                 </a:rPr>
                 <a:t>일</a:t>
               </a:r>
-              <a:endParaRPr lang="ko-KR" altLang="en-US" dirty="0">
-                <a:solidFill>
-                  <a:schemeClr val="tx1"/>
-                </a:solidFill>
-              </a:endParaRPr>
             </a:p>
           </p:txBody>
         </p:sp>
@@ -10003,17 +9700,83 @@
                 <a:tableStyleId>{21E4AEA4-8DFA-4A89-87EB-49C32662AFE0}</a:tableStyleId>
               </a:tblPr>
               <a:tblGrid>
-                <a:gridCol w="685792"/>
-                <a:gridCol w="838191"/>
-                <a:gridCol w="761992"/>
-                <a:gridCol w="1007550"/>
-                <a:gridCol w="878273"/>
-                <a:gridCol w="767627"/>
-                <a:gridCol w="958863"/>
-                <a:gridCol w="872583"/>
-                <a:gridCol w="857343"/>
-                <a:gridCol w="692837"/>
-                <a:gridCol w="822950"/>
+                <a:gridCol w="685792">
+                  <a:extLst>
+                    <a:ext uri="{9D8B030D-6E8A-4147-A177-3AD203B41FA5}">
+                      <a16:colId xmlns:a16="http://schemas.microsoft.com/office/drawing/2014/main" val="20000"/>
+                    </a:ext>
+                  </a:extLst>
+                </a:gridCol>
+                <a:gridCol w="838191">
+                  <a:extLst>
+                    <a:ext uri="{9D8B030D-6E8A-4147-A177-3AD203B41FA5}">
+                      <a16:colId xmlns:a16="http://schemas.microsoft.com/office/drawing/2014/main" val="20001"/>
+                    </a:ext>
+                  </a:extLst>
+                </a:gridCol>
+                <a:gridCol w="761992">
+                  <a:extLst>
+                    <a:ext uri="{9D8B030D-6E8A-4147-A177-3AD203B41FA5}">
+                      <a16:colId xmlns:a16="http://schemas.microsoft.com/office/drawing/2014/main" val="20002"/>
+                    </a:ext>
+                  </a:extLst>
+                </a:gridCol>
+                <a:gridCol w="1007550">
+                  <a:extLst>
+                    <a:ext uri="{9D8B030D-6E8A-4147-A177-3AD203B41FA5}">
+                      <a16:colId xmlns:a16="http://schemas.microsoft.com/office/drawing/2014/main" val="20003"/>
+                    </a:ext>
+                  </a:extLst>
+                </a:gridCol>
+                <a:gridCol w="878273">
+                  <a:extLst>
+                    <a:ext uri="{9D8B030D-6E8A-4147-A177-3AD203B41FA5}">
+                      <a16:colId xmlns:a16="http://schemas.microsoft.com/office/drawing/2014/main" val="20004"/>
+                    </a:ext>
+                  </a:extLst>
+                </a:gridCol>
+                <a:gridCol w="767627">
+                  <a:extLst>
+                    <a:ext uri="{9D8B030D-6E8A-4147-A177-3AD203B41FA5}">
+                      <a16:colId xmlns:a16="http://schemas.microsoft.com/office/drawing/2014/main" val="20005"/>
+                    </a:ext>
+                  </a:extLst>
+                </a:gridCol>
+                <a:gridCol w="958863">
+                  <a:extLst>
+                    <a:ext uri="{9D8B030D-6E8A-4147-A177-3AD203B41FA5}">
+                      <a16:colId xmlns:a16="http://schemas.microsoft.com/office/drawing/2014/main" val="20006"/>
+                    </a:ext>
+                  </a:extLst>
+                </a:gridCol>
+                <a:gridCol w="872583">
+                  <a:extLst>
+                    <a:ext uri="{9D8B030D-6E8A-4147-A177-3AD203B41FA5}">
+                      <a16:colId xmlns:a16="http://schemas.microsoft.com/office/drawing/2014/main" val="20007"/>
+                    </a:ext>
+                  </a:extLst>
+                </a:gridCol>
+                <a:gridCol w="857343">
+                  <a:extLst>
+                    <a:ext uri="{9D8B030D-6E8A-4147-A177-3AD203B41FA5}">
+                      <a16:colId xmlns:a16="http://schemas.microsoft.com/office/drawing/2014/main" val="20008"/>
+                    </a:ext>
+                  </a:extLst>
+                </a:gridCol>
+                <a:gridCol w="692837">
+                  <a:extLst>
+                    <a:ext uri="{9D8B030D-6E8A-4147-A177-3AD203B41FA5}">
+                      <a16:colId xmlns:a16="http://schemas.microsoft.com/office/drawing/2014/main" val="20009"/>
+                    </a:ext>
+                  </a:extLst>
+                </a:gridCol>
+                <a:gridCol w="822950">
+                  <a:extLst>
+                    <a:ext uri="{9D8B030D-6E8A-4147-A177-3AD203B41FA5}">
+                      <a16:colId xmlns:a16="http://schemas.microsoft.com/office/drawing/2014/main" val="20010"/>
+                    </a:ext>
+                  </a:extLst>
+                </a:gridCol>
               </a:tblGrid>
               <a:tr h="620688">
                 <a:tc>
@@ -10023,18 +9786,13 @@
                     <a:p>
                       <a:pPr algn="ctr" latinLnBrk="1"/>
                       <a:r>
-                        <a:rPr lang="ko-KR" altLang="en-US" sz="1000" b="1" dirty="0" smtClean="0">
+                        <a:rPr lang="ko-KR" altLang="en-US" sz="1000" b="1" dirty="0">
                           <a:solidFill>
                             <a:schemeClr val="tx1"/>
                           </a:solidFill>
                         </a:rPr>
                         <a:t>항목</a:t>
                       </a:r>
-                      <a:endParaRPr lang="ko-KR" altLang="en-US" sz="1000" b="1" dirty="0">
-                        <a:solidFill>
-                          <a:schemeClr val="tx1"/>
-                        </a:solidFill>
-                      </a:endParaRPr>
                     </a:p>
                   </a:txBody>
                   <a:tcPr anchor="ctr">
@@ -10083,7 +9841,7 @@
                     <a:p>
                       <a:pPr algn="ctr" latinLnBrk="1"/>
                       <a:r>
-                        <a:rPr lang="en-US" altLang="ko-KR" sz="1000" b="1" dirty="0" smtClean="0">
+                        <a:rPr lang="en-US" altLang="ko-KR" sz="1000" b="1" dirty="0">
                           <a:solidFill>
                             <a:schemeClr val="tx1"/>
                           </a:solidFill>
@@ -10143,7 +9901,7 @@
                     <a:p>
                       <a:pPr algn="ctr" latinLnBrk="1"/>
                       <a:r>
-                        <a:rPr lang="en-US" altLang="ko-KR" sz="1000" b="1" dirty="0" smtClean="0">
+                        <a:rPr lang="en-US" altLang="ko-KR" sz="1000" b="1" dirty="0">
                           <a:solidFill>
                             <a:schemeClr val="tx1"/>
                           </a:solidFill>
@@ -10203,7 +9961,7 @@
                     <a:p>
                       <a:pPr algn="ctr" latinLnBrk="1"/>
                       <a:r>
-                        <a:rPr lang="en-US" altLang="ko-KR" sz="1000" b="1" dirty="0" smtClean="0">
+                        <a:rPr lang="en-US" altLang="ko-KR" sz="1000" b="1" dirty="0">
                           <a:solidFill>
                             <a:schemeClr val="tx1"/>
                           </a:solidFill>
@@ -10263,7 +10021,7 @@
                     <a:p>
                       <a:pPr algn="ctr" latinLnBrk="1"/>
                       <a:r>
-                        <a:rPr lang="en-US" altLang="ko-KR" sz="1000" b="1" dirty="0" smtClean="0">
+                        <a:rPr lang="en-US" altLang="ko-KR" sz="1000" b="1" dirty="0">
                           <a:solidFill>
                             <a:schemeClr val="tx1"/>
                           </a:solidFill>
@@ -10275,7 +10033,7 @@
                     <a:p>
                       <a:pPr algn="ctr" latinLnBrk="1"/>
                       <a:r>
-                        <a:rPr lang="en-US" altLang="ko-KR" sz="1000" b="1" dirty="0" smtClean="0">
+                        <a:rPr lang="en-US" altLang="ko-KR" sz="1000" b="1" dirty="0">
                           <a:solidFill>
                             <a:schemeClr val="tx1"/>
                           </a:solidFill>
@@ -10342,7 +10100,7 @@
                     <a:p>
                       <a:pPr algn="ctr" latinLnBrk="1"/>
                       <a:r>
-                        <a:rPr lang="en-US" altLang="ko-KR" sz="1000" b="1" dirty="0" smtClean="0">
+                        <a:rPr lang="en-US" altLang="ko-KR" sz="1000" b="1" dirty="0">
                           <a:solidFill>
                             <a:schemeClr val="tx1"/>
                           </a:solidFill>
@@ -10354,7 +10112,7 @@
                     <a:p>
                       <a:pPr algn="ctr" latinLnBrk="1"/>
                       <a:r>
-                        <a:rPr lang="en-US" altLang="ko-KR" sz="1000" b="1" dirty="0" smtClean="0">
+                        <a:rPr lang="en-US" altLang="ko-KR" sz="1000" b="1" dirty="0">
                           <a:solidFill>
                             <a:schemeClr val="tx1"/>
                           </a:solidFill>
@@ -10363,7 +10121,7 @@
                         <a:t>I</a:t>
                       </a:r>
                       <a:r>
-                        <a:rPr lang="en-US" altLang="ko-KR" sz="1000" b="1" dirty="0" smtClean="0">
+                        <a:rPr lang="en-US" altLang="ko-KR" sz="1000" b="1" dirty="0">
                           <a:solidFill>
                             <a:schemeClr val="tx1"/>
                           </a:solidFill>
@@ -10431,7 +10189,7 @@
                     <a:p>
                       <a:pPr algn="ctr" latinLnBrk="1"/>
                       <a:r>
-                        <a:rPr lang="en-US" altLang="ko-KR" sz="1000" b="1" dirty="0" smtClean="0">
+                        <a:rPr lang="en-US" altLang="ko-KR" sz="1000" b="1" dirty="0">
                           <a:solidFill>
                             <a:schemeClr val="tx1"/>
                           </a:solidFill>
@@ -10499,7 +10257,7 @@
                     <a:p>
                       <a:pPr algn="ctr" latinLnBrk="1"/>
                       <a:r>
-                        <a:rPr lang="en-US" altLang="ko-KR" sz="1000" b="1" dirty="0" smtClean="0">
+                        <a:rPr lang="en-US" altLang="ko-KR" sz="1000" b="1" dirty="0">
                           <a:solidFill>
                             <a:schemeClr val="tx1"/>
                           </a:solidFill>
@@ -10512,7 +10270,7 @@
                     <a:p>
                       <a:pPr algn="ctr" latinLnBrk="1"/>
                       <a:r>
-                        <a:rPr lang="en-US" altLang="ko-KR" sz="1000" b="1" dirty="0" smtClean="0">
+                        <a:rPr lang="en-US" altLang="ko-KR" sz="1000" b="1" dirty="0">
                           <a:solidFill>
                             <a:schemeClr val="tx1"/>
                           </a:solidFill>
@@ -10580,7 +10338,7 @@
                     <a:p>
                       <a:pPr algn="ctr" latinLnBrk="1"/>
                       <a:r>
-                        <a:rPr lang="en-US" altLang="ko-KR" sz="1000" dirty="0" smtClean="0">
+                        <a:rPr lang="en-US" altLang="ko-KR" sz="1000" dirty="0">
                           <a:solidFill>
                             <a:schemeClr val="tx1"/>
                           </a:solidFill>
@@ -10663,7 +10421,7 @@
                         <a:defRPr/>
                       </a:pPr>
                       <a:r>
-                        <a:rPr lang="en-US" altLang="ko-KR" sz="1000" dirty="0" smtClean="0">
+                        <a:rPr lang="en-US" altLang="ko-KR" sz="1000" dirty="0">
                           <a:solidFill>
                             <a:schemeClr val="tx1"/>
                           </a:solidFill>
@@ -10671,7 +10429,7 @@
                         </a:rPr>
                         <a:t>Supplier</a:t>
                       </a:r>
-                      <a:endParaRPr lang="ko-KR" altLang="en-US" sz="1000" dirty="0" smtClean="0">
+                      <a:endParaRPr lang="ko-KR" altLang="en-US" sz="1000" dirty="0">
                         <a:solidFill>
                           <a:schemeClr val="tx1"/>
                         </a:solidFill>
@@ -10697,7 +10455,7 @@
                         <a:defRPr/>
                       </a:pPr>
                       <a:r>
-                        <a:rPr lang="en-US" altLang="ko-KR" sz="1000" b="1" dirty="0" smtClean="0">
+                        <a:rPr lang="en-US" altLang="ko-KR" sz="1000" b="1" dirty="0">
                           <a:solidFill>
                             <a:schemeClr val="tx1"/>
                           </a:solidFill>
@@ -10780,7 +10538,7 @@
                         <a:defRPr/>
                       </a:pPr>
                       <a:r>
-                        <a:rPr lang="en-US" altLang="ko-KR" sz="1000" dirty="0" smtClean="0">
+                        <a:rPr lang="en-US" altLang="ko-KR" sz="1000" dirty="0">
                           <a:solidFill>
                             <a:schemeClr val="tx1"/>
                           </a:solidFill>
@@ -10788,7 +10546,7 @@
                         </a:rPr>
                         <a:t>Supplier</a:t>
                       </a:r>
-                      <a:endParaRPr lang="en-US" altLang="ko-KR" sz="1000" dirty="0" smtClean="0">
+                      <a:endParaRPr lang="en-US" altLang="ko-KR" sz="1000" dirty="0">
                         <a:solidFill>
                           <a:schemeClr val="tx1"/>
                         </a:solidFill>
@@ -10799,7 +10557,7 @@
                     <a:p>
                       <a:pPr algn="ctr" latinLnBrk="1"/>
                       <a:r>
-                        <a:rPr lang="en-US" altLang="ko-KR" sz="1000" dirty="0" smtClean="0">
+                        <a:rPr lang="en-US" altLang="ko-KR" sz="1000" dirty="0">
                           <a:solidFill>
                             <a:schemeClr val="tx1"/>
                           </a:solidFill>
@@ -10808,7 +10566,7 @@
                         </a:rPr>
                         <a:t>delivery </a:t>
                       </a:r>
-                      <a:endParaRPr lang="ko-KR" altLang="en-US" sz="1000" b="1" dirty="0" smtClean="0">
+                      <a:endParaRPr lang="ko-KR" altLang="en-US" sz="1000" b="1" dirty="0">
                         <a:solidFill>
                           <a:schemeClr val="tx1"/>
                         </a:solidFill>
@@ -10860,6 +10618,11 @@
                     </a:solidFill>
                   </a:tcPr>
                 </a:tc>
+                <a:extLst>
+                  <a:ext uri="{0D108BD9-81ED-4DB2-BD59-A6C34878D82A}">
+                    <a16:rowId xmlns:a16="http://schemas.microsoft.com/office/drawing/2014/main" val="10000"/>
+                  </a:ext>
+                </a:extLst>
               </a:tr>
               <a:tr h="606575">
                 <a:tc>
@@ -10869,7 +10632,7 @@
                     <a:p>
                       <a:pPr algn="ctr" latinLnBrk="1"/>
                       <a:r>
-                        <a:rPr lang="en-US" altLang="ko-KR" sz="1000" b="1" dirty="0" smtClean="0">
+                        <a:rPr lang="en-US" altLang="ko-KR" sz="1000" b="1" dirty="0">
                           <a:solidFill>
                             <a:schemeClr val="tx1"/>
                           </a:solidFill>
@@ -10929,14 +10692,14 @@
                     <a:p>
                       <a:pPr algn="ctr" latinLnBrk="1"/>
                       <a:r>
-                        <a:rPr lang="en-US" altLang="ko-KR" sz="1000" b="0" dirty="0" err="1" smtClean="0">
+                        <a:rPr lang="en-US" altLang="ko-KR" sz="1000" b="0" dirty="0" err="1">
                           <a:solidFill>
                             <a:schemeClr val="tx1"/>
                           </a:solidFill>
                         </a:rPr>
                         <a:t>login.jsp</a:t>
                       </a:r>
-                      <a:endParaRPr lang="en-US" altLang="ko-KR" sz="1000" b="0" dirty="0" smtClean="0">
+                      <a:endParaRPr lang="en-US" altLang="ko-KR" sz="1000" b="0" dirty="0">
                         <a:solidFill>
                           <a:schemeClr val="tx1"/>
                         </a:solidFill>
@@ -10989,7 +10752,7 @@
                     <a:p>
                       <a:pPr algn="ctr" latinLnBrk="1"/>
                       <a:r>
-                        <a:rPr lang="en-US" altLang="ko-KR" sz="1000" b="0" dirty="0" smtClean="0">
+                        <a:rPr lang="en-US" altLang="ko-KR" sz="1000" b="0" dirty="0">
                           <a:solidFill>
                             <a:schemeClr val="tx1"/>
                           </a:solidFill>
@@ -11049,7 +10812,7 @@
                     <a:p>
                       <a:pPr algn="ctr" latinLnBrk="1"/>
                       <a:r>
-                        <a:rPr lang="en-US" altLang="ko-KR" sz="1000" b="0" dirty="0" smtClean="0">
+                        <a:rPr lang="en-US" altLang="ko-KR" sz="1000" b="0" dirty="0">
                           <a:solidFill>
                             <a:schemeClr val="tx1"/>
                           </a:solidFill>
@@ -11454,6 +11217,11 @@
                     </a:lnB>
                   </a:tcPr>
                 </a:tc>
+                <a:extLst>
+                  <a:ext uri="{0D108BD9-81ED-4DB2-BD59-A6C34878D82A}">
+                    <a16:rowId xmlns:a16="http://schemas.microsoft.com/office/drawing/2014/main" val="10001"/>
+                  </a:ext>
+                </a:extLst>
               </a:tr>
               <a:tr h="606575">
                 <a:tc>
@@ -11463,7 +11231,7 @@
                     <a:p>
                       <a:pPr algn="ctr" latinLnBrk="1"/>
                       <a:r>
-                        <a:rPr lang="ko-KR" altLang="en-US" sz="1000" b="1" dirty="0" err="1" smtClean="0">
+                        <a:rPr lang="ko-KR" altLang="en-US" sz="1000" b="1" dirty="0" err="1">
                           <a:solidFill>
                             <a:schemeClr val="tx1"/>
                           </a:solidFill>
@@ -11523,14 +11291,14 @@
                     <a:p>
                       <a:pPr algn="ctr" latinLnBrk="1"/>
                       <a:r>
-                        <a:rPr lang="en-US" altLang="ko-KR" sz="1000" b="0" dirty="0" err="1" smtClean="0">
+                        <a:rPr lang="en-US" altLang="ko-KR" sz="1000" b="0" dirty="0" err="1">
                           <a:solidFill>
                             <a:schemeClr val="tx1"/>
                           </a:solidFill>
                         </a:rPr>
                         <a:t>UserProc</a:t>
                       </a:r>
-                      <a:endParaRPr lang="en-US" altLang="ko-KR" sz="1000" b="0" dirty="0" smtClean="0">
+                      <a:endParaRPr lang="en-US" altLang="ko-KR" sz="1000" b="0" dirty="0">
                         <a:solidFill>
                           <a:schemeClr val="tx1"/>
                         </a:solidFill>
@@ -11605,7 +11373,7 @@
                     <a:p>
                       <a:pPr algn="ctr" latinLnBrk="1"/>
                       <a:r>
-                        <a:rPr lang="en-US" altLang="ko-KR" sz="1000" b="0" dirty="0" smtClean="0">
+                        <a:rPr lang="en-US" altLang="ko-KR" sz="1000" b="0" dirty="0">
                           <a:solidFill>
                             <a:schemeClr val="tx1"/>
                           </a:solidFill>
@@ -11616,14 +11384,14 @@
                     <a:p>
                       <a:pPr algn="ctr" latinLnBrk="1"/>
                       <a:r>
-                        <a:rPr lang="en-US" altLang="ko-KR" sz="1000" b="0" dirty="0" err="1" smtClean="0">
+                        <a:rPr lang="en-US" altLang="ko-KR" sz="1000" b="0" dirty="0" err="1">
                           <a:solidFill>
                             <a:schemeClr val="tx1"/>
                           </a:solidFill>
                         </a:rPr>
                         <a:t>Proc</a:t>
                       </a:r>
-                      <a:endParaRPr lang="ko-KR" altLang="en-US" sz="1000" b="0" dirty="0" smtClean="0">
+                      <a:endParaRPr lang="ko-KR" altLang="en-US" sz="1000" b="0" dirty="0">
                         <a:solidFill>
                           <a:schemeClr val="tx1"/>
                         </a:solidFill>
@@ -11675,7 +11443,7 @@
                     <a:lstStyle/>
                     <a:p>
                       <a:pPr algn="ctr" latinLnBrk="1"/>
-                      <a:endParaRPr lang="ko-KR" altLang="en-US" sz="1100" b="0" dirty="0" smtClean="0">
+                      <a:endParaRPr lang="ko-KR" altLang="en-US" sz="1100" b="0" dirty="0">
                         <a:solidFill>
                           <a:schemeClr val="tx1"/>
                         </a:solidFill>
@@ -11812,7 +11580,7 @@
                     <a:lstStyle/>
                     <a:p>
                       <a:pPr algn="ctr" latinLnBrk="1"/>
-                      <a:endParaRPr lang="ko-KR" altLang="en-US" sz="1100" b="0" dirty="0" smtClean="0">
+                      <a:endParaRPr lang="ko-KR" altLang="en-US" sz="1100" b="0" dirty="0">
                         <a:solidFill>
                           <a:schemeClr val="tx1"/>
                         </a:solidFill>
@@ -11858,6 +11626,11 @@
                     </a:lnB>
                   </a:tcPr>
                 </a:tc>
+                <a:extLst>
+                  <a:ext uri="{0D108BD9-81ED-4DB2-BD59-A6C34878D82A}">
+                    <a16:rowId xmlns:a16="http://schemas.microsoft.com/office/drawing/2014/main" val="10002"/>
+                  </a:ext>
+                </a:extLst>
               </a:tr>
               <a:tr h="802359">
                 <a:tc>
@@ -11867,18 +11640,13 @@
                     <a:p>
                       <a:pPr algn="ctr" latinLnBrk="1"/>
                       <a:r>
-                        <a:rPr lang="ko-KR" altLang="en-US" sz="1000" b="1" dirty="0" smtClean="0">
+                        <a:rPr lang="ko-KR" altLang="en-US" sz="1000" b="1" dirty="0">
                           <a:solidFill>
                             <a:schemeClr val="tx1"/>
                           </a:solidFill>
                         </a:rPr>
                         <a:t>버튼</a:t>
                       </a:r>
-                      <a:endParaRPr lang="ko-KR" altLang="en-US" sz="1000" b="1" dirty="0">
-                        <a:solidFill>
-                          <a:schemeClr val="tx1"/>
-                        </a:solidFill>
-                      </a:endParaRPr>
                     </a:p>
                   </a:txBody>
                   <a:tcPr anchor="ctr">
@@ -11927,37 +11695,29 @@
                     <a:p>
                       <a:pPr algn="ctr" latinLnBrk="1"/>
                       <a:r>
-                        <a:rPr lang="ko-KR" altLang="en-US" sz="1000" b="0" dirty="0" smtClean="0">
+                        <a:rPr lang="ko-KR" altLang="en-US" sz="1000" b="0" dirty="0">
                           <a:solidFill>
                             <a:schemeClr val="tx1"/>
                           </a:solidFill>
                         </a:rPr>
                         <a:t>회원가입</a:t>
                       </a:r>
-                      <a:r>
-                        <a:rPr lang="en-US" altLang="ko-KR" sz="1000" b="0" dirty="0" smtClean="0">
-                          <a:solidFill>
-                            <a:schemeClr val="tx1"/>
-                          </a:solidFill>
-                        </a:rPr>
-                        <a:t/>
-                      </a:r>
                       <a:br>
-                        <a:rPr lang="en-US" altLang="ko-KR" sz="1000" b="0" dirty="0" smtClean="0">
+                        <a:rPr lang="en-US" altLang="ko-KR" sz="1000" b="0" dirty="0">
                           <a:solidFill>
                             <a:schemeClr val="tx1"/>
                           </a:solidFill>
                         </a:rPr>
                       </a:br>
                       <a:r>
-                        <a:rPr lang="ko-KR" altLang="en-US" sz="1000" b="0" dirty="0" smtClean="0">
+                        <a:rPr lang="ko-KR" altLang="en-US" sz="1000" b="0" dirty="0">
                           <a:solidFill>
                             <a:schemeClr val="tx1"/>
                           </a:solidFill>
                         </a:rPr>
                         <a:t>로그인</a:t>
                       </a:r>
-                      <a:endParaRPr lang="en-US" altLang="ko-KR" sz="1000" b="0" dirty="0" smtClean="0">
+                      <a:endParaRPr lang="en-US" altLang="ko-KR" sz="1000" b="0" dirty="0">
                         <a:solidFill>
                           <a:schemeClr val="tx1"/>
                         </a:solidFill>
@@ -11966,7 +11726,7 @@
                     <a:p>
                       <a:pPr algn="ctr" latinLnBrk="1"/>
                       <a:r>
-                        <a:rPr lang="en-US" altLang="ko-KR" sz="1000" b="0" dirty="0" smtClean="0">
+                        <a:rPr lang="en-US" altLang="ko-KR" sz="1000" b="0" dirty="0">
                           <a:solidFill>
                             <a:schemeClr val="tx1"/>
                           </a:solidFill>
@@ -11974,7 +11734,7 @@
                         <a:t>(</a:t>
                       </a:r>
                       <a:r>
-                        <a:rPr lang="ko-KR" altLang="en-US" sz="1000" b="0" dirty="0" smtClean="0">
+                        <a:rPr lang="ko-KR" altLang="en-US" sz="1000" b="0" dirty="0">
                           <a:solidFill>
                             <a:schemeClr val="tx1"/>
                           </a:solidFill>
@@ -11982,7 +11742,7 @@
                         <a:t>라디오</a:t>
                       </a:r>
                       <a:r>
-                        <a:rPr lang="en-US" altLang="ko-KR" sz="1000" b="0" dirty="0" smtClean="0">
+                        <a:rPr lang="en-US" altLang="ko-KR" sz="1000" b="0" dirty="0">
                           <a:solidFill>
                             <a:schemeClr val="tx1"/>
                           </a:solidFill>
@@ -12090,14 +11850,14 @@
                     <a:p>
                       <a:pPr algn="ctr" latinLnBrk="1"/>
                       <a:r>
-                        <a:rPr lang="ko-KR" altLang="en-US" sz="1000" b="0" dirty="0" smtClean="0">
+                        <a:rPr lang="ko-KR" altLang="en-US" sz="1000" b="0" dirty="0">
                           <a:solidFill>
                             <a:schemeClr val="tx1"/>
                           </a:solidFill>
                         </a:rPr>
                         <a:t>완료</a:t>
                       </a:r>
-                      <a:endParaRPr lang="en-US" altLang="ko-KR" sz="1000" b="0" dirty="0" smtClean="0">
+                      <a:endParaRPr lang="en-US" altLang="ko-KR" sz="1000" b="0" dirty="0">
                         <a:solidFill>
                           <a:schemeClr val="tx1"/>
                         </a:solidFill>
@@ -12106,7 +11866,7 @@
                     <a:p>
                       <a:pPr algn="ctr" latinLnBrk="1"/>
                       <a:r>
-                        <a:rPr lang="ko-KR" altLang="en-US" sz="1000" b="0" dirty="0" err="1" smtClean="0">
+                        <a:rPr lang="ko-KR" altLang="en-US" sz="1000" b="0" dirty="0" err="1">
                           <a:solidFill>
                             <a:schemeClr val="tx1"/>
                           </a:solidFill>
@@ -12166,14 +11926,14 @@
                     <a:p>
                       <a:pPr algn="ctr" latinLnBrk="1"/>
                       <a:r>
-                        <a:rPr lang="ko-KR" altLang="en-US" sz="1000" b="0" dirty="0" smtClean="0">
+                        <a:rPr lang="ko-KR" altLang="en-US" sz="1000" b="0" dirty="0">
                           <a:solidFill>
                             <a:schemeClr val="tx1"/>
                           </a:solidFill>
                         </a:rPr>
                         <a:t>송장 보내기</a:t>
                       </a:r>
-                      <a:endParaRPr lang="en-US" altLang="ko-KR" sz="1000" b="0" dirty="0" smtClean="0">
+                      <a:endParaRPr lang="en-US" altLang="ko-KR" sz="1000" b="0" dirty="0">
                         <a:solidFill>
                           <a:schemeClr val="tx1"/>
                         </a:solidFill>
@@ -12182,18 +11942,13 @@
                     <a:p>
                       <a:pPr algn="ctr" latinLnBrk="1"/>
                       <a:r>
-                        <a:rPr lang="ko-KR" altLang="en-US" sz="1000" b="0" dirty="0" smtClean="0">
+                        <a:rPr lang="ko-KR" altLang="en-US" sz="1000" b="0" dirty="0">
                           <a:solidFill>
                             <a:schemeClr val="tx1"/>
                           </a:solidFill>
                         </a:rPr>
                         <a:t>송장목록</a:t>
                       </a:r>
-                      <a:endParaRPr lang="ko-KR" altLang="en-US" sz="1000" b="0" dirty="0">
-                        <a:solidFill>
-                          <a:schemeClr val="tx1"/>
-                        </a:solidFill>
-                      </a:endParaRPr>
                     </a:p>
                   </a:txBody>
                   <a:tcPr anchor="ctr">
@@ -12242,14 +11997,14 @@
                     <a:p>
                       <a:pPr algn="ctr" latinLnBrk="1"/>
                       <a:r>
-                        <a:rPr lang="ko-KR" altLang="en-US" sz="1000" b="0" dirty="0" smtClean="0">
+                        <a:rPr lang="ko-KR" altLang="en-US" sz="1000" b="0" dirty="0">
                           <a:solidFill>
                             <a:schemeClr val="tx1"/>
                           </a:solidFill>
                         </a:rPr>
                         <a:t>검색</a:t>
                       </a:r>
-                      <a:endParaRPr lang="en-US" altLang="ko-KR" sz="1000" b="0" dirty="0" smtClean="0">
+                      <a:endParaRPr lang="en-US" altLang="ko-KR" sz="1000" b="0" dirty="0">
                         <a:solidFill>
                           <a:schemeClr val="tx1"/>
                         </a:solidFill>
@@ -12258,7 +12013,7 @@
                     <a:p>
                       <a:pPr algn="ctr" latinLnBrk="1"/>
                       <a:r>
-                        <a:rPr lang="ko-KR" altLang="en-US" sz="1000" b="0" dirty="0" err="1" smtClean="0">
+                        <a:rPr lang="ko-KR" altLang="en-US" sz="1000" b="0" dirty="0" err="1">
                           <a:solidFill>
                             <a:schemeClr val="tx1"/>
                           </a:solidFill>
@@ -12318,14 +12073,14 @@
                     <a:p>
                       <a:pPr algn="ctr" latinLnBrk="1"/>
                       <a:r>
-                        <a:rPr lang="ko-KR" altLang="en-US" sz="1000" b="0" dirty="0" smtClean="0">
+                        <a:rPr lang="ko-KR" altLang="en-US" sz="1000" b="0" dirty="0">
                           <a:solidFill>
                             <a:schemeClr val="tx1"/>
                           </a:solidFill>
                         </a:rPr>
                         <a:t>월별 배송</a:t>
                       </a:r>
-                      <a:endParaRPr lang="en-US" altLang="ko-KR" sz="1000" b="0" dirty="0" smtClean="0">
+                      <a:endParaRPr lang="en-US" altLang="ko-KR" sz="1000" b="0" dirty="0">
                         <a:solidFill>
                           <a:schemeClr val="tx1"/>
                         </a:solidFill>
@@ -12334,18 +12089,13 @@
                     <a:p>
                       <a:pPr algn="ctr" latinLnBrk="1"/>
                       <a:r>
-                        <a:rPr lang="ko-KR" altLang="en-US" sz="1000" b="0" dirty="0" smtClean="0">
+                        <a:rPr lang="ko-KR" altLang="en-US" sz="1000" b="0" dirty="0">
                           <a:solidFill>
                             <a:schemeClr val="tx1"/>
                           </a:solidFill>
                         </a:rPr>
                         <a:t>다운로드</a:t>
                       </a:r>
-                      <a:endParaRPr lang="ko-KR" altLang="en-US" sz="1000" b="0" dirty="0">
-                        <a:solidFill>
-                          <a:schemeClr val="tx1"/>
-                        </a:solidFill>
-                      </a:endParaRPr>
                     </a:p>
                   </a:txBody>
                   <a:tcPr anchor="ctr">
@@ -12394,7 +12144,7 @@
                     <a:p>
                       <a:pPr algn="ctr" latinLnBrk="1"/>
                       <a:r>
-                        <a:rPr lang="ko-KR" altLang="en-US" sz="1000" dirty="0" err="1" smtClean="0"/>
+                        <a:rPr lang="ko-KR" altLang="en-US" sz="1000" dirty="0" err="1"/>
                         <a:t>뒤로가기</a:t>
                       </a:r>
                       <a:endParaRPr lang="ko-KR" altLang="en-US" sz="1000" dirty="0"/>
@@ -12446,31 +12196,31 @@
                     <a:p>
                       <a:pPr algn="ctr" latinLnBrk="1"/>
                       <a:r>
-                        <a:rPr lang="ko-KR" altLang="en-US" sz="1000" dirty="0" smtClean="0"/>
+                        <a:rPr lang="ko-KR" altLang="en-US" sz="1000" dirty="0"/>
                         <a:t>발주리스트</a:t>
                       </a:r>
-                      <a:endParaRPr lang="en-US" altLang="ko-KR" sz="1000" dirty="0" smtClean="0"/>
+                      <a:endParaRPr lang="en-US" altLang="ko-KR" sz="1000" dirty="0"/>
                     </a:p>
                     <a:p>
                       <a:pPr algn="ctr" latinLnBrk="1"/>
                       <a:r>
-                        <a:rPr lang="ko-KR" altLang="en-US" sz="1000" dirty="0" smtClean="0"/>
+                        <a:rPr lang="ko-KR" altLang="en-US" sz="1000" dirty="0"/>
                         <a:t>다운로드</a:t>
                       </a:r>
-                      <a:endParaRPr lang="en-US" altLang="ko-KR" sz="1000" dirty="0" smtClean="0"/>
+                      <a:endParaRPr lang="en-US" altLang="ko-KR" sz="1000" dirty="0"/>
                     </a:p>
                     <a:p>
                       <a:pPr algn="ctr" latinLnBrk="1"/>
                       <a:r>
-                        <a:rPr lang="ko-KR" altLang="en-US" sz="1000" dirty="0" smtClean="0"/>
+                        <a:rPr lang="ko-KR" altLang="en-US" sz="1000" dirty="0"/>
                         <a:t>납품내역</a:t>
                       </a:r>
-                      <a:endParaRPr lang="en-US" altLang="ko-KR" sz="1000" dirty="0" smtClean="0"/>
+                      <a:endParaRPr lang="en-US" altLang="ko-KR" sz="1000" dirty="0"/>
                     </a:p>
                     <a:p>
                       <a:pPr algn="ctr" latinLnBrk="1"/>
                       <a:r>
-                        <a:rPr lang="ko-KR" altLang="en-US" sz="1000" dirty="0" err="1" smtClean="0"/>
+                        <a:rPr lang="ko-KR" altLang="en-US" sz="1000" dirty="0" err="1"/>
                         <a:t>뒤로가기</a:t>
                       </a:r>
                       <a:endParaRPr lang="ko-KR" altLang="en-US" sz="1000" dirty="0"/>
@@ -12522,7 +12272,7 @@
                     <a:p>
                       <a:pPr algn="ctr" latinLnBrk="1"/>
                       <a:r>
-                        <a:rPr lang="ko-KR" altLang="en-US" sz="1000" dirty="0" err="1" smtClean="0"/>
+                        <a:rPr lang="ko-KR" altLang="en-US" sz="1000" dirty="0" err="1"/>
                         <a:t>뒤로가기</a:t>
                       </a:r>
                       <a:endParaRPr lang="ko-KR" altLang="en-US" sz="1000" dirty="0"/>
@@ -12574,7 +12324,7 @@
                     <a:p>
                       <a:pPr algn="ctr" latinLnBrk="1"/>
                       <a:r>
-                        <a:rPr lang="ko-KR" altLang="en-US" sz="1000" b="0" dirty="0" err="1" smtClean="0">
+                        <a:rPr lang="ko-KR" altLang="en-US" sz="1000" b="0" dirty="0" err="1">
                           <a:solidFill>
                             <a:schemeClr val="tx1"/>
                           </a:solidFill>
@@ -12627,6 +12377,11 @@
                     </a:lnB>
                   </a:tcPr>
                 </a:tc>
+                <a:extLst>
+                  <a:ext uri="{0D108BD9-81ED-4DB2-BD59-A6C34878D82A}">
+                    <a16:rowId xmlns:a16="http://schemas.microsoft.com/office/drawing/2014/main" val="10003"/>
+                  </a:ext>
+                </a:extLst>
               </a:tr>
               <a:tr h="1265382">
                 <a:tc>
@@ -12636,7 +12391,7 @@
                     <a:p>
                       <a:pPr algn="ctr" latinLnBrk="1"/>
                       <a:r>
-                        <a:rPr lang="en-US" altLang="ko-KR" sz="1000" b="1" dirty="0" smtClean="0">
+                        <a:rPr lang="en-US" altLang="ko-KR" sz="1000" b="1" dirty="0">
                           <a:solidFill>
                             <a:schemeClr val="tx1"/>
                           </a:solidFill>
@@ -12696,14 +12451,14 @@
                     <a:p>
                       <a:pPr algn="ctr" latinLnBrk="1"/>
                       <a:r>
-                        <a:rPr lang="en-US" altLang="ko-KR" sz="1000" b="0" dirty="0" err="1" smtClean="0">
+                        <a:rPr lang="en-US" altLang="ko-KR" sz="1000" b="0" dirty="0" err="1">
                           <a:solidFill>
                             <a:schemeClr val="tx1"/>
                           </a:solidFill>
                         </a:rPr>
                         <a:t>id_no</a:t>
                       </a:r>
-                      <a:endParaRPr lang="en-US" altLang="ko-KR" sz="1000" b="0" dirty="0" smtClean="0">
+                      <a:endParaRPr lang="en-US" altLang="ko-KR" sz="1000" b="0" dirty="0">
                         <a:solidFill>
                           <a:schemeClr val="tx1"/>
                         </a:solidFill>
@@ -12712,7 +12467,7 @@
                     <a:p>
                       <a:pPr algn="ctr" latinLnBrk="1"/>
                       <a:r>
-                        <a:rPr lang="en-US" altLang="ko-KR" sz="1000" b="0" dirty="0" smtClean="0">
+                        <a:rPr lang="en-US" altLang="ko-KR" sz="1000" b="0" dirty="0">
                           <a:solidFill>
                             <a:schemeClr val="tx1"/>
                           </a:solidFill>
@@ -12723,7 +12478,7 @@
                     <a:p>
                       <a:pPr algn="ctr" latinLnBrk="1"/>
                       <a:r>
-                        <a:rPr lang="en-US" altLang="ko-KR" sz="1000" b="0" dirty="0" smtClean="0">
+                        <a:rPr lang="en-US" altLang="ko-KR" sz="1000" b="0" dirty="0">
                           <a:solidFill>
                             <a:schemeClr val="tx1"/>
                           </a:solidFill>
@@ -12831,7 +12586,7 @@
                     <a:p>
                       <a:pPr algn="ctr" latinLnBrk="1"/>
                       <a:r>
-                        <a:rPr lang="en-US" altLang="ko-KR" sz="1000" b="0" dirty="0" smtClean="0">
+                        <a:rPr lang="en-US" altLang="ko-KR" sz="1000" b="0" dirty="0">
                           <a:solidFill>
                             <a:schemeClr val="tx1"/>
                           </a:solidFill>
@@ -12842,14 +12597,14 @@
                     <a:p>
                       <a:pPr algn="ctr" latinLnBrk="1"/>
                       <a:r>
-                        <a:rPr lang="en-US" altLang="ko-KR" sz="1000" b="0" dirty="0" err="1" smtClean="0">
+                        <a:rPr lang="en-US" altLang="ko-KR" sz="1000" b="0" dirty="0" err="1">
                           <a:solidFill>
                             <a:schemeClr val="tx1"/>
                           </a:solidFill>
                         </a:rPr>
                         <a:t>id_no</a:t>
                       </a:r>
-                      <a:endParaRPr lang="en-US" altLang="ko-KR" sz="1000" b="0" dirty="0" smtClean="0">
+                      <a:endParaRPr lang="en-US" altLang="ko-KR" sz="1000" b="0" dirty="0">
                         <a:solidFill>
                           <a:schemeClr val="tx1"/>
                         </a:solidFill>
@@ -12858,7 +12613,7 @@
                     <a:p>
                       <a:pPr algn="ctr" latinLnBrk="1"/>
                       <a:r>
-                        <a:rPr lang="en-US" altLang="ko-KR" sz="1000" b="0" dirty="0" smtClean="0">
+                        <a:rPr lang="en-US" altLang="ko-KR" sz="1000" b="0" dirty="0">
                           <a:solidFill>
                             <a:schemeClr val="tx1"/>
                           </a:solidFill>
@@ -12869,7 +12624,7 @@
                     <a:p>
                       <a:pPr algn="ctr" latinLnBrk="1"/>
                       <a:r>
-                        <a:rPr lang="en-US" altLang="ko-KR" sz="1000" b="0" dirty="0" smtClean="0">
+                        <a:rPr lang="en-US" altLang="ko-KR" sz="1000" b="0" dirty="0">
                           <a:solidFill>
                             <a:schemeClr val="tx1"/>
                           </a:solidFill>
@@ -12880,7 +12635,7 @@
                     <a:p>
                       <a:pPr algn="ctr" latinLnBrk="1"/>
                       <a:r>
-                        <a:rPr lang="en-US" altLang="ko-KR" sz="1000" b="0" dirty="0" smtClean="0">
+                        <a:rPr lang="en-US" altLang="ko-KR" sz="1000" b="0" dirty="0">
                           <a:solidFill>
                             <a:schemeClr val="tx1"/>
                           </a:solidFill>
@@ -13285,6 +13040,11 @@
                     </a:lnB>
                   </a:tcPr>
                 </a:tc>
+                <a:extLst>
+                  <a:ext uri="{0D108BD9-81ED-4DB2-BD59-A6C34878D82A}">
+                    <a16:rowId xmlns:a16="http://schemas.microsoft.com/office/drawing/2014/main" val="10004"/>
+                  </a:ext>
+                </a:extLst>
               </a:tr>
               <a:tr h="761589">
                 <a:tc>
@@ -13294,7 +13054,7 @@
                     <a:p>
                       <a:pPr algn="ctr" latinLnBrk="1"/>
                       <a:r>
-                        <a:rPr lang="en-US" altLang="ko-KR" sz="1000" b="1" dirty="0" smtClean="0">
+                        <a:rPr lang="en-US" altLang="ko-KR" sz="1000" b="1" dirty="0">
                           <a:solidFill>
                             <a:schemeClr val="tx1"/>
                           </a:solidFill>
@@ -13354,7 +13114,7 @@
                     <a:p>
                       <a:pPr algn="ctr" latinLnBrk="1"/>
                       <a:r>
-                        <a:rPr lang="en-US" altLang="ko-KR" sz="1000" b="0" dirty="0" smtClean="0">
+                        <a:rPr lang="en-US" altLang="ko-KR" sz="1000" b="0" dirty="0">
                           <a:solidFill>
                             <a:schemeClr val="tx1"/>
                           </a:solidFill>
@@ -13414,7 +13174,7 @@
                     <a:p>
                       <a:pPr algn="ctr" latinLnBrk="1"/>
                       <a:r>
-                        <a:rPr lang="en-US" altLang="ko-KR" sz="1000" b="0" dirty="0" smtClean="0">
+                        <a:rPr lang="en-US" altLang="ko-KR" sz="1000" b="0" dirty="0">
                           <a:solidFill>
                             <a:schemeClr val="tx1"/>
                           </a:solidFill>
@@ -13474,7 +13234,7 @@
                     <a:p>
                       <a:pPr algn="ctr" latinLnBrk="1"/>
                       <a:r>
-                        <a:rPr lang="en-US" altLang="ko-KR" sz="1000" b="0" dirty="0" smtClean="0">
+                        <a:rPr lang="en-US" altLang="ko-KR" sz="1000" b="0" dirty="0">
                           <a:solidFill>
                             <a:schemeClr val="tx1"/>
                           </a:solidFill>
@@ -13879,6 +13639,11 @@
                     </a:lnB>
                   </a:tcPr>
                 </a:tc>
+                <a:extLst>
+                  <a:ext uri="{0D108BD9-81ED-4DB2-BD59-A6C34878D82A}">
+                    <a16:rowId xmlns:a16="http://schemas.microsoft.com/office/drawing/2014/main" val="10005"/>
+                  </a:ext>
+                </a:extLst>
               </a:tr>
               <a:tr h="761589">
                 <a:tc>
@@ -13888,7 +13653,7 @@
                     <a:p>
                       <a:pPr algn="ctr" latinLnBrk="1"/>
                       <a:r>
-                        <a:rPr lang="en-US" altLang="ko-KR" sz="1000" b="1" dirty="0" smtClean="0">
+                        <a:rPr lang="en-US" altLang="ko-KR" sz="1000" b="1" dirty="0">
                           <a:solidFill>
                             <a:schemeClr val="tx1"/>
                           </a:solidFill>
@@ -14441,6 +14206,11 @@
                     </a:lnB>
                   </a:tcPr>
                 </a:tc>
+                <a:extLst>
+                  <a:ext uri="{0D108BD9-81ED-4DB2-BD59-A6C34878D82A}">
+                    <a16:rowId xmlns:a16="http://schemas.microsoft.com/office/drawing/2014/main" val="10006"/>
+                  </a:ext>
+                </a:extLst>
               </a:tr>
               <a:tr h="761589">
                 <a:tc>
@@ -14450,7 +14220,7 @@
                     <a:p>
                       <a:pPr algn="ctr" latinLnBrk="1"/>
                       <a:r>
-                        <a:rPr lang="en-US" altLang="ko-KR" sz="1000" b="1" dirty="0" smtClean="0">
+                        <a:rPr lang="en-US" altLang="ko-KR" sz="1000" b="1" dirty="0">
                           <a:solidFill>
                             <a:schemeClr val="tx1"/>
                           </a:solidFill>
@@ -15003,6 +14773,11 @@
                     </a:lnB>
                   </a:tcPr>
                 </a:tc>
+                <a:extLst>
+                  <a:ext uri="{0D108BD9-81ED-4DB2-BD59-A6C34878D82A}">
+                    <a16:rowId xmlns:a16="http://schemas.microsoft.com/office/drawing/2014/main" val="10007"/>
+                  </a:ext>
+                </a:extLst>
               </a:tr>
               <a:tr h="761589">
                 <a:tc>
@@ -15012,18 +14787,13 @@
                     <a:p>
                       <a:pPr algn="ctr" latinLnBrk="1"/>
                       <a:r>
-                        <a:rPr lang="ko-KR" altLang="en-US" sz="1000" b="1" dirty="0" smtClean="0">
+                        <a:rPr lang="ko-KR" altLang="en-US" sz="1000" b="1" dirty="0">
                           <a:solidFill>
                             <a:schemeClr val="tx1"/>
                           </a:solidFill>
                         </a:rPr>
                         <a:t>처리 후 화면</a:t>
                       </a:r>
-                      <a:endParaRPr lang="ko-KR" altLang="en-US" sz="1000" b="1" dirty="0">
-                        <a:solidFill>
-                          <a:schemeClr val="tx1"/>
-                        </a:solidFill>
-                      </a:endParaRPr>
                     </a:p>
                   </a:txBody>
                   <a:tcPr anchor="ctr">
@@ -15072,14 +14842,14 @@
                     <a:p>
                       <a:pPr algn="ctr" latinLnBrk="1"/>
                       <a:r>
-                        <a:rPr lang="ko-KR" altLang="en-US" sz="1000" b="0" dirty="0" smtClean="0">
+                        <a:rPr lang="ko-KR" altLang="en-US" sz="1000" b="0" dirty="0">
                           <a:solidFill>
                             <a:schemeClr val="tx1"/>
                           </a:solidFill>
                         </a:rPr>
                         <a:t>쇼핑몰</a:t>
                       </a:r>
-                      <a:endParaRPr lang="en-US" altLang="ko-KR" sz="1000" b="0" dirty="0" smtClean="0">
+                      <a:endParaRPr lang="en-US" altLang="ko-KR" sz="1000" b="0" dirty="0">
                         <a:solidFill>
                           <a:schemeClr val="tx1"/>
                         </a:solidFill>
@@ -15088,14 +14858,14 @@
                     <a:p>
                       <a:pPr algn="ctr" latinLnBrk="1"/>
                       <a:r>
-                        <a:rPr lang="ko-KR" altLang="en-US" sz="1000" b="0" dirty="0" err="1" smtClean="0">
+                        <a:rPr lang="ko-KR" altLang="en-US" sz="1000" b="0" dirty="0" err="1">
                           <a:solidFill>
                             <a:schemeClr val="tx1"/>
                           </a:solidFill>
                         </a:rPr>
                         <a:t>운송사</a:t>
                       </a:r>
-                      <a:endParaRPr lang="en-US" altLang="ko-KR" sz="1000" b="0" dirty="0" smtClean="0">
+                      <a:endParaRPr lang="en-US" altLang="ko-KR" sz="1000" b="0" dirty="0">
                         <a:solidFill>
                           <a:schemeClr val="tx1"/>
                         </a:solidFill>
@@ -15104,18 +14874,13 @@
                     <a:p>
                       <a:pPr algn="ctr" latinLnBrk="1"/>
                       <a:r>
-                        <a:rPr lang="ko-KR" altLang="en-US" sz="1000" b="0" dirty="0" smtClean="0">
+                        <a:rPr lang="ko-KR" altLang="en-US" sz="1000" b="0" dirty="0">
                           <a:solidFill>
                             <a:schemeClr val="tx1"/>
                           </a:solidFill>
                         </a:rPr>
                         <a:t>구입처</a:t>
                       </a:r>
-                      <a:endParaRPr lang="ko-KR" altLang="en-US" sz="1000" b="0" dirty="0">
-                        <a:solidFill>
-                          <a:schemeClr val="tx1"/>
-                        </a:solidFill>
-                      </a:endParaRPr>
                     </a:p>
                   </a:txBody>
                   <a:tcPr anchor="ctr">
@@ -15164,7 +14929,7 @@
                     <a:p>
                       <a:pPr algn="ctr" latinLnBrk="1"/>
                       <a:r>
-                        <a:rPr lang="en-US" altLang="ko-KR" sz="1000" b="0" dirty="0" smtClean="0">
+                        <a:rPr lang="en-US" altLang="ko-KR" sz="1000" b="0" dirty="0">
                           <a:solidFill>
                             <a:schemeClr val="tx1"/>
                           </a:solidFill>
@@ -15224,7 +14989,7 @@
                     <a:p>
                       <a:pPr algn="ctr" latinLnBrk="1"/>
                       <a:r>
-                        <a:rPr lang="en-US" altLang="ko-KR" sz="1000" b="0" dirty="0" smtClean="0">
+                        <a:rPr lang="en-US" altLang="ko-KR" sz="1000" b="0" dirty="0">
                           <a:solidFill>
                             <a:schemeClr val="tx1"/>
                           </a:solidFill>
@@ -15284,14 +15049,14 @@
                     <a:p>
                       <a:pPr algn="ctr" latinLnBrk="1"/>
                       <a:r>
-                        <a:rPr lang="en-US" altLang="ko-KR" sz="1000" b="0" dirty="0" err="1" smtClean="0">
+                        <a:rPr lang="en-US" altLang="ko-KR" sz="1000" b="0" dirty="0" err="1">
                           <a:solidFill>
                             <a:schemeClr val="tx1"/>
                           </a:solidFill>
                         </a:rPr>
                         <a:t>ShopInvoice</a:t>
                       </a:r>
-                      <a:endParaRPr lang="en-US" altLang="ko-KR" sz="1000" b="0" dirty="0" smtClean="0">
+                      <a:endParaRPr lang="en-US" altLang="ko-KR" sz="1000" b="0" dirty="0">
                         <a:solidFill>
                           <a:schemeClr val="tx1"/>
                         </a:solidFill>
@@ -15396,14 +15161,14 @@
                     <a:p>
                       <a:pPr algn="ctr" latinLnBrk="1"/>
                       <a:r>
-                        <a:rPr lang="en-US" altLang="ko-KR" sz="1000" b="0" dirty="0" err="1" smtClean="0">
+                        <a:rPr lang="en-US" altLang="ko-KR" sz="1000" b="0" dirty="0" err="1">
                           <a:solidFill>
                             <a:schemeClr val="tx1"/>
                           </a:solidFill>
                         </a:rPr>
                         <a:t>TransPort</a:t>
                       </a:r>
-                      <a:endParaRPr lang="en-US" altLang="ko-KR" sz="1000" b="0" dirty="0" smtClean="0">
+                      <a:endParaRPr lang="en-US" altLang="ko-KR" sz="1000" b="0" dirty="0">
                         <a:solidFill>
                           <a:schemeClr val="tx1"/>
                         </a:solidFill>
@@ -15412,7 +15177,7 @@
                     <a:p>
                       <a:pPr algn="ctr" latinLnBrk="1"/>
                       <a:r>
-                        <a:rPr lang="en-US" altLang="ko-KR" sz="1000" b="0" dirty="0" smtClean="0">
+                        <a:rPr lang="en-US" altLang="ko-KR" sz="1000" b="0" dirty="0">
                           <a:solidFill>
                             <a:schemeClr val="tx1"/>
                           </a:solidFill>
@@ -15584,14 +15349,14 @@
                         <a:defRPr/>
                       </a:pPr>
                       <a:r>
-                        <a:rPr lang="en-US" altLang="ko-KR" sz="1000" b="0" dirty="0" smtClean="0">
+                        <a:rPr lang="en-US" altLang="ko-KR" sz="1000" b="0" dirty="0">
                           <a:solidFill>
                             <a:schemeClr val="tx1"/>
                           </a:solidFill>
                         </a:rPr>
                         <a:t>Supplier</a:t>
                       </a:r>
-                      <a:endParaRPr lang="ko-KR" altLang="en-US" sz="1000" b="0" dirty="0" smtClean="0">
+                      <a:endParaRPr lang="ko-KR" altLang="en-US" sz="1000" b="0" dirty="0">
                         <a:solidFill>
                           <a:schemeClr val="tx1"/>
                         </a:solidFill>
@@ -15616,14 +15381,14 @@
                         <a:defRPr/>
                       </a:pPr>
                       <a:r>
-                        <a:rPr lang="en-US" altLang="ko-KR" sz="1000" b="0" dirty="0" smtClean="0">
+                        <a:rPr lang="en-US" altLang="ko-KR" sz="1000" b="0" dirty="0">
                           <a:solidFill>
                             <a:schemeClr val="tx1"/>
                           </a:solidFill>
                         </a:rPr>
                         <a:t>Invoice</a:t>
                       </a:r>
-                      <a:endParaRPr lang="ko-KR" altLang="en-US" sz="1000" b="0" dirty="0" smtClean="0">
+                      <a:endParaRPr lang="ko-KR" altLang="en-US" sz="1000" b="0" dirty="0">
                         <a:solidFill>
                           <a:schemeClr val="tx1"/>
                         </a:solidFill>
@@ -15648,14 +15413,14 @@
                         <a:defRPr/>
                       </a:pPr>
                       <a:r>
-                        <a:rPr lang="en-US" altLang="ko-KR" sz="1000" b="0" dirty="0" smtClean="0">
+                        <a:rPr lang="en-US" altLang="ko-KR" sz="1000" b="0" dirty="0">
                           <a:solidFill>
                             <a:schemeClr val="tx1"/>
                           </a:solidFill>
                         </a:rPr>
                         <a:t>Supplier</a:t>
                       </a:r>
-                      <a:endParaRPr lang="en-US" altLang="ko-KR" sz="1000" b="0" dirty="0" smtClean="0">
+                      <a:endParaRPr lang="en-US" altLang="ko-KR" sz="1000" b="0" dirty="0">
                         <a:solidFill>
                           <a:schemeClr val="tx1"/>
                         </a:solidFill>
@@ -15665,7 +15430,7 @@
                     <a:p>
                       <a:pPr algn="ctr" latinLnBrk="1"/>
                       <a:r>
-                        <a:rPr lang="en-US" altLang="ko-KR" sz="1000" b="0" dirty="0" smtClean="0">
+                        <a:rPr lang="en-US" altLang="ko-KR" sz="1000" b="0" dirty="0">
                           <a:solidFill>
                             <a:schemeClr val="tx1"/>
                           </a:solidFill>
@@ -15673,7 +15438,7 @@
                         </a:rPr>
                         <a:t>delivery </a:t>
                       </a:r>
-                      <a:endParaRPr lang="ko-KR" altLang="en-US" sz="1000" b="0" dirty="0" smtClean="0">
+                      <a:endParaRPr lang="ko-KR" altLang="en-US" sz="1000" b="0" dirty="0">
                         <a:solidFill>
                           <a:schemeClr val="tx1"/>
                         </a:solidFill>
@@ -15771,6 +15536,11 @@
                     </a:lnB>
                   </a:tcPr>
                 </a:tc>
+                <a:extLst>
+                  <a:ext uri="{0D108BD9-81ED-4DB2-BD59-A6C34878D82A}">
+                    <a16:rowId xmlns:a16="http://schemas.microsoft.com/office/drawing/2014/main" val="10008"/>
+                  </a:ext>
+                </a:extLst>
               </a:tr>
             </a:tbl>
           </a:graphicData>
@@ -15821,13 +15591,6 @@
   <p:clrMapOvr>
     <a:masterClrMapping/>
   </p:clrMapOvr>
-  <p:timing>
-    <p:tnLst>
-      <p:par>
-        <p:cTn id="1" dur="indefinite" restart="never" nodeType="tmRoot"/>
-      </p:par>
-    </p:tnLst>
-  </p:timing>
 </p:sld>
 </file>
 
@@ -15857,7 +15620,7 @@
           <p:nvPr>
             <p:extLst>
               <p:ext uri="{D42A27DB-BD31-4B8C-83A1-F6EECF244321}">
-                <p14:modId xmlns:p14="http://schemas.microsoft.com/office/powerpoint/2010/main" val="1206724029"/>
+                <p14:modId xmlns:p14="http://schemas.microsoft.com/office/powerpoint/2010/main" val="3330547325"/>
               </p:ext>
             </p:extLst>
           </p:nvPr>
@@ -15873,10 +15636,34 @@
                 <a:tableStyleId>{21E4AEA4-8DFA-4A89-87EB-49C32662AFE0}</a:tableStyleId>
               </a:tblPr>
               <a:tblGrid>
-                <a:gridCol w="2254491"/>
-                <a:gridCol w="2254491"/>
-                <a:gridCol w="2435981"/>
-                <a:gridCol w="2199036"/>
+                <a:gridCol w="2254491">
+                  <a:extLst>
+                    <a:ext uri="{9D8B030D-6E8A-4147-A177-3AD203B41FA5}">
+                      <a16:colId xmlns:a16="http://schemas.microsoft.com/office/drawing/2014/main" val="20000"/>
+                    </a:ext>
+                  </a:extLst>
+                </a:gridCol>
+                <a:gridCol w="2254491">
+                  <a:extLst>
+                    <a:ext uri="{9D8B030D-6E8A-4147-A177-3AD203B41FA5}">
+                      <a16:colId xmlns:a16="http://schemas.microsoft.com/office/drawing/2014/main" val="20001"/>
+                    </a:ext>
+                  </a:extLst>
+                </a:gridCol>
+                <a:gridCol w="2435981">
+                  <a:extLst>
+                    <a:ext uri="{9D8B030D-6E8A-4147-A177-3AD203B41FA5}">
+                      <a16:colId xmlns:a16="http://schemas.microsoft.com/office/drawing/2014/main" val="20002"/>
+                    </a:ext>
+                  </a:extLst>
+                </a:gridCol>
+                <a:gridCol w="2199036">
+                  <a:extLst>
+                    <a:ext uri="{9D8B030D-6E8A-4147-A177-3AD203B41FA5}">
+                      <a16:colId xmlns:a16="http://schemas.microsoft.com/office/drawing/2014/main" val="20003"/>
+                    </a:ext>
+                  </a:extLst>
+                </a:gridCol>
               </a:tblGrid>
               <a:tr h="805181">
                 <a:tc>
@@ -15886,10 +15673,9 @@
                     <a:p>
                       <a:pPr algn="ctr" latinLnBrk="1"/>
                       <a:r>
-                        <a:rPr lang="ko-KR" altLang="en-US" dirty="0" smtClean="0"/>
+                        <a:rPr lang="ko-KR" altLang="en-US" dirty="0"/>
                         <a:t>로그인</a:t>
                       </a:r>
-                      <a:endParaRPr lang="ko-KR" altLang="en-US" dirty="0"/>
                     </a:p>
                   </a:txBody>
                   <a:tcPr anchor="ctr"/>
@@ -15901,10 +15687,9 @@
                     <a:p>
                       <a:pPr algn="ctr" latinLnBrk="1"/>
                       <a:r>
-                        <a:rPr lang="ko-KR" altLang="en-US" dirty="0" smtClean="0"/>
+                        <a:rPr lang="ko-KR" altLang="en-US" dirty="0"/>
                         <a:t>재고량</a:t>
                       </a:r>
-                      <a:endParaRPr lang="ko-KR" altLang="en-US" dirty="0"/>
                     </a:p>
                   </a:txBody>
                   <a:tcPr anchor="ctr"/>
@@ -15916,10 +15701,9 @@
                     <a:p>
                       <a:pPr algn="ctr" latinLnBrk="1"/>
                       <a:r>
-                        <a:rPr lang="ko-KR" altLang="en-US" dirty="0" smtClean="0"/>
+                        <a:rPr lang="ko-KR" altLang="en-US" dirty="0"/>
                         <a:t>주문</a:t>
                       </a:r>
-                      <a:endParaRPr lang="ko-KR" altLang="en-US" dirty="0"/>
                     </a:p>
                   </a:txBody>
                   <a:tcPr anchor="ctr"/>
@@ -15931,14 +15715,18 @@
                     <a:p>
                       <a:pPr algn="ctr" latinLnBrk="1"/>
                       <a:r>
-                        <a:rPr lang="ko-KR" altLang="en-US" dirty="0" smtClean="0"/>
+                        <a:rPr lang="ko-KR" altLang="en-US" dirty="0"/>
                         <a:t>고객정보</a:t>
                       </a:r>
-                      <a:endParaRPr lang="ko-KR" altLang="en-US" dirty="0"/>
                     </a:p>
                   </a:txBody>
                   <a:tcPr anchor="ctr"/>
                 </a:tc>
+                <a:extLst>
+                  <a:ext uri="{0D108BD9-81ED-4DB2-BD59-A6C34878D82A}">
+                    <a16:rowId xmlns:a16="http://schemas.microsoft.com/office/drawing/2014/main" val="10000"/>
+                  </a:ext>
+                </a:extLst>
               </a:tr>
               <a:tr h="805181">
                 <a:tc>
@@ -15948,7 +15736,7 @@
                     <a:p>
                       <a:pPr algn="ctr" latinLnBrk="1"/>
                       <a:r>
-                        <a:rPr lang="en-US" altLang="ko-KR" dirty="0" smtClean="0"/>
+                        <a:rPr lang="en-US" altLang="ko-KR" dirty="0"/>
                         <a:t>user</a:t>
                       </a:r>
                       <a:endParaRPr lang="ko-KR" altLang="en-US" dirty="0"/>
@@ -15963,7 +15751,7 @@
                     <a:p>
                       <a:pPr algn="ctr" latinLnBrk="1"/>
                       <a:r>
-                        <a:rPr lang="en-US" altLang="ko-KR" dirty="0" smtClean="0"/>
+                        <a:rPr lang="en-US" altLang="ko-KR" dirty="0"/>
                         <a:t>product</a:t>
                       </a:r>
                     </a:p>
@@ -15977,7 +15765,7 @@
                     <a:p>
                       <a:pPr algn="ctr" latinLnBrk="1"/>
                       <a:r>
-                        <a:rPr lang="en-US" altLang="ko-KR" dirty="0" smtClean="0"/>
+                        <a:rPr lang="en-US" altLang="ko-KR" dirty="0"/>
                         <a:t>order</a:t>
                       </a:r>
                     </a:p>
@@ -15991,7 +15779,7 @@
                     <a:p>
                       <a:pPr algn="ctr"/>
                       <a:r>
-                        <a:rPr lang="en-US" altLang="ko-KR" dirty="0" smtClean="0"/>
+                        <a:rPr lang="en-US" altLang="ko-KR" dirty="0"/>
                         <a:t>invoice</a:t>
                       </a:r>
                       <a:endParaRPr lang="ko-KR" altLang="en-US" dirty="0"/>
@@ -15999,6 +15787,11 @@
                   </a:txBody>
                   <a:tcPr anchor="ctr"/>
                 </a:tc>
+                <a:extLst>
+                  <a:ext uri="{0D108BD9-81ED-4DB2-BD59-A6C34878D82A}">
+                    <a16:rowId xmlns:a16="http://schemas.microsoft.com/office/drawing/2014/main" val="10001"/>
+                  </a:ext>
+                </a:extLst>
               </a:tr>
               <a:tr h="1997499">
                 <a:tc>
@@ -16008,7 +15801,7 @@
                     <a:p>
                       <a:pPr algn="l" latinLnBrk="1"/>
                       <a:r>
-                        <a:rPr lang="en-US" altLang="ko-KR" b="1" dirty="0" smtClean="0">
+                        <a:rPr lang="en-US" altLang="ko-KR" b="1" dirty="0">
                           <a:solidFill>
                             <a:srgbClr val="FF0000"/>
                           </a:solidFill>
@@ -16019,21 +15812,21 @@
                     <a:p>
                       <a:pPr algn="l" latinLnBrk="1"/>
                       <a:r>
-                        <a:rPr lang="en-US" altLang="ko-KR" dirty="0" smtClean="0"/>
+                        <a:rPr lang="en-US" altLang="ko-KR" dirty="0"/>
                         <a:t>(S)name</a:t>
                       </a:r>
                     </a:p>
                     <a:p>
                       <a:pPr algn="l" latinLnBrk="1"/>
                       <a:r>
-                        <a:rPr lang="en-US" altLang="ko-KR" dirty="0" smtClean="0"/>
+                        <a:rPr lang="en-US" altLang="ko-KR" dirty="0"/>
                         <a:t>(S)password</a:t>
                       </a:r>
                       <a:br>
-                        <a:rPr lang="en-US" altLang="ko-KR" dirty="0" smtClean="0"/>
+                        <a:rPr lang="en-US" altLang="ko-KR" dirty="0"/>
                       </a:br>
                       <a:r>
-                        <a:rPr lang="en-US" altLang="ko-KR" dirty="0" smtClean="0"/>
+                        <a:rPr lang="en-US" altLang="ko-KR" dirty="0"/>
                         <a:t>(S)hashed</a:t>
                       </a:r>
                       <a:endParaRPr lang="ko-KR" altLang="en-US" dirty="0"/>
@@ -16048,7 +15841,7 @@
                     <a:p>
                       <a:pPr algn="l" latinLnBrk="1"/>
                       <a:r>
-                        <a:rPr lang="en-US" altLang="ko-KR" b="1" dirty="0" smtClean="0">
+                        <a:rPr lang="en-US" altLang="ko-KR" b="1" dirty="0">
                           <a:solidFill>
                             <a:srgbClr val="0070C0"/>
                           </a:solidFill>
@@ -16056,14 +15849,14 @@
                         <a:t>(S)</a:t>
                       </a:r>
                       <a:r>
-                        <a:rPr lang="en-US" altLang="ko-KR" b="1" dirty="0" err="1" smtClean="0">
+                        <a:rPr lang="en-US" altLang="ko-KR" b="1" dirty="0" err="1">
                           <a:solidFill>
                             <a:srgbClr val="0070C0"/>
                           </a:solidFill>
                         </a:rPr>
                         <a:t>pCode</a:t>
                       </a:r>
-                      <a:endParaRPr lang="en-US" altLang="ko-KR" b="1" dirty="0" smtClean="0">
+                      <a:endParaRPr lang="en-US" altLang="ko-KR" b="1" dirty="0">
                         <a:solidFill>
                           <a:srgbClr val="0070C0"/>
                         </a:solidFill>
@@ -16072,50 +15865,50 @@
                     <a:p>
                       <a:pPr algn="l" latinLnBrk="1"/>
                       <a:r>
-                        <a:rPr lang="en-US" altLang="ko-KR" dirty="0" smtClean="0"/>
+                        <a:rPr lang="en-US" altLang="ko-KR" dirty="0"/>
                         <a:t>(S)</a:t>
                       </a:r>
                       <a:r>
-                        <a:rPr lang="en-US" altLang="ko-KR" dirty="0" err="1" smtClean="0"/>
+                        <a:rPr lang="en-US" altLang="ko-KR" dirty="0" err="1"/>
                         <a:t>pName</a:t>
                       </a:r>
-                      <a:endParaRPr lang="en-US" altLang="ko-KR" dirty="0" smtClean="0"/>
+                      <a:endParaRPr lang="en-US" altLang="ko-KR" dirty="0"/>
                     </a:p>
                     <a:p>
                       <a:pPr algn="l" latinLnBrk="1"/>
                       <a:r>
-                        <a:rPr lang="en-US" altLang="ko-KR" dirty="0" smtClean="0"/>
+                        <a:rPr lang="en-US" altLang="ko-KR" dirty="0"/>
                         <a:t>(I)</a:t>
                       </a:r>
                       <a:r>
-                        <a:rPr lang="en-US" altLang="ko-KR" dirty="0" err="1" smtClean="0"/>
+                        <a:rPr lang="en-US" altLang="ko-KR" dirty="0" err="1"/>
                         <a:t>pPrice</a:t>
                       </a:r>
-                      <a:endParaRPr lang="en-US" altLang="ko-KR" dirty="0" smtClean="0"/>
+                      <a:endParaRPr lang="en-US" altLang="ko-KR" dirty="0"/>
                     </a:p>
                     <a:p>
                       <a:pPr algn="l" latinLnBrk="1"/>
                       <a:r>
-                        <a:rPr lang="en-US" altLang="ko-KR" dirty="0" smtClean="0"/>
+                        <a:rPr lang="en-US" altLang="ko-KR" dirty="0"/>
                         <a:t>(I)</a:t>
                       </a:r>
                       <a:r>
-                        <a:rPr lang="en-US" altLang="ko-KR" dirty="0" err="1" smtClean="0"/>
+                        <a:rPr lang="en-US" altLang="ko-KR" dirty="0" err="1"/>
                         <a:t>pQuantity</a:t>
                       </a:r>
-                      <a:endParaRPr lang="en-US" altLang="ko-KR" dirty="0" smtClean="0"/>
+                      <a:endParaRPr lang="en-US" altLang="ko-KR" dirty="0"/>
                     </a:p>
                     <a:p>
                       <a:pPr algn="l" latinLnBrk="1"/>
                       <a:r>
-                        <a:rPr lang="en-US" altLang="ko-KR" dirty="0" smtClean="0"/>
+                        <a:rPr lang="en-US" altLang="ko-KR" dirty="0"/>
                         <a:t>(S)</a:t>
                       </a:r>
                       <a:r>
-                        <a:rPr lang="en-US" altLang="ko-KR" dirty="0" err="1" smtClean="0"/>
+                        <a:rPr lang="en-US" altLang="ko-KR" dirty="0" err="1"/>
                         <a:t>pImgSource</a:t>
                       </a:r>
-                      <a:endParaRPr lang="en-US" altLang="ko-KR" dirty="0" smtClean="0"/>
+                      <a:endParaRPr lang="en-US" altLang="ko-KR" dirty="0"/>
                     </a:p>
                   </a:txBody>
                   <a:tcPr anchor="ctr"/>
@@ -16127,14 +15920,14 @@
                     <a:p>
                       <a:pPr algn="l" latinLnBrk="1"/>
                       <a:r>
-                        <a:rPr lang="en-US" altLang="ko-KR" b="1" dirty="0" smtClean="0"/>
+                        <a:rPr lang="en-US" altLang="ko-KR" b="1" dirty="0"/>
                         <a:t>(S)</a:t>
                       </a:r>
                       <a:r>
-                        <a:rPr lang="en-US" altLang="ko-KR" b="1" dirty="0" err="1" smtClean="0"/>
+                        <a:rPr lang="en-US" altLang="ko-KR" b="1" dirty="0" err="1"/>
                         <a:t>oCode</a:t>
                       </a:r>
-                      <a:endParaRPr lang="en-US" altLang="ko-KR" dirty="0" smtClean="0">
+                      <a:endParaRPr lang="en-US" altLang="ko-KR" dirty="0">
                         <a:solidFill>
                           <a:srgbClr val="00B050"/>
                         </a:solidFill>
@@ -16143,7 +15936,7 @@
                     <a:p>
                       <a:pPr algn="l" latinLnBrk="1"/>
                       <a:r>
-                        <a:rPr lang="en-US" altLang="ko-KR" dirty="0" smtClean="0">
+                        <a:rPr lang="en-US" altLang="ko-KR" dirty="0">
                           <a:solidFill>
                             <a:srgbClr val="0070C0"/>
                           </a:solidFill>
@@ -16151,14 +15944,14 @@
                         <a:t>(S)</a:t>
                       </a:r>
                       <a:r>
-                        <a:rPr lang="en-US" altLang="ko-KR" dirty="0" err="1" smtClean="0">
+                        <a:rPr lang="en-US" altLang="ko-KR" dirty="0" err="1">
                           <a:solidFill>
                             <a:srgbClr val="0070C0"/>
                           </a:solidFill>
                         </a:rPr>
                         <a:t>oProductCode</a:t>
                       </a:r>
-                      <a:endParaRPr lang="en-US" altLang="ko-KR" dirty="0" smtClean="0">
+                      <a:endParaRPr lang="en-US" altLang="ko-KR" dirty="0">
                         <a:solidFill>
                           <a:srgbClr val="0070C0"/>
                         </a:solidFill>
@@ -16167,19 +15960,19 @@
                     <a:p>
                       <a:pPr algn="l" latinLnBrk="1"/>
                       <a:r>
-                        <a:rPr lang="en-US" altLang="ko-KR" dirty="0" smtClean="0"/>
-                        <a:t>(S)</a:t>
+                        <a:rPr lang="en-US" altLang="ko-KR" dirty="0"/>
+                        <a:t>(I)</a:t>
                       </a:r>
                       <a:r>
-                        <a:rPr lang="en-US" altLang="ko-KR" dirty="0" err="1" smtClean="0"/>
+                        <a:rPr lang="en-US" altLang="ko-KR" dirty="0" err="1"/>
                         <a:t>oQuantity</a:t>
                       </a:r>
-                      <a:endParaRPr lang="en-US" altLang="ko-KR" dirty="0" smtClean="0"/>
+                      <a:endParaRPr lang="en-US" altLang="ko-KR" dirty="0"/>
                     </a:p>
                     <a:p>
                       <a:pPr algn="l" latinLnBrk="1"/>
                       <a:r>
-                        <a:rPr lang="en-US" altLang="ko-KR" dirty="0" smtClean="0">
+                        <a:rPr lang="en-US" altLang="ko-KR" dirty="0">
                           <a:solidFill>
                             <a:srgbClr val="00B050"/>
                           </a:solidFill>
@@ -16187,14 +15980,14 @@
                         <a:t>(S)</a:t>
                       </a:r>
                       <a:r>
-                        <a:rPr lang="en-US" altLang="ko-KR" dirty="0" err="1" smtClean="0">
+                        <a:rPr lang="en-US" altLang="ko-KR" dirty="0" err="1">
                           <a:solidFill>
                             <a:srgbClr val="00B050"/>
                           </a:solidFill>
                         </a:rPr>
                         <a:t>oInvoiceCode</a:t>
                       </a:r>
-                      <a:endParaRPr lang="en-US" altLang="ko-KR" dirty="0" smtClean="0">
+                      <a:endParaRPr lang="en-US" altLang="ko-KR" dirty="0">
                         <a:solidFill>
                           <a:srgbClr val="00B050"/>
                         </a:solidFill>
@@ -16209,7 +16002,7 @@
                     <a:lstStyle/>
                     <a:p>
                       <a:r>
-                        <a:rPr lang="en-US" altLang="ko-KR" b="1" dirty="0" smtClean="0">
+                        <a:rPr lang="en-US" altLang="ko-KR" b="1" dirty="0">
                           <a:solidFill>
                             <a:srgbClr val="00B050"/>
                           </a:solidFill>
@@ -16217,14 +16010,14 @@
                         <a:t>(S)</a:t>
                       </a:r>
                       <a:r>
-                        <a:rPr lang="en-US" altLang="ko-KR" b="1" dirty="0" err="1" smtClean="0">
+                        <a:rPr lang="en-US" altLang="ko-KR" b="1" dirty="0" err="1">
                           <a:solidFill>
                             <a:srgbClr val="00B050"/>
                           </a:solidFill>
                         </a:rPr>
                         <a:t>iCode</a:t>
                       </a:r>
-                      <a:endParaRPr lang="en-US" altLang="ko-KR" b="1" dirty="0" smtClean="0">
+                      <a:endParaRPr lang="en-US" altLang="ko-KR" b="1" dirty="0">
                         <a:solidFill>
                           <a:srgbClr val="00B050"/>
                         </a:solidFill>
@@ -16232,36 +16025,36 @@
                     </a:p>
                     <a:p>
                       <a:r>
-                        <a:rPr lang="en-US" altLang="ko-KR" dirty="0" smtClean="0"/>
+                        <a:rPr lang="en-US" altLang="ko-KR" dirty="0"/>
                         <a:t>(S)</a:t>
                       </a:r>
                       <a:r>
-                        <a:rPr lang="en-US" altLang="ko-KR" dirty="0" err="1" smtClean="0"/>
+                        <a:rPr lang="en-US" altLang="ko-KR" dirty="0" err="1"/>
                         <a:t>iName</a:t>
                       </a:r>
-                      <a:endParaRPr lang="en-US" altLang="ko-KR" dirty="0" smtClean="0"/>
+                      <a:endParaRPr lang="en-US" altLang="ko-KR" dirty="0"/>
                     </a:p>
                     <a:p>
                       <a:r>
-                        <a:rPr lang="en-US" altLang="ko-KR" dirty="0" smtClean="0"/>
+                        <a:rPr lang="en-US" altLang="ko-KR" dirty="0"/>
                         <a:t>(S)</a:t>
                       </a:r>
                       <a:r>
-                        <a:rPr lang="en-US" altLang="ko-KR" dirty="0" err="1" smtClean="0"/>
+                        <a:rPr lang="en-US" altLang="ko-KR" dirty="0" err="1"/>
                         <a:t>iTel</a:t>
                       </a:r>
-                      <a:endParaRPr lang="en-US" altLang="ko-KR" dirty="0" smtClean="0"/>
+                      <a:endParaRPr lang="en-US" altLang="ko-KR" dirty="0"/>
                     </a:p>
                     <a:p>
                       <a:r>
-                        <a:rPr lang="en-US" altLang="ko-KR" dirty="0" smtClean="0"/>
+                        <a:rPr lang="en-US" altLang="ko-KR" dirty="0"/>
                         <a:t>(S)</a:t>
                       </a:r>
                       <a:r>
-                        <a:rPr lang="en-US" altLang="ko-KR" dirty="0" err="1" smtClean="0"/>
+                        <a:rPr lang="en-US" altLang="ko-KR" dirty="0" err="1"/>
                         <a:t>iAddress</a:t>
                       </a:r>
-                      <a:endParaRPr lang="en-US" altLang="ko-KR" dirty="0" smtClean="0"/>
+                      <a:endParaRPr lang="en-US" altLang="ko-KR" dirty="0"/>
                     </a:p>
                     <a:p>
                       <a:pPr marL="0" marR="0" indent="0" algn="l" defTabSz="914400" rtl="0" eaLnBrk="1" fontAlgn="auto" latinLnBrk="1" hangingPunct="1">
@@ -16282,7 +16075,7 @@
                         <a:defRPr/>
                       </a:pPr>
                       <a:r>
-                        <a:rPr lang="en-US" altLang="ko-KR" dirty="0" smtClean="0">
+                        <a:rPr lang="en-US" altLang="ko-KR" dirty="0">
                           <a:solidFill>
                             <a:srgbClr val="FF0000"/>
                           </a:solidFill>
@@ -16290,14 +16083,14 @@
                         <a:t>(S)</a:t>
                       </a:r>
                       <a:r>
-                        <a:rPr lang="en-US" altLang="ko-KR" dirty="0" err="1" smtClean="0">
+                        <a:rPr lang="en-US" altLang="ko-KR" dirty="0" err="1">
                           <a:solidFill>
                             <a:srgbClr val="FF0000"/>
                           </a:solidFill>
                         </a:rPr>
                         <a:t>iAreaCode</a:t>
                       </a:r>
-                      <a:endParaRPr lang="en-US" altLang="ko-KR" dirty="0" smtClean="0">
+                      <a:endParaRPr lang="en-US" altLang="ko-KR" dirty="0">
                         <a:solidFill>
                           <a:srgbClr val="FF0000"/>
                         </a:solidFill>
@@ -16322,7 +16115,7 @@
                         <a:defRPr/>
                       </a:pPr>
                       <a:r>
-                        <a:rPr lang="en-US" altLang="ko-KR" dirty="0" smtClean="0">
+                        <a:rPr lang="en-US" altLang="ko-KR" dirty="0">
                           <a:solidFill>
                             <a:schemeClr val="tx1"/>
                           </a:solidFill>
@@ -16330,14 +16123,14 @@
                         <a:t>(D)</a:t>
                       </a:r>
                       <a:r>
-                        <a:rPr lang="en-US" altLang="ko-KR" dirty="0" err="1" smtClean="0">
+                        <a:rPr lang="en-US" altLang="ko-KR" dirty="0" err="1">
                           <a:solidFill>
                             <a:schemeClr val="tx1"/>
                           </a:solidFill>
                         </a:rPr>
                         <a:t>iDate</a:t>
                       </a:r>
-                      <a:endParaRPr lang="en-US" altLang="ko-KR" dirty="0" smtClean="0">
+                      <a:endParaRPr lang="en-US" altLang="ko-KR" dirty="0">
                         <a:solidFill>
                           <a:schemeClr val="tx1"/>
                         </a:solidFill>
@@ -16346,6 +16139,11 @@
                   </a:txBody>
                   <a:tcPr anchor="ctr"/>
                 </a:tc>
+                <a:extLst>
+                  <a:ext uri="{0D108BD9-81ED-4DB2-BD59-A6C34878D82A}">
+                    <a16:rowId xmlns:a16="http://schemas.microsoft.com/office/drawing/2014/main" val="10002"/>
+                  </a:ext>
+                </a:extLst>
               </a:tr>
               <a:tr h="1278399">
                 <a:tc>
@@ -16355,60 +16153,60 @@
                     <a:p>
                       <a:pPr algn="ctr" latinLnBrk="1"/>
                       <a:r>
-                        <a:rPr lang="en-US" altLang="ko-KR" dirty="0" smtClean="0"/>
+                        <a:rPr lang="en-US" altLang="ko-KR" dirty="0"/>
                         <a:t>Id (</a:t>
                       </a:r>
                       <a:r>
-                        <a:rPr lang="en-US" altLang="ko-KR" dirty="0" err="1" smtClean="0"/>
+                        <a:rPr lang="en-US" altLang="ko-KR" dirty="0" err="1"/>
                         <a:t>userType</a:t>
                       </a:r>
                       <a:r>
-                        <a:rPr lang="en-US" altLang="ko-KR" dirty="0" smtClean="0"/>
+                        <a:rPr lang="en-US" altLang="ko-KR" dirty="0"/>
                         <a:t>)</a:t>
                       </a:r>
                     </a:p>
                     <a:p>
                       <a:pPr algn="ctr" latinLnBrk="1"/>
                       <a:r>
-                        <a:rPr lang="en-US" altLang="ko-KR" dirty="0" smtClean="0"/>
+                        <a:rPr lang="en-US" altLang="ko-KR" dirty="0"/>
                         <a:t>1 : 1(</a:t>
                       </a:r>
                       <a:r>
-                        <a:rPr lang="ko-KR" altLang="en-US" dirty="0" smtClean="0"/>
+                        <a:rPr lang="ko-KR" altLang="en-US" dirty="0"/>
                         <a:t>운송업체</a:t>
                       </a:r>
                       <a:r>
-                        <a:rPr lang="en-US" altLang="ko-KR" dirty="0" smtClean="0"/>
+                        <a:rPr lang="en-US" altLang="ko-KR" dirty="0"/>
                         <a:t>)</a:t>
                       </a:r>
                     </a:p>
                     <a:p>
                       <a:pPr algn="ctr" latinLnBrk="1"/>
                       <a:r>
-                        <a:rPr lang="en-US" altLang="ko-KR" dirty="0" smtClean="0"/>
+                        <a:rPr lang="en-US" altLang="ko-KR" dirty="0"/>
                         <a:t>2 : A(</a:t>
                       </a:r>
                       <a:r>
-                        <a:rPr lang="ko-KR" altLang="en-US" dirty="0" smtClean="0"/>
+                        <a:rPr lang="ko-KR" altLang="en-US" dirty="0"/>
                         <a:t>구매처</a:t>
                       </a:r>
                       <a:r>
-                        <a:rPr lang="en-US" altLang="ko-KR" dirty="0" smtClean="0"/>
+                        <a:rPr lang="en-US" altLang="ko-KR" dirty="0"/>
                         <a:t>)</a:t>
                       </a:r>
                     </a:p>
                     <a:p>
                       <a:pPr algn="ctr" latinLnBrk="1"/>
                       <a:r>
-                        <a:rPr lang="en-US" altLang="ko-KR" dirty="0" smtClean="0"/>
+                        <a:rPr lang="en-US" altLang="ko-KR" dirty="0"/>
                         <a:t>3 : a(</a:t>
                       </a:r>
                       <a:r>
-                        <a:rPr lang="ko-KR" altLang="en-US" dirty="0" smtClean="0"/>
+                        <a:rPr lang="ko-KR" altLang="en-US" dirty="0"/>
                         <a:t>쇼핑몰</a:t>
                       </a:r>
                       <a:r>
-                        <a:rPr lang="en-US" altLang="ko-KR" dirty="0" smtClean="0"/>
+                        <a:rPr lang="en-US" altLang="ko-KR" dirty="0"/>
                         <a:t>)</a:t>
                       </a:r>
                       <a:endParaRPr lang="ko-KR" altLang="en-US" dirty="0"/>
@@ -16434,15 +16232,15 @@
                     <a:p>
                       <a:pPr algn="ctr" latinLnBrk="1"/>
                       <a:r>
-                        <a:rPr lang="en-US" altLang="ko-KR" dirty="0" smtClean="0"/>
+                        <a:rPr lang="en-US" altLang="ko-KR" dirty="0"/>
                         <a:t>.</a:t>
                       </a:r>
                       <a:r>
-                        <a:rPr lang="en-US" altLang="ko-KR" dirty="0" err="1" smtClean="0"/>
+                        <a:rPr lang="en-US" altLang="ko-KR" dirty="0" err="1"/>
                         <a:t>csv</a:t>
                       </a:r>
                       <a:r>
-                        <a:rPr lang="ko-KR" altLang="en-US" baseline="0" dirty="0" smtClean="0"/>
+                        <a:rPr lang="ko-KR" altLang="en-US" baseline="0" dirty="0"/>
                         <a:t>로 받아옴</a:t>
                       </a:r>
                       <a:endParaRPr lang="ko-KR" altLang="en-US" dirty="0"/>
@@ -16457,19 +16255,19 @@
                     <a:p>
                       <a:pPr algn="ctr" latinLnBrk="1"/>
                       <a:r>
-                        <a:rPr lang="en-US" altLang="ko-KR" dirty="0" err="1" smtClean="0"/>
+                        <a:rPr lang="en-US" altLang="ko-KR" dirty="0" err="1"/>
                         <a:t>iCode</a:t>
                       </a:r>
                       <a:r>
-                        <a:rPr lang="en-US" altLang="ko-KR" dirty="0" smtClean="0"/>
+                        <a:rPr lang="en-US" altLang="ko-KR" dirty="0"/>
                         <a:t>=</a:t>
                       </a:r>
                       <a:r>
-                        <a:rPr lang="en-US" altLang="ko-KR" baseline="0" dirty="0" smtClean="0"/>
+                        <a:rPr lang="en-US" altLang="ko-KR" baseline="0" dirty="0"/>
                         <a:t>  +</a:t>
                       </a:r>
                       <a:r>
-                        <a:rPr lang="en-US" altLang="ko-KR" baseline="0" dirty="0" err="1" smtClean="0"/>
+                        <a:rPr lang="en-US" altLang="ko-KR" baseline="0" dirty="0" err="1"/>
                         <a:t>cCode+iDate+iAreaCode</a:t>
                       </a:r>
                       <a:endParaRPr lang="ko-KR" altLang="en-US" dirty="0"/>
@@ -16477,6 +16275,11 @@
                   </a:txBody>
                   <a:tcPr anchor="ctr"/>
                 </a:tc>
+                <a:extLst>
+                  <a:ext uri="{0D108BD9-81ED-4DB2-BD59-A6C34878D82A}">
+                    <a16:rowId xmlns:a16="http://schemas.microsoft.com/office/drawing/2014/main" val="10003"/>
+                  </a:ext>
+                </a:extLst>
               </a:tr>
               <a:tr h="1166558">
                 <a:tc>
@@ -16519,18 +16322,18 @@
                     <a:p>
                       <a:pPr algn="ctr" latinLnBrk="1"/>
                       <a:r>
-                        <a:rPr lang="en-US" altLang="ko-KR" dirty="0" err="1" smtClean="0"/>
+                        <a:rPr lang="en-US" altLang="ko-KR" dirty="0" err="1"/>
                         <a:t>iCustomerCode</a:t>
                       </a:r>
                       <a:r>
-                        <a:rPr lang="en-US" altLang="ko-KR" dirty="0" smtClean="0"/>
+                        <a:rPr lang="en-US" altLang="ko-KR" dirty="0"/>
                         <a:t> =</a:t>
                       </a:r>
                     </a:p>
                     <a:p>
                       <a:pPr algn="ctr" latinLnBrk="1"/>
                       <a:r>
-                        <a:rPr lang="en-US" altLang="ko-KR" dirty="0" err="1" smtClean="0"/>
+                        <a:rPr lang="en-US" altLang="ko-KR" dirty="0" err="1"/>
                         <a:t>ShopCode+Num</a:t>
                       </a:r>
                       <a:endParaRPr lang="ko-KR" altLang="en-US" dirty="0"/>
@@ -16538,6 +16341,11 @@
                   </a:txBody>
                   <a:tcPr anchor="ctr"/>
                 </a:tc>
+                <a:extLst>
+                  <a:ext uri="{0D108BD9-81ED-4DB2-BD59-A6C34878D82A}">
+                    <a16:rowId xmlns:a16="http://schemas.microsoft.com/office/drawing/2014/main" val="10004"/>
+                  </a:ext>
+                </a:extLst>
               </a:tr>
               <a:tr h="805181">
                 <a:tc>
@@ -16584,6 +16392,11 @@
                   </a:txBody>
                   <a:tcPr anchor="ctr"/>
                 </a:tc>
+                <a:extLst>
+                  <a:ext uri="{0D108BD9-81ED-4DB2-BD59-A6C34878D82A}">
+                    <a16:rowId xmlns:a16="http://schemas.microsoft.com/office/drawing/2014/main" val="10005"/>
+                  </a:ext>
+                </a:extLst>
               </a:tr>
             </a:tbl>
           </a:graphicData>
@@ -16658,18 +16471,13 @@
           <a:p>
             <a:pPr algn="ctr"/>
             <a:r>
-              <a:rPr lang="ko-KR" altLang="en-US" dirty="0" smtClean="0">
+              <a:rPr lang="ko-KR" altLang="en-US" dirty="0">
                 <a:solidFill>
                   <a:schemeClr val="tx1"/>
                 </a:solidFill>
               </a:rPr>
               <a:t>쇼핑몰</a:t>
             </a:r>
-            <a:endParaRPr lang="ko-KR" altLang="en-US" dirty="0">
-              <a:solidFill>
-                <a:schemeClr val="tx1"/>
-              </a:solidFill>
-            </a:endParaRPr>
           </a:p>
         </p:txBody>
       </p:sp>
@@ -16712,7 +16520,7 @@
           <a:p>
             <a:pPr algn="ctr"/>
             <a:r>
-              <a:rPr lang="ko-KR" altLang="en-US" dirty="0" err="1" smtClean="0">
+              <a:rPr lang="ko-KR" altLang="en-US" dirty="0" err="1">
                 <a:solidFill>
                   <a:schemeClr val="tx1"/>
                 </a:solidFill>
@@ -16766,18 +16574,13 @@
           <a:p>
             <a:pPr algn="ctr"/>
             <a:r>
-              <a:rPr lang="ko-KR" altLang="en-US" dirty="0" smtClean="0">
+              <a:rPr lang="ko-KR" altLang="en-US" dirty="0">
                 <a:solidFill>
                   <a:schemeClr val="tx1"/>
                 </a:solidFill>
               </a:rPr>
               <a:t>구매처</a:t>
             </a:r>
-            <a:endParaRPr lang="ko-KR" altLang="en-US" dirty="0">
-              <a:solidFill>
-                <a:schemeClr val="tx1"/>
-              </a:solidFill>
-            </a:endParaRPr>
           </a:p>
         </p:txBody>
       </p:sp>
@@ -16804,7 +16607,7 @@
           <a:lstStyle/>
           <a:p>
             <a:r>
-              <a:rPr lang="en-US" altLang="ko-KR" dirty="0" smtClean="0"/>
+              <a:rPr lang="en-US" altLang="ko-KR" dirty="0"/>
               <a:t>Login</a:t>
             </a:r>
             <a:endParaRPr lang="ko-KR" altLang="en-US" dirty="0"/>
@@ -16848,18 +16651,13 @@
           <a:p>
             <a:pPr algn="ctr"/>
             <a:r>
-              <a:rPr lang="ko-KR" altLang="en-US" dirty="0" smtClean="0">
+              <a:rPr lang="ko-KR" altLang="en-US" dirty="0">
                 <a:solidFill>
                   <a:schemeClr val="tx1"/>
                 </a:solidFill>
               </a:rPr>
               <a:t>회원가입</a:t>
             </a:r>
-            <a:endParaRPr lang="ko-KR" altLang="en-US" dirty="0">
-              <a:solidFill>
-                <a:schemeClr val="tx1"/>
-              </a:solidFill>
-            </a:endParaRPr>
           </a:p>
         </p:txBody>
       </p:sp>
@@ -16951,13 +16749,13 @@
             <a:p>
               <a:pPr algn="r"/>
               <a:r>
-                <a:rPr lang="en-US" altLang="ko-KR" dirty="0" smtClean="0"/>
+                <a:rPr lang="en-US" altLang="ko-KR" dirty="0"/>
                 <a:t>ID : </a:t>
               </a:r>
             </a:p>
             <a:p>
               <a:pPr algn="r"/>
-              <a:endParaRPr lang="en-US" altLang="ko-KR" dirty="0" smtClean="0"/>
+              <a:endParaRPr lang="en-US" altLang="ko-KR" dirty="0"/>
             </a:p>
             <a:p>
               <a:pPr algn="r"/>
@@ -16970,7 +16768,7 @@
             <a:p>
               <a:pPr algn="r"/>
               <a:r>
-                <a:rPr lang="en-US" altLang="ko-KR" dirty="0" smtClean="0"/>
+                <a:rPr lang="en-US" altLang="ko-KR" dirty="0"/>
                 <a:t>Password :</a:t>
               </a:r>
               <a:endParaRPr lang="ko-KR" altLang="en-US" dirty="0"/>
@@ -17188,13 +16986,6 @@
   <p:clrMapOvr>
     <a:masterClrMapping/>
   </p:clrMapOvr>
-  <p:timing>
-    <p:tnLst>
-      <p:par>
-        <p:cTn id="1" dur="indefinite" restart="never" nodeType="tmRoot"/>
-      </p:par>
-    </p:tnLst>
-  </p:timing>
 </p:sld>
 </file>
 
@@ -17238,7 +17029,7 @@
           <a:lstStyle/>
           <a:p>
             <a:r>
-              <a:rPr lang="en-US" altLang="ko-KR" dirty="0" smtClean="0"/>
+              <a:rPr lang="en-US" altLang="ko-KR" dirty="0"/>
               <a:t>Register</a:t>
             </a:r>
           </a:p>
@@ -17283,18 +17074,13 @@
           <a:p>
             <a:pPr algn="ctr"/>
             <a:r>
-              <a:rPr lang="ko-KR" altLang="en-US" dirty="0" smtClean="0">
+              <a:rPr lang="ko-KR" altLang="en-US" dirty="0">
                 <a:solidFill>
                   <a:schemeClr val="tx1"/>
                 </a:solidFill>
               </a:rPr>
               <a:t>완료</a:t>
             </a:r>
-            <a:endParaRPr lang="ko-KR" altLang="en-US" dirty="0">
-              <a:solidFill>
-                <a:schemeClr val="tx1"/>
-              </a:solidFill>
-            </a:endParaRPr>
           </a:p>
         </p:txBody>
       </p:sp>
@@ -17379,60 +17165,11 @@
             <a:p>
               <a:pPr algn="r"/>
               <a:r>
-                <a:rPr lang="ko-KR" altLang="en-US" dirty="0" smtClean="0"/>
+                <a:rPr lang="ko-KR" altLang="en-US" dirty="0"/>
                 <a:t>아이디 </a:t>
               </a:r>
               <a:r>
-                <a:rPr lang="en-US" altLang="ko-KR" dirty="0" smtClean="0"/>
-                <a:t>:</a:t>
-              </a:r>
-            </a:p>
-            <a:p>
-              <a:pPr algn="r"/>
-              <a:endParaRPr lang="en-US" altLang="ko-KR" dirty="0" smtClean="0"/>
-            </a:p>
-            <a:p>
-              <a:pPr algn="r"/>
-              <a:r>
-                <a:rPr lang="ko-KR" altLang="en-US" dirty="0" smtClean="0"/>
-                <a:t>이름 </a:t>
-              </a:r>
-              <a:r>
-                <a:rPr lang="en-US" altLang="ko-KR" dirty="0" smtClean="0"/>
-                <a:t>:</a:t>
-              </a:r>
-            </a:p>
-            <a:p>
-              <a:pPr algn="r"/>
-              <a:endParaRPr lang="en-US" altLang="ko-KR" dirty="0" smtClean="0"/>
-            </a:p>
-            <a:p>
-              <a:pPr algn="r"/>
-              <a:r>
-                <a:rPr lang="ko-KR" altLang="en-US" dirty="0" smtClean="0"/>
-                <a:t>비밀번호 </a:t>
-              </a:r>
-              <a:r>
-                <a:rPr lang="en-US" altLang="ko-KR" dirty="0" smtClean="0"/>
-                <a:t>:</a:t>
-              </a:r>
-            </a:p>
-            <a:p>
-              <a:pPr algn="r"/>
-              <a:endParaRPr lang="en-US" altLang="ko-KR" dirty="0" smtClean="0"/>
-            </a:p>
-            <a:p>
-              <a:pPr algn="r"/>
-              <a:endParaRPr lang="en-US" altLang="ko-KR" dirty="0" smtClean="0"/>
-            </a:p>
-            <a:p>
-              <a:pPr algn="r"/>
-              <a:r>
-                <a:rPr lang="ko-KR" altLang="en-US" dirty="0" smtClean="0"/>
-                <a:t>사용자유형 </a:t>
-              </a:r>
-              <a:r>
-                <a:rPr lang="en-US" altLang="ko-KR" dirty="0" smtClean="0"/>
+                <a:rPr lang="en-US" altLang="ko-KR" dirty="0"/>
                 <a:t>:</a:t>
               </a:r>
             </a:p>
@@ -17443,11 +17180,60 @@
             <a:p>
               <a:pPr algn="r"/>
               <a:r>
-                <a:rPr lang="ko-KR" altLang="en-US" dirty="0" smtClean="0"/>
+                <a:rPr lang="ko-KR" altLang="en-US" dirty="0"/>
+                <a:t>이름 </a:t>
+              </a:r>
+              <a:r>
+                <a:rPr lang="en-US" altLang="ko-KR" dirty="0"/>
+                <a:t>:</a:t>
+              </a:r>
+            </a:p>
+            <a:p>
+              <a:pPr algn="r"/>
+              <a:endParaRPr lang="en-US" altLang="ko-KR" dirty="0"/>
+            </a:p>
+            <a:p>
+              <a:pPr algn="r"/>
+              <a:r>
+                <a:rPr lang="ko-KR" altLang="en-US" dirty="0"/>
+                <a:t>비밀번호 </a:t>
+              </a:r>
+              <a:r>
+                <a:rPr lang="en-US" altLang="ko-KR" dirty="0"/>
+                <a:t>:</a:t>
+              </a:r>
+            </a:p>
+            <a:p>
+              <a:pPr algn="r"/>
+              <a:endParaRPr lang="en-US" altLang="ko-KR" dirty="0"/>
+            </a:p>
+            <a:p>
+              <a:pPr algn="r"/>
+              <a:endParaRPr lang="en-US" altLang="ko-KR" dirty="0"/>
+            </a:p>
+            <a:p>
+              <a:pPr algn="r"/>
+              <a:r>
+                <a:rPr lang="ko-KR" altLang="en-US" dirty="0"/>
+                <a:t>사용자유형 </a:t>
+              </a:r>
+              <a:r>
+                <a:rPr lang="en-US" altLang="ko-KR" dirty="0"/>
+                <a:t>:</a:t>
+              </a:r>
+            </a:p>
+            <a:p>
+              <a:pPr algn="r"/>
+              <a:endParaRPr lang="en-US" altLang="ko-KR" dirty="0"/>
+            </a:p>
+            <a:p>
+              <a:pPr algn="r"/>
+              <a:r>
+                <a:rPr lang="ko-KR" altLang="en-US" dirty="0"/>
                 <a:t>지역 </a:t>
               </a:r>
               <a:r>
-                <a:rPr lang="en-US" altLang="ko-KR" dirty="0" smtClean="0"/>
+                <a:rPr lang="en-US" altLang="ko-KR" dirty="0"/>
                 <a:t>:</a:t>
               </a:r>
               <a:endParaRPr lang="ko-KR" altLang="en-US" dirty="0"/>
@@ -17731,18 +17517,17 @@
               <a:lstStyle/>
               <a:p>
                 <a:r>
-                  <a:rPr lang="ko-KR" altLang="en-US" sz="1600" dirty="0" smtClean="0"/>
+                  <a:rPr lang="ko-KR" altLang="en-US" sz="1600" dirty="0"/>
                   <a:t> 쇼핑몰운영자     </a:t>
                 </a:r>
                 <a:r>
-                  <a:rPr lang="en-US" altLang="ko-KR" sz="1600" dirty="0" smtClean="0"/>
+                  <a:rPr lang="en-US" altLang="ko-KR" sz="1600" dirty="0"/>
                   <a:t> </a:t>
                 </a:r>
                 <a:r>
-                  <a:rPr lang="ko-KR" altLang="en-US" sz="1600" dirty="0" smtClean="0"/>
+                  <a:rPr lang="ko-KR" altLang="en-US" sz="1600" dirty="0"/>
                   <a:t>운송업체      구입처운영자</a:t>
                 </a:r>
-                <a:endParaRPr lang="ko-KR" altLang="en-US" sz="1600" dirty="0"/>
               </a:p>
             </p:txBody>
           </p:sp>
@@ -17944,19 +17729,19 @@
               <a:lstStyle/>
               <a:p>
                 <a:r>
-                  <a:rPr lang="ko-KR" altLang="en-US" dirty="0" smtClean="0">
+                  <a:rPr lang="ko-KR" altLang="en-US" dirty="0">
                     <a:latin typeface="+mn-ea"/>
                   </a:rPr>
                   <a:t>경기</a:t>
                 </a:r>
                 <a:r>
-                  <a:rPr lang="en-US" altLang="ko-KR" dirty="0" smtClean="0">
+                  <a:rPr lang="en-US" altLang="ko-KR" dirty="0">
                     <a:latin typeface="+mn-ea"/>
                   </a:rPr>
                   <a:t>       </a:t>
                 </a:r>
                 <a:r>
-                  <a:rPr lang="ko-KR" altLang="en-US" dirty="0" smtClean="0">
+                  <a:rPr lang="ko-KR" altLang="en-US" dirty="0">
                     <a:latin typeface="+mn-ea"/>
                   </a:rPr>
                   <a:t>중부</a:t>
@@ -17965,16 +17750,10 @@
                   <a:rPr lang="en-US" altLang="ko-KR" dirty="0">
                     <a:latin typeface="+mn-ea"/>
                   </a:rPr>
-                  <a:t> </a:t>
+                  <a:t>       </a:t>
                 </a:r>
                 <a:r>
-                  <a:rPr lang="en-US" altLang="ko-KR" dirty="0" smtClean="0">
-                    <a:latin typeface="+mn-ea"/>
-                  </a:rPr>
-                  <a:t>      </a:t>
-                </a:r>
-                <a:r>
-                  <a:rPr lang="ko-KR" altLang="en-US" dirty="0" smtClean="0">
+                  <a:rPr lang="ko-KR" altLang="en-US" dirty="0">
                     <a:latin typeface="+mn-ea"/>
                   </a:rPr>
                   <a:t>영남</a:t>
@@ -17983,16 +17762,10 @@
                   <a:rPr lang="en-US" altLang="ko-KR" dirty="0">
                     <a:latin typeface="+mn-ea"/>
                   </a:rPr>
-                  <a:t> </a:t>
+                  <a:t>      </a:t>
                 </a:r>
                 <a:r>
-                  <a:rPr lang="en-US" altLang="ko-KR" dirty="0" smtClean="0">
-                    <a:latin typeface="+mn-ea"/>
-                  </a:rPr>
-                  <a:t>     </a:t>
-                </a:r>
-                <a:r>
-                  <a:rPr lang="ko-KR" altLang="en-US" dirty="0" smtClean="0">
+                  <a:rPr lang="ko-KR" altLang="en-US" dirty="0">
                     <a:latin typeface="+mn-ea"/>
                   </a:rPr>
                   <a:t>서부</a:t>
@@ -18042,7 +17815,7 @@
           <a:p>
             <a:pPr algn="ctr"/>
             <a:r>
-              <a:rPr lang="ko-KR" altLang="en-US" dirty="0" err="1" smtClean="0">
+              <a:rPr lang="ko-KR" altLang="en-US" dirty="0" err="1">
                 <a:solidFill>
                   <a:schemeClr val="tx1"/>
                 </a:solidFill>
@@ -18067,13 +17840,6 @@
   <p:clrMapOvr>
     <a:masterClrMapping/>
   </p:clrMapOvr>
-  <p:timing>
-    <p:tnLst>
-      <p:par>
-        <p:cTn id="1" dur="indefinite" restart="never" nodeType="tmRoot"/>
-      </p:par>
-    </p:tnLst>
-  </p:timing>
 </p:sld>
 </file>
 
@@ -18117,11 +17883,11 @@
           <a:lstStyle/>
           <a:p>
             <a:r>
-              <a:rPr lang="en-US" altLang="ko-KR" dirty="0" err="1" smtClean="0"/>
+              <a:rPr lang="en-US" altLang="ko-KR" dirty="0" err="1"/>
               <a:t>ShopI</a:t>
             </a:r>
             <a:r>
-              <a:rPr lang="en-US" altLang="ko-KR" dirty="0" err="1" smtClean="0">
+              <a:rPr lang="en-US" altLang="ko-KR" dirty="0" err="1">
                 <a:effectLst/>
               </a:rPr>
               <a:t>nvoice</a:t>
@@ -18167,18 +17933,13 @@
           <a:p>
             <a:pPr algn="ctr"/>
             <a:r>
-              <a:rPr lang="ko-KR" altLang="en-US" dirty="0" smtClean="0">
+              <a:rPr lang="ko-KR" altLang="en-US" dirty="0">
                 <a:solidFill>
                   <a:schemeClr val="tx1"/>
                 </a:solidFill>
               </a:rPr>
               <a:t>검색</a:t>
             </a:r>
-            <a:endParaRPr lang="ko-KR" altLang="en-US" dirty="0">
-              <a:solidFill>
-                <a:schemeClr val="tx1"/>
-              </a:solidFill>
-            </a:endParaRPr>
           </a:p>
         </p:txBody>
       </p:sp>
@@ -18221,18 +17982,13 @@
           <a:p>
             <a:pPr algn="ctr"/>
             <a:r>
-              <a:rPr lang="ko-KR" altLang="en-US" dirty="0" smtClean="0">
+              <a:rPr lang="ko-KR" altLang="en-US" dirty="0">
                 <a:solidFill>
                   <a:schemeClr val="tx1"/>
                 </a:solidFill>
               </a:rPr>
               <a:t>로그아웃</a:t>
             </a:r>
-            <a:endParaRPr lang="ko-KR" altLang="en-US" dirty="0">
-              <a:solidFill>
-                <a:schemeClr val="tx1"/>
-              </a:solidFill>
-            </a:endParaRPr>
           </a:p>
         </p:txBody>
       </p:sp>
@@ -18323,7 +18079,7 @@
             <a:lstStyle/>
             <a:p>
               <a:r>
-                <a:rPr lang="en-US" altLang="ko-KR" dirty="0" smtClean="0"/>
+                <a:rPr lang="en-US" altLang="ko-KR" dirty="0"/>
                 <a:t>- 1 -</a:t>
               </a:r>
               <a:endParaRPr lang="ko-KR" altLang="en-US" dirty="0"/>
@@ -18367,34 +18123,29 @@
               <a:lstStyle/>
               <a:p>
                 <a:r>
-                  <a:rPr lang="en-US" altLang="ko-KR" dirty="0" smtClean="0"/>
+                  <a:rPr lang="en-US" altLang="ko-KR" dirty="0"/>
                   <a:t>  </a:t>
                 </a:r>
                 <a:r>
-                  <a:rPr lang="ko-KR" altLang="en-US" dirty="0" smtClean="0"/>
+                  <a:rPr lang="ko-KR" altLang="en-US" dirty="0"/>
                   <a:t>송장번호</a:t>
                 </a:r>
                 <a:r>
                   <a:rPr lang="en-US" altLang="ko-KR" dirty="0"/>
-                  <a:t>	</a:t>
+                  <a:t>		</a:t>
                 </a:r>
                 <a:r>
-                  <a:rPr lang="en-US" altLang="ko-KR" dirty="0" smtClean="0"/>
-                  <a:t>	</a:t>
-                </a:r>
-                <a:r>
-                  <a:rPr lang="ko-KR" altLang="en-US" dirty="0" smtClean="0"/>
+                  <a:rPr lang="ko-KR" altLang="en-US" dirty="0"/>
                   <a:t>날짜</a:t>
                 </a:r>
                 <a:r>
-                  <a:rPr lang="en-US" altLang="ko-KR" dirty="0" smtClean="0"/>
+                  <a:rPr lang="en-US" altLang="ko-KR" dirty="0"/>
                   <a:t>			</a:t>
                 </a:r>
                 <a:r>
-                  <a:rPr lang="ko-KR" altLang="en-US" dirty="0" smtClean="0"/>
+                  <a:rPr lang="ko-KR" altLang="en-US" dirty="0"/>
                   <a:t>합계</a:t>
                 </a:r>
-                <a:endParaRPr lang="ko-KR" altLang="en-US" dirty="0"/>
               </a:p>
             </p:txBody>
           </p:sp>
@@ -18424,17 +18175,17 @@
                   <a:buAutoNum type="arabicPeriod"/>
                 </a:pPr>
                 <a:r>
-                  <a:rPr lang="en-US" altLang="ko-KR" dirty="0" smtClean="0"/>
+                  <a:rPr lang="en-US" altLang="ko-KR" dirty="0"/>
                   <a:t>    </a:t>
                 </a:r>
                 <a:r>
-                  <a:rPr lang="en-US" altLang="ko-KR" dirty="0" smtClean="0">
+                  <a:rPr lang="en-US" altLang="ko-KR" dirty="0">
                     <a:hlinkClick r:id="rId3" action="ppaction://hlinksldjump"/>
                   </a:rPr>
                   <a:t>a1001</a:t>
                 </a:r>
                 <a:r>
-                  <a:rPr lang="en-US" altLang="ko-KR" dirty="0" smtClean="0"/>
+                  <a:rPr lang="en-US" altLang="ko-KR" dirty="0"/>
                   <a:t>		2019-04-15		  21,500</a:t>
                 </a:r>
               </a:p>
@@ -18443,17 +18194,17 @@
                   <a:buAutoNum type="arabicPeriod"/>
                 </a:pPr>
                 <a:r>
-                  <a:rPr lang="en-US" altLang="ko-KR" dirty="0" smtClean="0"/>
+                  <a:rPr lang="en-US" altLang="ko-KR" dirty="0"/>
                   <a:t>    </a:t>
                 </a:r>
                 <a:r>
-                  <a:rPr lang="en-US" altLang="ko-KR" dirty="0" smtClean="0">
+                  <a:rPr lang="en-US" altLang="ko-KR" dirty="0">
                     <a:hlinkClick r:id="rId3" action="ppaction://hlinksldjump"/>
                   </a:rPr>
                   <a:t>a1002</a:t>
                 </a:r>
                 <a:r>
-                  <a:rPr lang="en-US" altLang="ko-KR" dirty="0" smtClean="0"/>
+                  <a:rPr lang="en-US" altLang="ko-KR" dirty="0"/>
                   <a:t>		2019-05-01		  34,500</a:t>
                 </a:r>
                 <a:endParaRPr lang="ko-KR" altLang="en-US" dirty="0"/>
@@ -18494,13 +18245,6 @@
   <p:clrMapOvr>
     <a:masterClrMapping/>
   </p:clrMapOvr>
-  <p:timing>
-    <p:tnLst>
-      <p:par>
-        <p:cTn id="1" dur="indefinite" restart="never" nodeType="tmRoot"/>
-      </p:par>
-    </p:tnLst>
-  </p:timing>
 </p:sld>
 </file>
 
@@ -18594,11 +18338,11 @@
           <a:lstStyle/>
           <a:p>
             <a:r>
-              <a:rPr lang="en-US" altLang="ko-KR" dirty="0" err="1" smtClean="0"/>
+              <a:rPr lang="en-US" altLang="ko-KR" dirty="0" err="1"/>
               <a:t>ShopI</a:t>
             </a:r>
             <a:r>
-              <a:rPr lang="en-US" altLang="ko-KR" dirty="0" err="1" smtClean="0">
+              <a:rPr lang="en-US" altLang="ko-KR" dirty="0" err="1">
                 <a:effectLst/>
               </a:rPr>
               <a:t>nvoice</a:t>
@@ -18630,34 +18374,29 @@
           <a:lstStyle/>
           <a:p>
             <a:r>
-              <a:rPr lang="en-US" altLang="ko-KR" dirty="0" smtClean="0"/>
+              <a:rPr lang="en-US" altLang="ko-KR" dirty="0"/>
               <a:t>  </a:t>
             </a:r>
             <a:r>
-              <a:rPr lang="ko-KR" altLang="en-US" dirty="0" smtClean="0"/>
+              <a:rPr lang="ko-KR" altLang="en-US" dirty="0"/>
               <a:t>송장번호</a:t>
             </a:r>
             <a:r>
               <a:rPr lang="en-US" altLang="ko-KR" dirty="0"/>
-              <a:t>	</a:t>
-            </a:r>
-            <a:r>
-              <a:rPr lang="en-US" altLang="ko-KR" dirty="0" smtClean="0"/>
-              <a:t>	</a:t>
-            </a:r>
-            <a:r>
-              <a:rPr lang="ko-KR" altLang="en-US" dirty="0" smtClean="0"/>
+              <a:t>		</a:t>
+            </a:r>
+            <a:r>
+              <a:rPr lang="ko-KR" altLang="en-US" dirty="0"/>
               <a:t>날짜</a:t>
             </a:r>
             <a:r>
-              <a:rPr lang="en-US" altLang="ko-KR" dirty="0" smtClean="0"/>
+              <a:rPr lang="en-US" altLang="ko-KR" dirty="0"/>
               <a:t>			</a:t>
             </a:r>
             <a:r>
-              <a:rPr lang="ko-KR" altLang="en-US" dirty="0" smtClean="0"/>
+              <a:rPr lang="ko-KR" altLang="en-US" dirty="0"/>
               <a:t>합계</a:t>
             </a:r>
-            <a:endParaRPr lang="ko-KR" altLang="en-US" dirty="0"/>
           </a:p>
         </p:txBody>
       </p:sp>
@@ -18698,18 +18437,13 @@
           <a:p>
             <a:pPr algn="ctr"/>
             <a:r>
-              <a:rPr lang="ko-KR" altLang="en-US" dirty="0" smtClean="0">
+              <a:rPr lang="ko-KR" altLang="en-US" dirty="0">
                 <a:solidFill>
                   <a:schemeClr val="tx1"/>
                 </a:solidFill>
               </a:rPr>
               <a:t>검색</a:t>
             </a:r>
-            <a:endParaRPr lang="ko-KR" altLang="en-US" dirty="0">
-              <a:solidFill>
-                <a:schemeClr val="tx1"/>
-              </a:solidFill>
-            </a:endParaRPr>
           </a:p>
         </p:txBody>
       </p:sp>
@@ -18752,18 +18486,13 @@
           <a:p>
             <a:pPr algn="ctr"/>
             <a:r>
-              <a:rPr lang="ko-KR" altLang="en-US" dirty="0" smtClean="0">
+              <a:rPr lang="ko-KR" altLang="en-US" dirty="0">
                 <a:solidFill>
                   <a:schemeClr val="tx1"/>
                 </a:solidFill>
               </a:rPr>
               <a:t>로그아웃</a:t>
             </a:r>
-            <a:endParaRPr lang="ko-KR" altLang="en-US" dirty="0">
-              <a:solidFill>
-                <a:schemeClr val="tx1"/>
-              </a:solidFill>
-            </a:endParaRPr>
           </a:p>
         </p:txBody>
       </p:sp>
@@ -18790,7 +18519,7 @@
           <a:lstStyle/>
           <a:p>
             <a:r>
-              <a:rPr lang="en-US" altLang="ko-KR" dirty="0" smtClean="0"/>
+              <a:rPr lang="en-US" altLang="ko-KR" dirty="0"/>
               <a:t>- 1 -</a:t>
             </a:r>
             <a:endParaRPr lang="ko-KR" altLang="en-US" dirty="0"/>
@@ -18823,17 +18552,17 @@
               <a:buAutoNum type="arabicPeriod"/>
             </a:pPr>
             <a:r>
-              <a:rPr lang="en-US" altLang="ko-KR" dirty="0" smtClean="0"/>
+              <a:rPr lang="en-US" altLang="ko-KR" dirty="0"/>
               <a:t>    </a:t>
             </a:r>
             <a:r>
-              <a:rPr lang="en-US" altLang="ko-KR" dirty="0" smtClean="0">
+              <a:rPr lang="en-US" altLang="ko-KR" dirty="0">
                 <a:hlinkClick r:id="rId3" action="ppaction://hlinksldjump"/>
               </a:rPr>
               <a:t>a1001</a:t>
             </a:r>
             <a:r>
-              <a:rPr lang="en-US" altLang="ko-KR" dirty="0" smtClean="0"/>
+              <a:rPr lang="en-US" altLang="ko-KR" dirty="0"/>
               <a:t>		2019-04-15		  21,500</a:t>
             </a:r>
           </a:p>
@@ -18842,17 +18571,17 @@
               <a:buAutoNum type="arabicPeriod"/>
             </a:pPr>
             <a:r>
-              <a:rPr lang="en-US" altLang="ko-KR" dirty="0" smtClean="0"/>
+              <a:rPr lang="en-US" altLang="ko-KR" dirty="0"/>
               <a:t>    </a:t>
             </a:r>
             <a:r>
-              <a:rPr lang="en-US" altLang="ko-KR" dirty="0" smtClean="0">
+              <a:rPr lang="en-US" altLang="ko-KR" dirty="0">
                 <a:hlinkClick r:id="rId3" action="ppaction://hlinksldjump"/>
               </a:rPr>
               <a:t>a1002</a:t>
             </a:r>
             <a:r>
-              <a:rPr lang="en-US" altLang="ko-KR" dirty="0" smtClean="0"/>
+              <a:rPr lang="en-US" altLang="ko-KR" dirty="0"/>
               <a:t>		2019-05-01		  34,500</a:t>
             </a:r>
             <a:endParaRPr lang="ko-KR" altLang="en-US" dirty="0"/>
@@ -18882,12 +18611,8 @@
           <a:lstStyle/>
           <a:p>
             <a:r>
-              <a:rPr lang="ko-KR" altLang="en-US" dirty="0" smtClean="0"/>
-              <a:t>송장 리스</a:t>
-            </a:r>
-            <a:r>
               <a:rPr lang="ko-KR" altLang="en-US" dirty="0"/>
-              <a:t>트</a:t>
+              <a:t>송장 리스트</a:t>
             </a:r>
           </a:p>
         </p:txBody>
@@ -18902,13 +18627,6 @@
   <p:clrMapOvr>
     <a:masterClrMapping/>
   </p:clrMapOvr>
-  <p:timing>
-    <p:tnLst>
-      <p:par>
-        <p:cTn id="1" dur="indefinite" restart="never" nodeType="tmRoot"/>
-      </p:par>
-    </p:tnLst>
-  </p:timing>
 </p:sld>
 </file>
 
@@ -18964,18 +18682,13 @@
           <a:p>
             <a:pPr algn="ctr"/>
             <a:r>
-              <a:rPr lang="ko-KR" altLang="en-US" dirty="0" smtClean="0">
+              <a:rPr lang="ko-KR" altLang="en-US" dirty="0">
                 <a:solidFill>
                   <a:schemeClr val="tx1"/>
                 </a:solidFill>
               </a:rPr>
               <a:t> </a:t>
             </a:r>
-            <a:endParaRPr lang="ko-KR" altLang="en-US" dirty="0">
-              <a:solidFill>
-                <a:schemeClr val="tx1"/>
-              </a:solidFill>
-            </a:endParaRPr>
           </a:p>
         </p:txBody>
       </p:sp>
@@ -19018,18 +18731,13 @@
           <a:p>
             <a:pPr algn="ctr"/>
             <a:r>
-              <a:rPr lang="ko-KR" altLang="en-US" dirty="0" smtClean="0">
+              <a:rPr lang="ko-KR" altLang="en-US" dirty="0">
                 <a:solidFill>
                   <a:schemeClr val="tx1"/>
                 </a:solidFill>
               </a:rPr>
               <a:t>로그아웃</a:t>
             </a:r>
-            <a:endParaRPr lang="ko-KR" altLang="en-US" dirty="0">
-              <a:solidFill>
-                <a:schemeClr val="tx1"/>
-              </a:solidFill>
-            </a:endParaRPr>
           </a:p>
         </p:txBody>
       </p:sp>
@@ -19075,14 +18783,14 @@
           <a:lstStyle/>
           <a:p>
             <a:r>
-              <a:rPr lang="en-US" altLang="ko-KR" dirty="0" err="1" smtClean="0">
+              <a:rPr lang="en-US" altLang="ko-KR" dirty="0" err="1">
                 <a:solidFill>
                   <a:schemeClr val="tx1"/>
                 </a:solidFill>
               </a:rPr>
               <a:t>ShopMain</a:t>
             </a:r>
-            <a:endParaRPr lang="en-US" altLang="ko-KR" dirty="0" smtClean="0">
+            <a:endParaRPr lang="en-US" altLang="ko-KR" dirty="0">
               <a:solidFill>
                 <a:schemeClr val="tx1"/>
               </a:solidFill>
@@ -19127,18 +18835,13 @@
           <a:p>
             <a:pPr algn="ctr"/>
             <a:r>
-              <a:rPr lang="ko-KR" altLang="en-US" dirty="0" smtClean="0">
+              <a:rPr lang="ko-KR" altLang="en-US" dirty="0">
                 <a:solidFill>
                   <a:schemeClr val="tx1"/>
                 </a:solidFill>
               </a:rPr>
               <a:t>송장 보내기</a:t>
             </a:r>
-            <a:endParaRPr lang="ko-KR" altLang="en-US" dirty="0">
-              <a:solidFill>
-                <a:schemeClr val="tx1"/>
-              </a:solidFill>
-            </a:endParaRPr>
           </a:p>
         </p:txBody>
       </p:sp>
@@ -19221,30 +18924,26 @@
                   <a:lstStyle/>
                   <a:p>
                     <a:r>
-                      <a:rPr lang="ko-KR" altLang="en-US" dirty="0" smtClean="0"/>
+                      <a:rPr lang="ko-KR" altLang="en-US" dirty="0"/>
                       <a:t>          상품명                           개수  </a:t>
                     </a:r>
                     <a:r>
-                      <a:rPr lang="en-US" altLang="ko-KR" dirty="0" smtClean="0"/>
+                      <a:rPr lang="en-US" altLang="ko-KR" dirty="0"/>
                       <a:t>	</a:t>
                     </a:r>
                     <a:r>
-                      <a:rPr lang="ko-KR" altLang="en-US" dirty="0" smtClean="0"/>
+                      <a:rPr lang="ko-KR" altLang="en-US" dirty="0"/>
                       <a:t>              단가    </a:t>
                     </a:r>
                     <a:r>
                       <a:rPr lang="en-US" altLang="ko-KR" dirty="0"/>
-                      <a:t> </a:t>
+                      <a:t>        </a:t>
                     </a:r>
                     <a:r>
-                      <a:rPr lang="en-US" altLang="ko-KR" dirty="0" smtClean="0"/>
-                      <a:t>       </a:t>
-                    </a:r>
-                    <a:r>
-                      <a:rPr lang="ko-KR" altLang="en-US" dirty="0" smtClean="0"/>
+                      <a:rPr lang="ko-KR" altLang="en-US" dirty="0"/>
                       <a:t>    합계</a:t>
                     </a:r>
-                    <a:endParaRPr lang="en-US" altLang="ko-KR" dirty="0" smtClean="0"/>
+                    <a:endParaRPr lang="en-US" altLang="ko-KR" dirty="0"/>
                   </a:p>
                 </p:txBody>
               </p:sp>
@@ -19274,11 +18973,11 @@
                       <a:buAutoNum type="arabicPeriod"/>
                     </a:pPr>
                     <a:r>
-                      <a:rPr lang="ko-KR" altLang="en-US" dirty="0" smtClean="0"/>
+                      <a:rPr lang="ko-KR" altLang="en-US" dirty="0"/>
                       <a:t>삼겹살 </a:t>
                     </a:r>
                     <a:r>
-                      <a:rPr lang="en-US" altLang="ko-KR" dirty="0" smtClean="0"/>
+                      <a:rPr lang="en-US" altLang="ko-KR" dirty="0"/>
                       <a:t>1kg</a:t>
                     </a:r>
                   </a:p>
@@ -19287,11 +18986,11 @@
                       <a:buAutoNum type="arabicPeriod"/>
                     </a:pPr>
                     <a:r>
-                      <a:rPr lang="ko-KR" altLang="en-US" dirty="0" smtClean="0"/>
+                      <a:rPr lang="ko-KR" altLang="en-US" dirty="0"/>
                       <a:t>목살   </a:t>
                     </a:r>
                     <a:r>
-                      <a:rPr lang="en-US" altLang="ko-KR" dirty="0" smtClean="0"/>
+                      <a:rPr lang="en-US" altLang="ko-KR" dirty="0"/>
                       <a:t>1kg</a:t>
                     </a:r>
                   </a:p>
@@ -19300,29 +18999,29 @@
                       <a:buAutoNum type="arabicPeriod"/>
                     </a:pPr>
                     <a:r>
-                      <a:rPr lang="ko-KR" altLang="en-US" dirty="0" smtClean="0"/>
+                      <a:rPr lang="ko-KR" altLang="en-US" dirty="0"/>
                       <a:t>대파   </a:t>
                     </a:r>
                     <a:r>
-                      <a:rPr lang="en-US" altLang="ko-KR" dirty="0" smtClean="0"/>
+                      <a:rPr lang="en-US" altLang="ko-KR" dirty="0"/>
                       <a:t>1</a:t>
                     </a:r>
                     <a:r>
-                      <a:rPr lang="ko-KR" altLang="en-US" dirty="0" smtClean="0"/>
+                      <a:rPr lang="ko-KR" altLang="en-US" dirty="0"/>
                       <a:t>단</a:t>
                     </a:r>
-                    <a:endParaRPr lang="en-US" altLang="ko-KR" dirty="0" smtClean="0"/>
+                    <a:endParaRPr lang="en-US" altLang="ko-KR" dirty="0"/>
                   </a:p>
                   <a:p>
                     <a:pPr marL="342900" indent="-342900">
                       <a:buAutoNum type="arabicPeriod"/>
                     </a:pPr>
                     <a:r>
-                      <a:rPr lang="ko-KR" altLang="en-US" dirty="0" smtClean="0"/>
+                      <a:rPr lang="ko-KR" altLang="en-US" dirty="0"/>
                       <a:t>쌈장   </a:t>
                     </a:r>
                     <a:r>
-                      <a:rPr lang="en-US" altLang="ko-KR" dirty="0" smtClean="0"/>
+                      <a:rPr lang="en-US" altLang="ko-KR" dirty="0"/>
                       <a:t>150g</a:t>
                     </a:r>
                   </a:p>
@@ -19331,47 +19030,47 @@
                       <a:buAutoNum type="arabicPeriod"/>
                     </a:pPr>
                     <a:r>
-                      <a:rPr lang="ko-KR" altLang="en-US" dirty="0" smtClean="0"/>
+                      <a:rPr lang="ko-KR" altLang="en-US" dirty="0"/>
                       <a:t>젓가락 </a:t>
                     </a:r>
                     <a:r>
-                      <a:rPr lang="en-US" altLang="ko-KR" dirty="0" smtClean="0"/>
+                      <a:rPr lang="en-US" altLang="ko-KR" dirty="0"/>
                       <a:t>50</a:t>
                     </a:r>
                     <a:r>
-                      <a:rPr lang="ko-KR" altLang="en-US" dirty="0" smtClean="0"/>
+                      <a:rPr lang="ko-KR" altLang="en-US" dirty="0"/>
                       <a:t>개</a:t>
                     </a:r>
-                    <a:endParaRPr lang="en-US" altLang="ko-KR" dirty="0" smtClean="0"/>
+                    <a:endParaRPr lang="en-US" altLang="ko-KR" dirty="0"/>
                   </a:p>
                   <a:p>
                     <a:pPr marL="342900" indent="-342900">
                       <a:buAutoNum type="arabicPeriod"/>
                     </a:pPr>
                     <a:r>
-                      <a:rPr lang="ko-KR" altLang="en-US" dirty="0" smtClean="0"/>
+                      <a:rPr lang="ko-KR" altLang="en-US" dirty="0"/>
                       <a:t>일회용용기 </a:t>
                     </a:r>
                     <a:r>
-                      <a:rPr lang="en-US" altLang="ko-KR" dirty="0" smtClean="0"/>
+                      <a:rPr lang="en-US" altLang="ko-KR" dirty="0"/>
                       <a:t>50</a:t>
                     </a:r>
                     <a:r>
-                      <a:rPr lang="ko-KR" altLang="en-US" dirty="0" smtClean="0"/>
+                      <a:rPr lang="ko-KR" altLang="en-US" dirty="0"/>
                       <a:t>개</a:t>
                     </a:r>
-                    <a:endParaRPr lang="en-US" altLang="ko-KR" dirty="0" smtClean="0"/>
+                    <a:endParaRPr lang="en-US" altLang="ko-KR" dirty="0"/>
                   </a:p>
                   <a:p>
                     <a:pPr marL="342900" indent="-342900">
                       <a:buAutoNum type="arabicPeriod"/>
                     </a:pPr>
                     <a:r>
-                      <a:rPr lang="ko-KR" altLang="en-US" dirty="0" smtClean="0"/>
+                      <a:rPr lang="ko-KR" altLang="en-US" dirty="0"/>
                       <a:t>콜라   </a:t>
                     </a:r>
                     <a:r>
-                      <a:rPr lang="en-US" altLang="ko-KR" dirty="0" smtClean="0"/>
+                      <a:rPr lang="en-US" altLang="ko-KR" dirty="0"/>
                       <a:t>1.5L</a:t>
                     </a:r>
                   </a:p>
@@ -19406,37 +19105,13 @@
                   <a:lstStyle/>
                   <a:p>
                     <a:r>
-                      <a:rPr lang="en-US" altLang="ko-KR" dirty="0" smtClean="0"/>
+                      <a:rPr lang="en-US" altLang="ko-KR" dirty="0"/>
                       <a:t>2</a:t>
                     </a:r>
                   </a:p>
                   <a:p>
                     <a:r>
-                      <a:rPr lang="en-US" altLang="ko-KR" dirty="0" smtClean="0"/>
-                      <a:t>1</a:t>
-                    </a:r>
-                  </a:p>
-                  <a:p>
-                    <a:r>
-                      <a:rPr lang="en-US" altLang="ko-KR" dirty="0" smtClean="0"/>
-                      <a:t>1</a:t>
-                    </a:r>
-                  </a:p>
-                  <a:p>
-                    <a:r>
-                      <a:rPr lang="en-US" altLang="ko-KR" dirty="0" smtClean="0"/>
-                      <a:t>2</a:t>
-                    </a:r>
-                  </a:p>
-                  <a:p>
-                    <a:r>
-                      <a:rPr lang="en-US" altLang="ko-KR" dirty="0" smtClean="0"/>
-                      <a:t>1</a:t>
-                    </a:r>
-                  </a:p>
-                  <a:p>
-                    <a:r>
-                      <a:rPr lang="en-US" altLang="ko-KR" dirty="0" smtClean="0"/>
+                      <a:rPr lang="en-US" altLang="ko-KR" dirty="0"/>
                       <a:t>1</a:t>
                     </a:r>
                   </a:p>
@@ -19445,7 +19120,30 @@
                       <a:rPr lang="en-US" altLang="ko-KR" dirty="0"/>
                       <a:t>1</a:t>
                     </a:r>
-                    <a:endParaRPr lang="en-US" altLang="ko-KR" dirty="0" smtClean="0"/>
+                  </a:p>
+                  <a:p>
+                    <a:r>
+                      <a:rPr lang="en-US" altLang="ko-KR" dirty="0"/>
+                      <a:t>2</a:t>
+                    </a:r>
+                  </a:p>
+                  <a:p>
+                    <a:r>
+                      <a:rPr lang="en-US" altLang="ko-KR" dirty="0"/>
+                      <a:t>1</a:t>
+                    </a:r>
+                  </a:p>
+                  <a:p>
+                    <a:r>
+                      <a:rPr lang="en-US" altLang="ko-KR" dirty="0"/>
+                      <a:t>1</a:t>
+                    </a:r>
+                  </a:p>
+                  <a:p>
+                    <a:r>
+                      <a:rPr lang="en-US" altLang="ko-KR" dirty="0"/>
+                      <a:t>1</a:t>
+                    </a:r>
                   </a:p>
                 </p:txBody>
               </p:sp>
@@ -19473,28 +19171,28 @@
                   <a:p>
                     <a:pPr algn="r"/>
                     <a:r>
-                      <a:rPr lang="en-US" altLang="ko-KR" dirty="0" smtClean="0"/>
+                      <a:rPr lang="en-US" altLang="ko-KR" dirty="0"/>
                       <a:t>5000</a:t>
                     </a:r>
                   </a:p>
                   <a:p>
                     <a:pPr algn="r"/>
                     <a:r>
-                      <a:rPr lang="en-US" altLang="ko-KR" dirty="0" smtClean="0"/>
+                      <a:rPr lang="en-US" altLang="ko-KR" dirty="0"/>
                       <a:t>7000</a:t>
                     </a:r>
                   </a:p>
                   <a:p>
                     <a:pPr algn="r"/>
                     <a:r>
-                      <a:rPr lang="en-US" altLang="ko-KR" dirty="0" smtClean="0"/>
+                      <a:rPr lang="en-US" altLang="ko-KR" dirty="0"/>
                       <a:t>3000</a:t>
                     </a:r>
                   </a:p>
                   <a:p>
                     <a:pPr algn="r"/>
                     <a:r>
-                      <a:rPr lang="en-US" altLang="ko-KR" dirty="0" smtClean="0"/>
+                      <a:rPr lang="en-US" altLang="ko-KR" dirty="0"/>
                       <a:t>4000</a:t>
                     </a:r>
                   </a:p>
@@ -19502,24 +19200,20 @@
                     <a:pPr algn="r"/>
                     <a:r>
                       <a:rPr lang="en-US" altLang="ko-KR" dirty="0"/>
-                      <a:t>1</a:t>
-                    </a:r>
-                    <a:r>
-                      <a:rPr lang="en-US" altLang="ko-KR" dirty="0" smtClean="0"/>
-                      <a:t>500</a:t>
+                      <a:t>1500</a:t>
                     </a:r>
                   </a:p>
                   <a:p>
                     <a:pPr algn="r"/>
                     <a:r>
-                      <a:rPr lang="en-US" altLang="ko-KR" dirty="0" smtClean="0"/>
+                      <a:rPr lang="en-US" altLang="ko-KR" dirty="0"/>
                       <a:t>2500</a:t>
                     </a:r>
                   </a:p>
                   <a:p>
                     <a:pPr algn="r"/>
                     <a:r>
-                      <a:rPr lang="en-US" altLang="ko-KR" dirty="0" smtClean="0"/>
+                      <a:rPr lang="en-US" altLang="ko-KR" dirty="0"/>
                       <a:t>2500</a:t>
                     </a:r>
                     <a:endParaRPr lang="ko-KR" altLang="en-US" dirty="0"/>
@@ -19550,49 +19244,49 @@
                   <a:p>
                     <a:pPr algn="r"/>
                     <a:r>
-                      <a:rPr lang="en-US" altLang="ko-KR" dirty="0" smtClean="0"/>
+                      <a:rPr lang="en-US" altLang="ko-KR" dirty="0"/>
                       <a:t>10000</a:t>
                     </a:r>
                   </a:p>
                   <a:p>
                     <a:pPr algn="r"/>
                     <a:r>
-                      <a:rPr lang="en-US" altLang="ko-KR" dirty="0" smtClean="0"/>
+                      <a:rPr lang="en-US" altLang="ko-KR" dirty="0"/>
                       <a:t>7000</a:t>
                     </a:r>
                   </a:p>
                   <a:p>
                     <a:pPr algn="r"/>
                     <a:r>
-                      <a:rPr lang="en-US" altLang="ko-KR" dirty="0" smtClean="0"/>
+                      <a:rPr lang="en-US" altLang="ko-KR" dirty="0"/>
                       <a:t>3000</a:t>
                     </a:r>
                   </a:p>
                   <a:p>
                     <a:pPr algn="r"/>
                     <a:r>
-                      <a:rPr lang="en-US" altLang="ko-KR" dirty="0" smtClean="0"/>
+                      <a:rPr lang="en-US" altLang="ko-KR" dirty="0"/>
                       <a:t>8000</a:t>
                     </a:r>
                   </a:p>
                   <a:p>
                     <a:pPr algn="r"/>
                     <a:r>
-                      <a:rPr lang="en-US" altLang="ko-KR" dirty="0" smtClean="0"/>
+                      <a:rPr lang="en-US" altLang="ko-KR" dirty="0"/>
                       <a:t>1500</a:t>
                     </a:r>
                   </a:p>
                   <a:p>
                     <a:pPr algn="r"/>
                     <a:r>
-                      <a:rPr lang="en-US" altLang="ko-KR" dirty="0" smtClean="0"/>
+                      <a:rPr lang="en-US" altLang="ko-KR" dirty="0"/>
                       <a:t>2500</a:t>
                     </a:r>
                   </a:p>
                   <a:p>
                     <a:pPr algn="r"/>
                     <a:r>
-                      <a:rPr lang="en-US" altLang="ko-KR" dirty="0" smtClean="0"/>
+                      <a:rPr lang="en-US" altLang="ko-KR" dirty="0"/>
                       <a:t>2500</a:t>
                     </a:r>
                     <a:endParaRPr lang="ko-KR" altLang="en-US" dirty="0"/>
@@ -19623,11 +19317,11 @@
                 <a:lstStyle/>
                 <a:p>
                   <a:r>
-                    <a:rPr lang="ko-KR" altLang="en-US" dirty="0" smtClean="0"/>
+                    <a:rPr lang="ko-KR" altLang="en-US" dirty="0"/>
                     <a:t>   총액               </a:t>
                   </a:r>
                   <a:r>
-                    <a:rPr lang="en-US" altLang="ko-KR" dirty="0" smtClean="0"/>
+                    <a:rPr lang="en-US" altLang="ko-KR" dirty="0"/>
                     <a:t>34500</a:t>
                   </a:r>
                   <a:endParaRPr lang="ko-KR" altLang="en-US" dirty="0"/>
@@ -19658,11 +19352,11 @@
               <a:lstStyle/>
               <a:p>
                 <a:r>
-                  <a:rPr lang="ko-KR" altLang="en-US" dirty="0" smtClean="0"/>
+                  <a:rPr lang="ko-KR" altLang="en-US" dirty="0"/>
                   <a:t>송장번호 </a:t>
                 </a:r>
                 <a:r>
-                  <a:rPr lang="en-US" altLang="ko-KR" dirty="0" smtClean="0"/>
+                  <a:rPr lang="en-US" altLang="ko-KR" dirty="0"/>
                   <a:t>a1002</a:t>
                 </a:r>
                 <a:endParaRPr lang="ko-KR" altLang="en-US" dirty="0"/>
@@ -19693,7 +19387,7 @@
             <a:lstStyle/>
             <a:p>
               <a:r>
-                <a:rPr lang="en-US" altLang="ko-KR" dirty="0" smtClean="0"/>
+                <a:rPr lang="en-US" altLang="ko-KR" dirty="0"/>
                 <a:t>- 1 -</a:t>
               </a:r>
               <a:endParaRPr lang="ko-KR" altLang="en-US" dirty="0"/>
@@ -19740,7 +19434,7 @@
           <a:p>
             <a:pPr algn="ctr"/>
             <a:r>
-              <a:rPr lang="ko-KR" altLang="en-US" dirty="0" err="1" smtClean="0">
+              <a:rPr lang="ko-KR" altLang="en-US" dirty="0" err="1">
                 <a:solidFill>
                   <a:schemeClr val="tx1"/>
                 </a:solidFill>
@@ -19791,7 +19485,7 @@
           <a:p>
             <a:pPr algn="ctr"/>
             <a:r>
-              <a:rPr lang="ko-KR" altLang="en-US" dirty="0" smtClean="0">
+              <a:rPr lang="ko-KR" altLang="en-US" dirty="0">
                 <a:solidFill>
                   <a:schemeClr val="tx1"/>
                 </a:solidFill>
@@ -19799,7 +19493,7 @@
               <a:t>송장이 </a:t>
             </a:r>
             <a:r>
-              <a:rPr lang="en-US" altLang="ko-KR" dirty="0" smtClean="0">
+              <a:rPr lang="en-US" altLang="ko-KR" dirty="0">
                 <a:solidFill>
                   <a:schemeClr val="tx1"/>
                 </a:solidFill>
@@ -19807,7 +19501,7 @@
               <a:t>CSV</a:t>
             </a:r>
             <a:r>
-              <a:rPr lang="ko-KR" altLang="en-US" dirty="0" smtClean="0">
+              <a:rPr lang="ko-KR" altLang="en-US" dirty="0">
                 <a:solidFill>
                   <a:schemeClr val="tx1"/>
                 </a:solidFill>
@@ -19815,7 +19509,7 @@
               <a:t>파일로 전송되었습니다</a:t>
             </a:r>
             <a:r>
-              <a:rPr lang="en-US" altLang="ko-KR" dirty="0" smtClean="0">
+              <a:rPr lang="en-US" altLang="ko-KR" dirty="0">
                 <a:solidFill>
                   <a:schemeClr val="tx1"/>
                 </a:solidFill>

--- a/BluePPT.pptx
+++ b/BluePPT.pptx
@@ -317,11 +317,11 @@
         </c:dLbls>
         <c:marker val="1"/>
         <c:smooth val="0"/>
-        <c:axId val="38028800"/>
-        <c:axId val="53424640"/>
+        <c:axId val="156208128"/>
+        <c:axId val="151318464"/>
       </c:lineChart>
       <c:catAx>
-        <c:axId val="38028800"/>
+        <c:axId val="156208128"/>
         <c:scaling>
           <c:orientation val="minMax"/>
         </c:scaling>
@@ -330,7 +330,7 @@
         <c:majorTickMark val="out"/>
         <c:minorTickMark val="none"/>
         <c:tickLblPos val="nextTo"/>
-        <c:crossAx val="53424640"/>
+        <c:crossAx val="151318464"/>
         <c:crosses val="autoZero"/>
         <c:auto val="1"/>
         <c:lblAlgn val="ctr"/>
@@ -338,7 +338,7 @@
         <c:noMultiLvlLbl val="0"/>
       </c:catAx>
       <c:valAx>
-        <c:axId val="53424640"/>
+        <c:axId val="151318464"/>
         <c:scaling>
           <c:orientation val="minMax"/>
         </c:scaling>
@@ -349,7 +349,7 @@
         <c:majorTickMark val="out"/>
         <c:minorTickMark val="none"/>
         <c:tickLblPos val="nextTo"/>
-        <c:crossAx val="38028800"/>
+        <c:crossAx val="156208128"/>
         <c:crosses val="autoZero"/>
         <c:crossBetween val="between"/>
       </c:valAx>
@@ -650,11 +650,11 @@
         </c:dLbls>
         <c:marker val="1"/>
         <c:smooth val="0"/>
-        <c:axId val="38346240"/>
-        <c:axId val="90196224"/>
+        <c:axId val="159176192"/>
+        <c:axId val="151317888"/>
       </c:lineChart>
       <c:catAx>
-        <c:axId val="38346240"/>
+        <c:axId val="159176192"/>
         <c:scaling>
           <c:orientation val="minMax"/>
         </c:scaling>
@@ -663,7 +663,7 @@
         <c:majorTickMark val="out"/>
         <c:minorTickMark val="none"/>
         <c:tickLblPos val="nextTo"/>
-        <c:crossAx val="90196224"/>
+        <c:crossAx val="151317888"/>
         <c:crosses val="autoZero"/>
         <c:auto val="1"/>
         <c:lblAlgn val="ctr"/>
@@ -671,7 +671,7 @@
         <c:noMultiLvlLbl val="0"/>
       </c:catAx>
       <c:valAx>
-        <c:axId val="90196224"/>
+        <c:axId val="151317888"/>
         <c:scaling>
           <c:orientation val="minMax"/>
         </c:scaling>
@@ -682,7 +682,7 @@
         <c:majorTickMark val="out"/>
         <c:minorTickMark val="none"/>
         <c:tickLblPos val="nextTo"/>
-        <c:crossAx val="38346240"/>
+        <c:crossAx val="159176192"/>
         <c:crosses val="autoZero"/>
         <c:crossBetween val="between"/>
       </c:valAx>
@@ -810,7 +810,6 @@
     </c:plotArea>
     <c:legend>
       <c:legendPos val="r"/>
-      <c:layout/>
       <c:overlay val="0"/>
     </c:legend>
     <c:plotVisOnly val="1"/>
@@ -983,11 +982,11 @@
         </c:dLbls>
         <c:marker val="1"/>
         <c:smooth val="0"/>
-        <c:axId val="39216640"/>
-        <c:axId val="90198528"/>
+        <c:axId val="156077568"/>
+        <c:axId val="102329152"/>
       </c:lineChart>
       <c:catAx>
-        <c:axId val="39216640"/>
+        <c:axId val="156077568"/>
         <c:scaling>
           <c:orientation val="minMax"/>
         </c:scaling>
@@ -996,7 +995,7 @@
         <c:majorTickMark val="out"/>
         <c:minorTickMark val="none"/>
         <c:tickLblPos val="nextTo"/>
-        <c:crossAx val="90198528"/>
+        <c:crossAx val="102329152"/>
         <c:crosses val="autoZero"/>
         <c:auto val="1"/>
         <c:lblAlgn val="ctr"/>
@@ -1004,7 +1003,7 @@
         <c:noMultiLvlLbl val="0"/>
       </c:catAx>
       <c:valAx>
-        <c:axId val="90198528"/>
+        <c:axId val="102329152"/>
         <c:scaling>
           <c:orientation val="minMax"/>
         </c:scaling>
@@ -1015,7 +1014,7 @@
         <c:majorTickMark val="out"/>
         <c:minorTickMark val="none"/>
         <c:tickLblPos val="nextTo"/>
-        <c:crossAx val="39216640"/>
+        <c:crossAx val="156077568"/>
         <c:crosses val="autoZero"/>
         <c:crossBetween val="between"/>
       </c:valAx>
@@ -1143,7 +1142,6 @@
     </c:plotArea>
     <c:legend>
       <c:legendPos val="r"/>
-      <c:layout/>
       <c:overlay val="0"/>
     </c:legend>
     <c:plotVisOnly val="1"/>
@@ -22347,7 +22345,7 @@
           <p:nvPr>
             <p:extLst>
               <p:ext uri="{D42A27DB-BD31-4B8C-83A1-F6EECF244321}">
-                <p14:modId xmlns:p14="http://schemas.microsoft.com/office/powerpoint/2010/main" val="3676802208"/>
+                <p14:modId xmlns:p14="http://schemas.microsoft.com/office/powerpoint/2010/main" val="1997807307"/>
               </p:ext>
             </p:extLst>
           </p:nvPr>
@@ -22363,12 +22361,12 @@
                 <a:tableStyleId>{21E4AEA4-8DFA-4A89-87EB-49C32662AFE0}</a:tableStyleId>
               </a:tblPr>
               <a:tblGrid>
-                <a:gridCol w="1516089"/>
-                <a:gridCol w="1516089"/>
-                <a:gridCol w="1516970"/>
-                <a:gridCol w="1637256"/>
-                <a:gridCol w="1478797"/>
-                <a:gridCol w="1478797"/>
+                <a:gridCol w="1259632"/>
+                <a:gridCol w="1368152"/>
+                <a:gridCol w="1584176"/>
+                <a:gridCol w="1872208"/>
+                <a:gridCol w="1512168"/>
+                <a:gridCol w="1547662"/>
               </a:tblGrid>
               <a:tr h="873851">
                 <a:tc>
@@ -22588,7 +22586,7 @@
                       <a:pPr algn="ctr"/>
                       <a:r>
                         <a:rPr lang="en-US" altLang="ko-KR" dirty="0" smtClean="0"/>
-                        <a:t>supply</a:t>
+                        <a:t>Supply</a:t>
                       </a:r>
                       <a:endParaRPr lang="ko-KR" altLang="en-US" dirty="0"/>
                     </a:p>
@@ -22679,15 +22677,15 @@
                             <a:srgbClr val="0070C0"/>
                           </a:solidFill>
                         </a:rPr>
-                        <a:t>(S)</a:t>
-                      </a:r>
-                      <a:r>
-                        <a:rPr lang="en-US" altLang="ko-KR" b="1" dirty="0" err="1" smtClean="0">
+                        <a:t>(</a:t>
+                      </a:r>
+                      <a:r>
+                        <a:rPr lang="en-US" altLang="ko-KR" b="1" dirty="0" smtClean="0">
                           <a:solidFill>
                             <a:srgbClr val="0070C0"/>
                           </a:solidFill>
                         </a:rPr>
-                        <a:t>pCode</a:t>
+                        <a:t>S)pCode_4</a:t>
                       </a:r>
                       <a:endParaRPr lang="en-US" altLang="ko-KR" b="1" dirty="0" smtClean="0">
                         <a:solidFill>
@@ -22754,11 +22752,11 @@
                       <a:pPr algn="l" latinLnBrk="1"/>
                       <a:r>
                         <a:rPr lang="en-US" altLang="ko-KR" b="1" dirty="0" smtClean="0"/>
-                        <a:t>(S)</a:t>
+                        <a:t>(I)</a:t>
                       </a:r>
                       <a:r>
                         <a:rPr lang="en-US" altLang="ko-KR" b="1" dirty="0" err="1" smtClean="0"/>
-                        <a:t>oCode</a:t>
+                        <a:t>oNum</a:t>
                       </a:r>
                       <a:endParaRPr lang="en-US" altLang="ko-KR" dirty="0" smtClean="0">
                         <a:solidFill>
@@ -22810,7 +22808,15 @@
                             <a:srgbClr val="00B050"/>
                           </a:solidFill>
                         </a:rPr>
-                        <a:t>(S)</a:t>
+                        <a:t>(</a:t>
+                      </a:r>
+                      <a:r>
+                        <a:rPr lang="en-US" altLang="ko-KR" dirty="0" smtClean="0">
+                          <a:solidFill>
+                            <a:srgbClr val="00B050"/>
+                          </a:solidFill>
+                        </a:rPr>
+                        <a:t>S)</a:t>
                       </a:r>
                       <a:r>
                         <a:rPr lang="en-US" altLang="ko-KR" dirty="0" err="1" smtClean="0">
@@ -22840,15 +22846,15 @@
                             <a:srgbClr val="00B050"/>
                           </a:solidFill>
                         </a:rPr>
-                        <a:t>(S)</a:t>
-                      </a:r>
-                      <a:r>
-                        <a:rPr lang="en-US" altLang="ko-KR" b="1" dirty="0" err="1" smtClean="0">
+                        <a:t>(</a:t>
+                      </a:r>
+                      <a:r>
+                        <a:rPr lang="en-US" altLang="ko-KR" b="1" dirty="0" smtClean="0">
                           <a:solidFill>
                             <a:srgbClr val="00B050"/>
                           </a:solidFill>
                         </a:rPr>
-                        <a:t>iCode</a:t>
+                        <a:t>S)iCode_13</a:t>
                       </a:r>
                       <a:endParaRPr lang="en-US" altLang="ko-KR" b="1" dirty="0" smtClean="0">
                         <a:solidFill>
@@ -23040,15 +23046,15 @@
                             <a:schemeClr val="tx1"/>
                           </a:solidFill>
                         </a:rPr>
-                        <a:t>(S)</a:t>
-                      </a:r>
-                      <a:r>
-                        <a:rPr lang="en-US" altLang="ko-KR" b="1" dirty="0" err="1" smtClean="0">
+                        <a:t>(</a:t>
+                      </a:r>
+                      <a:r>
+                        <a:rPr lang="en-US" altLang="ko-KR" b="1" dirty="0" smtClean="0">
                           <a:solidFill>
                             <a:schemeClr val="tx1"/>
                           </a:solidFill>
                         </a:rPr>
-                        <a:t>sCode</a:t>
+                        <a:t>S)sCode_10</a:t>
                       </a:r>
                       <a:endParaRPr lang="en-US" altLang="ko-KR" b="1" dirty="0" smtClean="0">
                         <a:solidFill>
@@ -23285,9 +23291,28 @@
                       <a:pPr algn="ctr" latinLnBrk="1"/>
                       <a:r>
                         <a:rPr lang="ko-KR" altLang="en-US" baseline="0" dirty="0" smtClean="0"/>
-                        <a:t>제품코드</a:t>
-                      </a:r>
-                      <a:endParaRPr lang="en-US" altLang="ko-KR" dirty="0" smtClean="0"/>
+                        <a:t>공급처구분</a:t>
+                      </a:r>
+                      <a:r>
+                        <a:rPr lang="en-US" altLang="ko-KR" baseline="0" dirty="0" smtClean="0"/>
+                        <a:t>+</a:t>
+                      </a:r>
+                    </a:p>
+                    <a:p>
+                      <a:pPr algn="ctr" latinLnBrk="1"/>
+                      <a:r>
+                        <a:rPr lang="ko-KR" altLang="en-US" baseline="0" dirty="0" smtClean="0"/>
+                        <a:t>자동 </a:t>
+                      </a:r>
+                      <a:r>
+                        <a:rPr lang="en-US" altLang="ko-KR" baseline="0" dirty="0" smtClean="0"/>
+                        <a:t>3</a:t>
+                      </a:r>
+                      <a:r>
+                        <a:rPr lang="ko-KR" altLang="en-US" baseline="0" dirty="0" smtClean="0"/>
+                        <a:t>자리</a:t>
+                      </a:r>
+                      <a:endParaRPr lang="en-US" altLang="ko-KR" baseline="0" dirty="0" smtClean="0"/>
                     </a:p>
                   </a:txBody>
                   <a:tcPr anchor="ctr"/>
@@ -23300,18 +23325,26 @@
                       <a:pPr algn="ctr" latinLnBrk="1"/>
                       <a:r>
                         <a:rPr lang="en-US" altLang="ko-KR" dirty="0" err="1" smtClean="0"/>
-                        <a:t>oCode</a:t>
-                      </a:r>
-                      <a:r>
-                        <a:rPr lang="en-US" altLang="ko-KR" dirty="0" smtClean="0"/>
-                        <a:t> =</a:t>
+                        <a:t>oNum</a:t>
+                      </a:r>
+                      <a:r>
+                        <a:rPr lang="en-US" altLang="ko-KR" baseline="0" dirty="0" smtClean="0"/>
+                        <a:t> = </a:t>
                       </a:r>
                     </a:p>
                     <a:p>
                       <a:pPr algn="ctr" latinLnBrk="1"/>
                       <a:r>
-                        <a:rPr lang="ko-KR" altLang="en-US" dirty="0" smtClean="0"/>
-                        <a:t>주문번호</a:t>
+                        <a:rPr lang="ko-KR" altLang="en-US" baseline="0" dirty="0" smtClean="0"/>
+                        <a:t>자동 </a:t>
+                      </a:r>
+                      <a:r>
+                        <a:rPr lang="en-US" altLang="ko-KR" baseline="0" dirty="0" smtClean="0"/>
+                        <a:t>4</a:t>
+                      </a:r>
+                      <a:r>
+                        <a:rPr lang="ko-KR" altLang="en-US" baseline="0" dirty="0" smtClean="0"/>
+                        <a:t>자리</a:t>
                       </a:r>
                       <a:endParaRPr lang="ko-KR" altLang="en-US" dirty="0"/>
                     </a:p>
@@ -23332,14 +23365,68 @@
                         <a:rPr lang="en-US" altLang="ko-KR" dirty="0" smtClean="0"/>
                         <a:t> = </a:t>
                       </a:r>
+                      <a:endParaRPr lang="en-US" altLang="ko-KR" dirty="0" smtClean="0"/>
                     </a:p>
                     <a:p>
                       <a:pPr algn="ctr"/>
                       <a:r>
                         <a:rPr lang="ko-KR" altLang="en-US" dirty="0" smtClean="0"/>
-                        <a:t>송장번호</a:t>
-                      </a:r>
-                      <a:endParaRPr lang="ko-KR" altLang="en-US" dirty="0"/>
+                        <a:t>쇼핑몰구분</a:t>
+                      </a:r>
+                      <a:r>
+                        <a:rPr lang="en-US" altLang="ko-KR" dirty="0" smtClean="0"/>
+                        <a:t>+</a:t>
+                      </a:r>
+                    </a:p>
+                    <a:p>
+                      <a:pPr algn="ctr"/>
+                      <a:r>
+                        <a:rPr lang="ko-KR" altLang="en-US" dirty="0" err="1" smtClean="0"/>
+                        <a:t>운송사구분</a:t>
+                      </a:r>
+                      <a:r>
+                        <a:rPr lang="en-US" altLang="ko-KR" dirty="0" smtClean="0"/>
+                        <a:t>+</a:t>
+                      </a:r>
+                    </a:p>
+                    <a:p>
+                      <a:pPr algn="ctr"/>
+                      <a:r>
+                        <a:rPr lang="ko-KR" altLang="en-US" dirty="0" smtClean="0"/>
+                        <a:t>날짜</a:t>
+                      </a:r>
+                      <a:r>
+                        <a:rPr lang="en-US" altLang="ko-KR" dirty="0" smtClean="0"/>
+                        <a:t>(6</a:t>
+                      </a:r>
+                      <a:r>
+                        <a:rPr lang="ko-KR" altLang="en-US" dirty="0" smtClean="0"/>
+                        <a:t>자리</a:t>
+                      </a:r>
+                      <a:r>
+                        <a:rPr lang="en-US" altLang="ko-KR" dirty="0" smtClean="0"/>
+                        <a:t>)+</a:t>
+                      </a:r>
+                    </a:p>
+                    <a:p>
+                      <a:pPr algn="ctr"/>
+                      <a:r>
+                        <a:rPr lang="ko-KR" altLang="en-US" dirty="0" smtClean="0"/>
+                        <a:t>자동</a:t>
+                      </a:r>
+                      <a:r>
+                        <a:rPr lang="en-US" altLang="ko-KR" dirty="0" smtClean="0"/>
+                        <a:t>(5</a:t>
+                      </a:r>
+                      <a:r>
+                        <a:rPr lang="ko-KR" altLang="en-US" dirty="0" smtClean="0"/>
+                        <a:t>자리</a:t>
+                      </a:r>
+                      <a:r>
+                        <a:rPr lang="en-US" altLang="ko-KR" dirty="0" smtClean="0"/>
+                        <a:t>)</a:t>
+                      </a:r>
+                      <a:endParaRPr lang="en-US" altLang="ko-KR" dirty="0" smtClean="0"/>
                     </a:p>
                   </a:txBody>
                   <a:tcPr anchor="ctr"/>
@@ -23363,7 +23450,49 @@
                       <a:pPr algn="ctr" latinLnBrk="1"/>
                       <a:r>
                         <a:rPr lang="ko-KR" altLang="en-US" dirty="0" smtClean="0"/>
-                        <a:t>발주코드</a:t>
+                        <a:t>공급처구분</a:t>
+                      </a:r>
+                      <a:r>
+                        <a:rPr lang="en-US" altLang="ko-KR" dirty="0" smtClean="0"/>
+                        <a:t>+</a:t>
+                      </a:r>
+                    </a:p>
+                    <a:p>
+                      <a:pPr algn="ctr" latinLnBrk="1"/>
+                      <a:r>
+                        <a:rPr lang="ko-KR" altLang="en-US" dirty="0" smtClean="0"/>
+                        <a:t>날짜</a:t>
+                      </a:r>
+                      <a:r>
+                        <a:rPr lang="en-US" altLang="ko-KR" dirty="0" smtClean="0"/>
+                        <a:t>(6</a:t>
+                      </a:r>
+                      <a:r>
+                        <a:rPr lang="ko-KR" altLang="en-US" dirty="0" smtClean="0"/>
+                        <a:t>자리</a:t>
+                      </a:r>
+                      <a:r>
+                        <a:rPr lang="en-US" altLang="ko-KR" dirty="0" smtClean="0"/>
+                        <a:t>)+</a:t>
+                      </a:r>
+                    </a:p>
+                    <a:p>
+                      <a:pPr algn="ctr" latinLnBrk="1"/>
+                      <a:r>
+                        <a:rPr lang="ko-KR" altLang="en-US" dirty="0" smtClean="0"/>
+                        <a:t>자동</a:t>
+                      </a:r>
+                      <a:r>
+                        <a:rPr lang="en-US" altLang="ko-KR" dirty="0" smtClean="0"/>
+                        <a:t>(3</a:t>
+                      </a:r>
+                      <a:r>
+                        <a:rPr lang="ko-KR" altLang="en-US" dirty="0" smtClean="0"/>
+                        <a:t>자리</a:t>
+                      </a:r>
+                      <a:r>
+                        <a:rPr lang="en-US" altLang="ko-KR" dirty="0" smtClean="0"/>
+                        <a:t>)</a:t>
                       </a:r>
                       <a:endParaRPr lang="en-US" altLang="ko-KR" dirty="0" smtClean="0"/>
                     </a:p>
@@ -23695,7 +23824,23 @@
                   <a:schemeClr val="tx1"/>
                 </a:solidFill>
               </a:rPr>
-              <a:t>구매처</a:t>
+              <a:t>공</a:t>
+            </a:r>
+            <a:r>
+              <a:rPr lang="ko-KR" altLang="en-US" dirty="0">
+                <a:solidFill>
+                  <a:schemeClr val="tx1"/>
+                </a:solidFill>
+              </a:rPr>
+              <a:t>급</a:t>
+            </a:r>
+            <a:r>
+              <a:rPr lang="ko-KR" altLang="en-US" dirty="0" smtClean="0">
+                <a:solidFill>
+                  <a:schemeClr val="tx1"/>
+                </a:solidFill>
+              </a:rPr>
+              <a:t>처</a:t>
             </a:r>
             <a:endParaRPr lang="ko-KR" altLang="en-US" dirty="0">
               <a:solidFill>

--- a/BluePPT.pptx
+++ b/BluePPT.pptx
@@ -154,7 +154,7 @@
             <p14:sldId id="278"/>
           </p14:sldIdLst>
         </p14:section>
-        <p14:section name="구매처" id="{CB95D1E6-BC65-4795-B19A-4F156459EA64}">
+        <p14:section name="공급사" id="{CB95D1E6-BC65-4795-B19A-4F156459EA64}">
           <p14:sldIdLst>
             <p14:sldId id="282"/>
             <p14:sldId id="280"/>
@@ -317,11 +317,11 @@
         </c:dLbls>
         <c:marker val="1"/>
         <c:smooth val="0"/>
-        <c:axId val="156208128"/>
-        <c:axId val="151318464"/>
+        <c:axId val="40425984"/>
+        <c:axId val="117188864"/>
       </c:lineChart>
       <c:catAx>
-        <c:axId val="156208128"/>
+        <c:axId val="40425984"/>
         <c:scaling>
           <c:orientation val="minMax"/>
         </c:scaling>
@@ -330,7 +330,7 @@
         <c:majorTickMark val="out"/>
         <c:minorTickMark val="none"/>
         <c:tickLblPos val="nextTo"/>
-        <c:crossAx val="151318464"/>
+        <c:crossAx val="117188864"/>
         <c:crosses val="autoZero"/>
         <c:auto val="1"/>
         <c:lblAlgn val="ctr"/>
@@ -338,7 +338,7 @@
         <c:noMultiLvlLbl val="0"/>
       </c:catAx>
       <c:valAx>
-        <c:axId val="151318464"/>
+        <c:axId val="117188864"/>
         <c:scaling>
           <c:orientation val="minMax"/>
         </c:scaling>
@@ -349,7 +349,7 @@
         <c:majorTickMark val="out"/>
         <c:minorTickMark val="none"/>
         <c:tickLblPos val="nextTo"/>
-        <c:crossAx val="156208128"/>
+        <c:crossAx val="40425984"/>
         <c:crosses val="autoZero"/>
         <c:crossBetween val="between"/>
       </c:valAx>
@@ -650,11 +650,11 @@
         </c:dLbls>
         <c:marker val="1"/>
         <c:smooth val="0"/>
-        <c:axId val="159176192"/>
-        <c:axId val="151317888"/>
+        <c:axId val="52425728"/>
+        <c:axId val="90851584"/>
       </c:lineChart>
       <c:catAx>
-        <c:axId val="159176192"/>
+        <c:axId val="52425728"/>
         <c:scaling>
           <c:orientation val="minMax"/>
         </c:scaling>
@@ -663,7 +663,7 @@
         <c:majorTickMark val="out"/>
         <c:minorTickMark val="none"/>
         <c:tickLblPos val="nextTo"/>
-        <c:crossAx val="151317888"/>
+        <c:crossAx val="90851584"/>
         <c:crosses val="autoZero"/>
         <c:auto val="1"/>
         <c:lblAlgn val="ctr"/>
@@ -671,7 +671,7 @@
         <c:noMultiLvlLbl val="0"/>
       </c:catAx>
       <c:valAx>
-        <c:axId val="151317888"/>
+        <c:axId val="90851584"/>
         <c:scaling>
           <c:orientation val="minMax"/>
         </c:scaling>
@@ -682,7 +682,7 @@
         <c:majorTickMark val="out"/>
         <c:minorTickMark val="none"/>
         <c:tickLblPos val="nextTo"/>
-        <c:crossAx val="159176192"/>
+        <c:crossAx val="52425728"/>
         <c:crosses val="autoZero"/>
         <c:crossBetween val="between"/>
       </c:valAx>
@@ -982,11 +982,11 @@
         </c:dLbls>
         <c:marker val="1"/>
         <c:smooth val="0"/>
-        <c:axId val="156077568"/>
-        <c:axId val="102329152"/>
+        <c:axId val="51771904"/>
+        <c:axId val="90852736"/>
       </c:lineChart>
       <c:catAx>
-        <c:axId val="156077568"/>
+        <c:axId val="51771904"/>
         <c:scaling>
           <c:orientation val="minMax"/>
         </c:scaling>
@@ -995,7 +995,7 @@
         <c:majorTickMark val="out"/>
         <c:minorTickMark val="none"/>
         <c:tickLblPos val="nextTo"/>
-        <c:crossAx val="102329152"/>
+        <c:crossAx val="90852736"/>
         <c:crosses val="autoZero"/>
         <c:auto val="1"/>
         <c:lblAlgn val="ctr"/>
@@ -1003,7 +1003,7 @@
         <c:noMultiLvlLbl val="0"/>
       </c:catAx>
       <c:valAx>
-        <c:axId val="102329152"/>
+        <c:axId val="90852736"/>
         <c:scaling>
           <c:orientation val="minMax"/>
         </c:scaling>
@@ -1014,7 +1014,7 @@
         <c:majorTickMark val="out"/>
         <c:minorTickMark val="none"/>
         <c:tickLblPos val="nextTo"/>
-        <c:crossAx val="156077568"/>
+        <c:crossAx val="51771904"/>
         <c:crosses val="autoZero"/>
         <c:crossBetween val="between"/>
       </c:valAx>
@@ -1246,7 +1246,7 @@
           <a:p>
             <a:fld id="{B1AC4F1E-7C5C-4AF3-8078-9105627E20EC}" type="datetimeFigureOut">
               <a:rPr lang="ko-KR" altLang="en-US" smtClean="0"/>
-              <a:t>2019-05-03</a:t>
+              <a:t>2019-05-07</a:t>
             </a:fld>
             <a:endParaRPr lang="ko-KR" altLang="en-US"/>
           </a:p>
@@ -1900,7 +1900,7 @@
           <a:p>
             <a:fld id="{5461D8C1-8742-4899-8C54-88F14E68CB8A}" type="datetimeFigureOut">
               <a:rPr lang="ko-KR" altLang="en-US" smtClean="0"/>
-              <a:t>2019-05-03</a:t>
+              <a:t>2019-05-07</a:t>
             </a:fld>
             <a:endParaRPr lang="ko-KR" altLang="en-US"/>
           </a:p>
@@ -2213,7 +2213,7 @@
           <a:p>
             <a:fld id="{5461D8C1-8742-4899-8C54-88F14E68CB8A}" type="datetimeFigureOut">
               <a:rPr lang="ko-KR" altLang="en-US" smtClean="0"/>
-              <a:t>2019-05-03</a:t>
+              <a:t>2019-05-07</a:t>
             </a:fld>
             <a:endParaRPr lang="ko-KR" altLang="en-US"/>
           </a:p>
@@ -2398,7 +2398,7 @@
           <a:p>
             <a:fld id="{5461D8C1-8742-4899-8C54-88F14E68CB8A}" type="datetimeFigureOut">
               <a:rPr lang="ko-KR" altLang="en-US" smtClean="0"/>
-              <a:t>2019-05-03</a:t>
+              <a:t>2019-05-07</a:t>
             </a:fld>
             <a:endParaRPr lang="ko-KR" altLang="en-US"/>
           </a:p>
@@ -2573,7 +2573,7 @@
           <a:p>
             <a:fld id="{5461D8C1-8742-4899-8C54-88F14E68CB8A}" type="datetimeFigureOut">
               <a:rPr lang="ko-KR" altLang="en-US" smtClean="0"/>
-              <a:t>2019-05-03</a:t>
+              <a:t>2019-05-07</a:t>
             </a:fld>
             <a:endParaRPr lang="ko-KR" altLang="en-US"/>
           </a:p>
@@ -2841,7 +2841,7 @@
           <a:p>
             <a:fld id="{5461D8C1-8742-4899-8C54-88F14E68CB8A}" type="datetimeFigureOut">
               <a:rPr lang="ko-KR" altLang="en-US" smtClean="0"/>
-              <a:t>2019-05-03</a:t>
+              <a:t>2019-05-07</a:t>
             </a:fld>
             <a:endParaRPr lang="ko-KR" altLang="en-US"/>
           </a:p>
@@ -3309,7 +3309,7 @@
           <a:p>
             <a:fld id="{5461D8C1-8742-4899-8C54-88F14E68CB8A}" type="datetimeFigureOut">
               <a:rPr lang="ko-KR" altLang="en-US" smtClean="0"/>
-              <a:t>2019-05-03</a:t>
+              <a:t>2019-05-07</a:t>
             </a:fld>
             <a:endParaRPr lang="ko-KR" altLang="en-US"/>
           </a:p>
@@ -3798,7 +3798,7 @@
           <a:p>
             <a:fld id="{5461D8C1-8742-4899-8C54-88F14E68CB8A}" type="datetimeFigureOut">
               <a:rPr lang="ko-KR" altLang="en-US" smtClean="0"/>
-              <a:t>2019-05-03</a:t>
+              <a:t>2019-05-07</a:t>
             </a:fld>
             <a:endParaRPr lang="ko-KR" altLang="en-US"/>
           </a:p>
@@ -3924,7 +3924,7 @@
           <a:p>
             <a:fld id="{5461D8C1-8742-4899-8C54-88F14E68CB8A}" type="datetimeFigureOut">
               <a:rPr lang="ko-KR" altLang="en-US" smtClean="0"/>
-              <a:t>2019-05-03</a:t>
+              <a:t>2019-05-07</a:t>
             </a:fld>
             <a:endParaRPr lang="ko-KR" altLang="en-US"/>
           </a:p>
@@ -4068,7 +4068,7 @@
           <a:p>
             <a:fld id="{5461D8C1-8742-4899-8C54-88F14E68CB8A}" type="datetimeFigureOut">
               <a:rPr lang="ko-KR" altLang="en-US" smtClean="0"/>
-              <a:t>2019-05-03</a:t>
+              <a:t>2019-05-07</a:t>
             </a:fld>
             <a:endParaRPr lang="ko-KR" altLang="en-US"/>
           </a:p>
@@ -4390,7 +4390,7 @@
           <a:p>
             <a:fld id="{5461D8C1-8742-4899-8C54-88F14E68CB8A}" type="datetimeFigureOut">
               <a:rPr lang="ko-KR" altLang="en-US" smtClean="0"/>
-              <a:t>2019-05-03</a:t>
+              <a:t>2019-05-07</a:t>
             </a:fld>
             <a:endParaRPr lang="ko-KR" altLang="en-US"/>
           </a:p>
@@ -4524,7 +4524,7 @@
           <a:p>
             <a:fld id="{5461D8C1-8742-4899-8C54-88F14E68CB8A}" type="datetimeFigureOut">
               <a:rPr lang="ko-KR" altLang="en-US" smtClean="0"/>
-              <a:t>2019-05-03</a:t>
+              <a:t>2019-05-07</a:t>
             </a:fld>
             <a:endParaRPr lang="ko-KR" altLang="en-US"/>
           </a:p>
@@ -5305,7 +5305,7 @@
           <a:p>
             <a:fld id="{5461D8C1-8742-4899-8C54-88F14E68CB8A}" type="datetimeFigureOut">
               <a:rPr lang="ko-KR" altLang="en-US" smtClean="0"/>
-              <a:t>2019-05-03</a:t>
+              <a:t>2019-05-07</a:t>
             </a:fld>
             <a:endParaRPr lang="ko-KR" altLang="en-US"/>
           </a:p>
@@ -9734,13 +9734,10 @@
           <a:lstStyle/>
           <a:p>
             <a:r>
-              <a:rPr lang="ko-KR" altLang="en-US" sz="3600" dirty="0" smtClean="0"/>
-              <a:t>공급처페이</a:t>
+              <a:rPr lang="ko-KR" altLang="en-US" sz="3600" dirty="0" err="1" smtClean="0"/>
+              <a:t>공급사페이지</a:t>
             </a:r>
-            <a:r>
-              <a:rPr lang="ko-KR" altLang="en-US" sz="3600" dirty="0"/>
-              <a:t>지</a:t>
-            </a:r>
+            <a:endParaRPr lang="ko-KR" altLang="en-US" sz="3600" dirty="0"/>
           </a:p>
         </p:txBody>
       </p:sp>
@@ -12303,7 +12300,7 @@
           <p:nvPr>
             <p:extLst>
               <p:ext uri="{D42A27DB-BD31-4B8C-83A1-F6EECF244321}">
-                <p14:modId xmlns:p14="http://schemas.microsoft.com/office/powerpoint/2010/main" val="3681541088"/>
+                <p14:modId xmlns:p14="http://schemas.microsoft.com/office/powerpoint/2010/main" val="1787951732"/>
               </p:ext>
             </p:extLst>
           </p:nvPr>
@@ -14053,12 +14050,12 @@
                     <a:p>
                       <a:pPr algn="ctr" latinLnBrk="1"/>
                       <a:r>
-                        <a:rPr lang="ko-KR" altLang="en-US" sz="1600" b="0" dirty="0" smtClean="0">
+                        <a:rPr lang="ko-KR" altLang="en-US" sz="1600" b="0" dirty="0" err="1" smtClean="0">
                           <a:solidFill>
                             <a:schemeClr val="tx1"/>
                           </a:solidFill>
                         </a:rPr>
-                        <a:t>구입처</a:t>
+                        <a:t>공급사</a:t>
                       </a:r>
                       <a:endParaRPr lang="ko-KR" altLang="en-US" sz="1600" b="0" dirty="0">
                         <a:solidFill>
@@ -19891,14 +19888,14 @@
           <p:nvPr>
             <p:extLst>
               <p:ext uri="{D42A27DB-BD31-4B8C-83A1-F6EECF244321}">
-                <p14:modId xmlns:p14="http://schemas.microsoft.com/office/powerpoint/2010/main" val="1950124269"/>
+                <p14:modId xmlns:p14="http://schemas.microsoft.com/office/powerpoint/2010/main" val="3391868462"/>
               </p:ext>
             </p:extLst>
           </p:nvPr>
         </p:nvGraphicFramePr>
         <p:xfrm>
           <a:off x="1115617" y="764704"/>
-          <a:ext cx="7888905" cy="6116792"/>
+          <a:ext cx="7920878" cy="5997612"/>
         </p:xfrm>
         <a:graphic>
           <a:graphicData uri="http://schemas.openxmlformats.org/drawingml/2006/table">
@@ -19907,13 +19904,13 @@
                 <a:tableStyleId>{21E4AEA4-8DFA-4A89-87EB-49C32662AFE0}</a:tableStyleId>
               </a:tblPr>
               <a:tblGrid>
-                <a:gridCol w="1251476"/>
-                <a:gridCol w="1412819"/>
-                <a:gridCol w="1624211"/>
-                <a:gridCol w="1761759"/>
-                <a:gridCol w="1838640"/>
+                <a:gridCol w="1256548"/>
+                <a:gridCol w="1418545"/>
+                <a:gridCol w="1630794"/>
+                <a:gridCol w="1768899"/>
+                <a:gridCol w="1846092"/>
               </a:tblGrid>
-              <a:tr h="630952">
+              <a:tr h="616498">
                 <a:tc>
                   <a:txBody>
                     <a:bodyPr/>
@@ -20223,7 +20220,7 @@
                   </a:tcPr>
                 </a:tc>
               </a:tr>
-              <a:tr h="632385">
+              <a:tr h="617898">
                 <a:tc>
                   <a:txBody>
                     <a:bodyPr/>
@@ -20573,7 +20570,7 @@
                   </a:tcPr>
                 </a:tc>
               </a:tr>
-              <a:tr h="632385">
+              <a:tr h="617898">
                 <a:tc>
                   <a:txBody>
                     <a:bodyPr/>
@@ -20769,7 +20766,7 @@
                   </a:tcPr>
                 </a:tc>
               </a:tr>
-              <a:tr h="774272">
+              <a:tr h="893452">
                 <a:tc>
                   <a:txBody>
                     <a:bodyPr/>
@@ -21119,7 +21116,7 @@
                   </a:tcPr>
                 </a:tc>
               </a:tr>
-              <a:tr h="793999">
+              <a:tr h="775809">
                 <a:tc>
                   <a:txBody>
                     <a:bodyPr/>
@@ -21399,7 +21396,7 @@
                   </a:tcPr>
                 </a:tc>
               </a:tr>
-              <a:tr h="822057">
+              <a:tr h="803225">
                 <a:tc>
                   <a:txBody>
                     <a:bodyPr/>
@@ -21673,7 +21670,7 @@
                   </a:tcPr>
                 </a:tc>
               </a:tr>
-              <a:tr h="896615">
+              <a:tr h="876075">
                 <a:tc>
                   <a:txBody>
                     <a:bodyPr/>
@@ -21983,7 +21980,7 @@
                   </a:tcPr>
                 </a:tc>
               </a:tr>
-              <a:tr h="793999">
+              <a:tr h="775809">
                 <a:tc>
                   <a:txBody>
                     <a:bodyPr/>
@@ -22345,7 +22342,7 @@
           <p:nvPr>
             <p:extLst>
               <p:ext uri="{D42A27DB-BD31-4B8C-83A1-F6EECF244321}">
-                <p14:modId xmlns:p14="http://schemas.microsoft.com/office/powerpoint/2010/main" val="1997807307"/>
+                <p14:modId xmlns:p14="http://schemas.microsoft.com/office/powerpoint/2010/main" val="1245454176"/>
               </p:ext>
             </p:extLst>
           </p:nvPr>
@@ -22361,12 +22358,12 @@
                 <a:tableStyleId>{21E4AEA4-8DFA-4A89-87EB-49C32662AFE0}</a:tableStyleId>
               </a:tblPr>
               <a:tblGrid>
-                <a:gridCol w="1259632"/>
+                <a:gridCol w="1043608"/>
                 <a:gridCol w="1368152"/>
                 <a:gridCol w="1584176"/>
                 <a:gridCol w="1872208"/>
                 <a:gridCol w="1512168"/>
-                <a:gridCol w="1547662"/>
+                <a:gridCol w="1763686"/>
               </a:tblGrid>
               <a:tr h="873851">
                 <a:tc>
@@ -22617,7 +22614,7 @@
                     <a:p>
                       <a:pPr algn="l" latinLnBrk="1"/>
                       <a:r>
-                        <a:rPr lang="en-US" altLang="ko-KR" b="1" dirty="0" smtClean="0">
+                        <a:rPr lang="en-US" altLang="ko-KR" sz="1600" b="1" dirty="0" smtClean="0">
                           <a:solidFill>
                             <a:schemeClr val="tx1"/>
                           </a:solidFill>
@@ -22628,39 +22625,39 @@
                     <a:p>
                       <a:pPr algn="l" latinLnBrk="1"/>
                       <a:r>
-                        <a:rPr lang="en-US" altLang="ko-KR" dirty="0" smtClean="0"/>
+                        <a:rPr lang="en-US" altLang="ko-KR" sz="1600" dirty="0" smtClean="0"/>
                         <a:t>(I)</a:t>
                       </a:r>
                       <a:r>
-                        <a:rPr lang="en-US" altLang="ko-KR" dirty="0" err="1" smtClean="0"/>
+                        <a:rPr lang="en-US" altLang="ko-KR" sz="1600" dirty="0" err="1" smtClean="0"/>
                         <a:t>userType</a:t>
                       </a:r>
-                      <a:endParaRPr lang="en-US" altLang="ko-KR" dirty="0" smtClean="0"/>
+                      <a:endParaRPr lang="en-US" altLang="ko-KR" sz="1600" dirty="0" smtClean="0"/>
                     </a:p>
                     <a:p>
                       <a:pPr algn="l" latinLnBrk="1"/>
                       <a:r>
-                        <a:rPr lang="en-US" altLang="ko-KR" dirty="0" smtClean="0"/>
+                        <a:rPr lang="en-US" altLang="ko-KR" sz="1600" dirty="0" smtClean="0"/>
                         <a:t>(S)name</a:t>
                       </a:r>
                     </a:p>
                     <a:p>
                       <a:pPr algn="l" latinLnBrk="1"/>
                       <a:r>
-                        <a:rPr lang="en-US" altLang="ko-KR" dirty="0" smtClean="0"/>
+                        <a:rPr lang="en-US" altLang="ko-KR" sz="1600" dirty="0" smtClean="0"/>
                         <a:t>(S)password</a:t>
                       </a:r>
                       <a:br>
-                        <a:rPr lang="en-US" altLang="ko-KR" dirty="0" smtClean="0"/>
+                        <a:rPr lang="en-US" altLang="ko-KR" sz="1600" dirty="0" smtClean="0"/>
                       </a:br>
                       <a:r>
-                        <a:rPr lang="en-US" altLang="ko-KR" dirty="0" smtClean="0"/>
+                        <a:rPr lang="en-US" altLang="ko-KR" sz="1600" dirty="0" smtClean="0"/>
                         <a:t>(S)hashed</a:t>
                       </a:r>
                     </a:p>
                     <a:p>
                       <a:pPr algn="l" latinLnBrk="1"/>
-                      <a:endParaRPr lang="ko-KR" altLang="en-US" dirty="0"/>
+                      <a:endParaRPr lang="ko-KR" altLang="en-US" sz="1600" dirty="0"/>
                     </a:p>
                   </a:txBody>
                   <a:tcPr anchor="ctr"/>
@@ -22672,74 +22669,69 @@
                     <a:p>
                       <a:pPr algn="l" latinLnBrk="1"/>
                       <a:r>
-                        <a:rPr lang="en-US" altLang="ko-KR" b="1" dirty="0" smtClean="0">
+                        <a:rPr lang="en-US" altLang="ko-KR" sz="1600" b="1" dirty="0" smtClean="0">
                           <a:solidFill>
                             <a:srgbClr val="0070C0"/>
                           </a:solidFill>
                         </a:rPr>
-                        <a:t>(</a:t>
-                      </a:r>
-                      <a:r>
-                        <a:rPr lang="en-US" altLang="ko-KR" b="1" dirty="0" smtClean="0">
+                        <a:t>(S)pC</a:t>
+                      </a:r>
+                      <a:r>
+                        <a:rPr lang="en-US" altLang="ko-KR" sz="1600" b="1" dirty="0" smtClean="0">
                           <a:solidFill>
-                            <a:srgbClr val="0070C0"/>
+                            <a:srgbClr val="7030A0"/>
                           </a:solidFill>
                         </a:rPr>
-                        <a:t>S)pCode_4</a:t>
-                      </a:r>
-                      <a:endParaRPr lang="en-US" altLang="ko-KR" b="1" dirty="0" smtClean="0">
-                        <a:solidFill>
-                          <a:srgbClr val="0070C0"/>
-                        </a:solidFill>
-                      </a:endParaRPr>
+                        <a:t>ode_4</a:t>
+                      </a:r>
                     </a:p>
                     <a:p>
                       <a:pPr algn="l" latinLnBrk="1"/>
                       <a:r>
-                        <a:rPr lang="en-US" altLang="ko-KR" dirty="0" smtClean="0"/>
+                        <a:rPr lang="en-US" altLang="ko-KR" sz="1600" dirty="0" smtClean="0"/>
                         <a:t>(S)</a:t>
                       </a:r>
                       <a:r>
-                        <a:rPr lang="en-US" altLang="ko-KR" dirty="0" err="1" smtClean="0"/>
+                        <a:rPr lang="en-US" altLang="ko-KR" sz="1600" dirty="0" err="1" smtClean="0"/>
                         <a:t>pName</a:t>
                       </a:r>
-                      <a:endParaRPr lang="en-US" altLang="ko-KR" dirty="0" smtClean="0"/>
+                      <a:endParaRPr lang="en-US" altLang="ko-KR" sz="1600" dirty="0" smtClean="0"/>
                     </a:p>
                     <a:p>
                       <a:pPr algn="l" latinLnBrk="1"/>
                       <a:r>
-                        <a:rPr lang="en-US" altLang="ko-KR" dirty="0" smtClean="0"/>
+                        <a:rPr lang="en-US" altLang="ko-KR" sz="1600" dirty="0" smtClean="0"/>
                         <a:t>(I)</a:t>
                       </a:r>
                       <a:r>
-                        <a:rPr lang="en-US" altLang="ko-KR" dirty="0" err="1" smtClean="0"/>
+                        <a:rPr lang="en-US" altLang="ko-KR" sz="1600" dirty="0" err="1" smtClean="0"/>
                         <a:t>pPrice</a:t>
                       </a:r>
-                      <a:endParaRPr lang="en-US" altLang="ko-KR" dirty="0" smtClean="0"/>
+                      <a:endParaRPr lang="en-US" altLang="ko-KR" sz="1600" dirty="0" smtClean="0"/>
                     </a:p>
                     <a:p>
                       <a:pPr algn="l" latinLnBrk="1"/>
                       <a:r>
-                        <a:rPr lang="en-US" altLang="ko-KR" dirty="0" smtClean="0"/>
+                        <a:rPr lang="en-US" altLang="ko-KR" sz="1600" dirty="0" smtClean="0"/>
                         <a:t>(I)</a:t>
                       </a:r>
                       <a:r>
-                        <a:rPr lang="en-US" altLang="ko-KR" dirty="0" err="1" smtClean="0"/>
+                        <a:rPr lang="en-US" altLang="ko-KR" sz="1600" dirty="0" err="1" smtClean="0"/>
                         <a:t>pQuantity</a:t>
                       </a:r>
-                      <a:endParaRPr lang="en-US" altLang="ko-KR" dirty="0" smtClean="0"/>
+                      <a:endParaRPr lang="en-US" altLang="ko-KR" sz="1600" dirty="0" smtClean="0"/>
                     </a:p>
                     <a:p>
                       <a:pPr algn="l" latinLnBrk="1"/>
                       <a:r>
-                        <a:rPr lang="en-US" altLang="ko-KR" dirty="0" smtClean="0"/>
+                        <a:rPr lang="en-US" altLang="ko-KR" sz="1600" dirty="0" smtClean="0"/>
                         <a:t>(S)</a:t>
                       </a:r>
                       <a:r>
-                        <a:rPr lang="en-US" altLang="ko-KR" dirty="0" err="1" smtClean="0"/>
+                        <a:rPr lang="en-US" altLang="ko-KR" sz="1600" dirty="0" err="1" smtClean="0"/>
                         <a:t>pImgSource</a:t>
                       </a:r>
-                      <a:endParaRPr lang="en-US" altLang="ko-KR" dirty="0" smtClean="0"/>
+                      <a:endParaRPr lang="en-US" altLang="ko-KR" sz="1600" dirty="0" smtClean="0"/>
                     </a:p>
                   </a:txBody>
                   <a:tcPr anchor="ctr"/>
@@ -22751,14 +22743,14 @@
                     <a:p>
                       <a:pPr algn="l" latinLnBrk="1"/>
                       <a:r>
-                        <a:rPr lang="en-US" altLang="ko-KR" b="1" dirty="0" smtClean="0"/>
+                        <a:rPr lang="en-US" altLang="ko-KR" sz="1600" b="1" dirty="0" smtClean="0"/>
                         <a:t>(I)</a:t>
                       </a:r>
                       <a:r>
-                        <a:rPr lang="en-US" altLang="ko-KR" b="1" dirty="0" err="1" smtClean="0"/>
+                        <a:rPr lang="en-US" altLang="ko-KR" sz="1600" b="1" dirty="0" err="1" smtClean="0"/>
                         <a:t>oNum</a:t>
                       </a:r>
-                      <a:endParaRPr lang="en-US" altLang="ko-KR" dirty="0" smtClean="0">
+                      <a:endParaRPr lang="en-US" altLang="ko-KR" sz="1600" dirty="0" smtClean="0">
                         <a:solidFill>
                           <a:srgbClr val="00B050"/>
                         </a:solidFill>
@@ -22767,7 +22759,7 @@
                     <a:p>
                       <a:pPr algn="l" latinLnBrk="1"/>
                       <a:r>
-                        <a:rPr lang="en-US" altLang="ko-KR" dirty="0" smtClean="0">
+                        <a:rPr lang="en-US" altLang="ko-KR" sz="1600" dirty="0" smtClean="0">
                           <a:solidFill>
                             <a:srgbClr val="0070C0"/>
                           </a:solidFill>
@@ -22775,14 +22767,14 @@
                         <a:t>(S)</a:t>
                       </a:r>
                       <a:r>
-                        <a:rPr lang="en-US" altLang="ko-KR" dirty="0" err="1" smtClean="0">
+                        <a:rPr lang="en-US" altLang="ko-KR" sz="1600" dirty="0" err="1" smtClean="0">
                           <a:solidFill>
                             <a:srgbClr val="0070C0"/>
                           </a:solidFill>
                         </a:rPr>
                         <a:t>oProductCode</a:t>
                       </a:r>
-                      <a:endParaRPr lang="en-US" altLang="ko-KR" dirty="0" smtClean="0">
+                      <a:endParaRPr lang="en-US" altLang="ko-KR" sz="1600" dirty="0" smtClean="0">
                         <a:solidFill>
                           <a:srgbClr val="0070C0"/>
                         </a:solidFill>
@@ -22791,42 +22783,34 @@
                     <a:p>
                       <a:pPr algn="l" latinLnBrk="1"/>
                       <a:r>
-                        <a:rPr lang="en-US" altLang="ko-KR" dirty="0" smtClean="0"/>
+                        <a:rPr lang="en-US" altLang="ko-KR" sz="1600" dirty="0" smtClean="0"/>
                         <a:t>(S)</a:t>
                       </a:r>
                       <a:r>
-                        <a:rPr lang="en-US" altLang="ko-KR" dirty="0" err="1" smtClean="0"/>
+                        <a:rPr lang="en-US" altLang="ko-KR" sz="1600" dirty="0" err="1" smtClean="0"/>
                         <a:t>oQuantity</a:t>
                       </a:r>
-                      <a:endParaRPr lang="en-US" altLang="ko-KR" dirty="0" smtClean="0"/>
+                      <a:endParaRPr lang="en-US" altLang="ko-KR" sz="1600" dirty="0" smtClean="0"/>
                     </a:p>
                     <a:p>
                       <a:pPr algn="l" latinLnBrk="1"/>
                       <a:r>
-                        <a:rPr lang="en-US" altLang="ko-KR" dirty="0" smtClean="0">
+                        <a:rPr lang="en-US" altLang="ko-KR" sz="1600" dirty="0" smtClean="0">
                           <a:solidFill>
                             <a:srgbClr val="00B050"/>
                           </a:solidFill>
                         </a:rPr>
-                        <a:t>(</a:t>
-                      </a:r>
-                      <a:r>
-                        <a:rPr lang="en-US" altLang="ko-KR" dirty="0" smtClean="0">
-                          <a:solidFill>
-                            <a:srgbClr val="00B050"/>
-                          </a:solidFill>
-                        </a:rPr>
-                        <a:t>S)</a:t>
-                      </a:r>
-                      <a:r>
-                        <a:rPr lang="en-US" altLang="ko-KR" dirty="0" err="1" smtClean="0">
+                        <a:t>(S)</a:t>
+                      </a:r>
+                      <a:r>
+                        <a:rPr lang="en-US" altLang="ko-KR" sz="1600" dirty="0" err="1" smtClean="0">
                           <a:solidFill>
                             <a:srgbClr val="00B050"/>
                           </a:solidFill>
                         </a:rPr>
                         <a:t>oInvoiceCode</a:t>
                       </a:r>
-                      <a:endParaRPr lang="en-US" altLang="ko-KR" dirty="0" smtClean="0">
+                      <a:endParaRPr lang="en-US" altLang="ko-KR" sz="1600" dirty="0" smtClean="0">
                         <a:solidFill>
                           <a:srgbClr val="00B050"/>
                         </a:solidFill>
@@ -22841,59 +22825,46 @@
                     <a:lstStyle/>
                     <a:p>
                       <a:r>
-                        <a:rPr lang="en-US" altLang="ko-KR" b="1" dirty="0" smtClean="0">
+                        <a:rPr lang="en-US" altLang="ko-KR" sz="1600" b="1" dirty="0" smtClean="0">
                           <a:solidFill>
                             <a:srgbClr val="00B050"/>
                           </a:solidFill>
                         </a:rPr>
-                        <a:t>(</a:t>
-                      </a:r>
-                      <a:r>
-                        <a:rPr lang="en-US" altLang="ko-KR" b="1" dirty="0" smtClean="0">
-                          <a:solidFill>
-                            <a:srgbClr val="00B050"/>
-                          </a:solidFill>
-                        </a:rPr>
-                        <a:t>S)iCode_13</a:t>
-                      </a:r>
-                      <a:endParaRPr lang="en-US" altLang="ko-KR" b="1" dirty="0" smtClean="0">
-                        <a:solidFill>
-                          <a:srgbClr val="00B050"/>
-                        </a:solidFill>
-                      </a:endParaRPr>
-                    </a:p>
-                    <a:p>
-                      <a:r>
-                        <a:rPr lang="en-US" altLang="ko-KR" dirty="0" smtClean="0"/>
+                        <a:t>(S)iCode_13</a:t>
+                      </a:r>
+                    </a:p>
+                    <a:p>
+                      <a:r>
+                        <a:rPr lang="en-US" altLang="ko-KR" sz="1600" dirty="0" smtClean="0"/>
                         <a:t>(S)</a:t>
                       </a:r>
                       <a:r>
-                        <a:rPr lang="en-US" altLang="ko-KR" dirty="0" err="1" smtClean="0"/>
+                        <a:rPr lang="en-US" altLang="ko-KR" sz="1600" dirty="0" err="1" smtClean="0"/>
                         <a:t>iName</a:t>
                       </a:r>
-                      <a:endParaRPr lang="en-US" altLang="ko-KR" dirty="0" smtClean="0"/>
-                    </a:p>
-                    <a:p>
-                      <a:r>
-                        <a:rPr lang="en-US" altLang="ko-KR" dirty="0" smtClean="0"/>
+                      <a:endParaRPr lang="en-US" altLang="ko-KR" sz="1600" dirty="0" smtClean="0"/>
+                    </a:p>
+                    <a:p>
+                      <a:r>
+                        <a:rPr lang="en-US" altLang="ko-KR" sz="1600" dirty="0" smtClean="0"/>
                         <a:t>(S)</a:t>
                       </a:r>
                       <a:r>
-                        <a:rPr lang="en-US" altLang="ko-KR" dirty="0" err="1" smtClean="0"/>
+                        <a:rPr lang="en-US" altLang="ko-KR" sz="1600" dirty="0" err="1" smtClean="0"/>
                         <a:t>iTel</a:t>
                       </a:r>
-                      <a:endParaRPr lang="en-US" altLang="ko-KR" dirty="0" smtClean="0"/>
-                    </a:p>
-                    <a:p>
-                      <a:r>
-                        <a:rPr lang="en-US" altLang="ko-KR" dirty="0" smtClean="0"/>
+                      <a:endParaRPr lang="en-US" altLang="ko-KR" sz="1600" dirty="0" smtClean="0"/>
+                    </a:p>
+                    <a:p>
+                      <a:r>
+                        <a:rPr lang="en-US" altLang="ko-KR" sz="1600" dirty="0" smtClean="0"/>
                         <a:t>(S)</a:t>
                       </a:r>
                       <a:r>
-                        <a:rPr lang="en-US" altLang="ko-KR" dirty="0" err="1" smtClean="0"/>
+                        <a:rPr lang="en-US" altLang="ko-KR" sz="1600" dirty="0" err="1" smtClean="0"/>
                         <a:t>iAddress</a:t>
                       </a:r>
-                      <a:endParaRPr lang="en-US" altLang="ko-KR" dirty="0" smtClean="0"/>
+                      <a:endParaRPr lang="en-US" altLang="ko-KR" sz="1600" dirty="0" smtClean="0"/>
                     </a:p>
                     <a:p>
                       <a:pPr marL="0" marR="0" indent="0" algn="l" defTabSz="914400" rtl="0" eaLnBrk="1" fontAlgn="auto" latinLnBrk="1" hangingPunct="1">
@@ -22914,7 +22885,7 @@
                         <a:defRPr/>
                       </a:pPr>
                       <a:r>
-                        <a:rPr lang="en-US" altLang="ko-KR" dirty="0" smtClean="0">
+                        <a:rPr lang="en-US" altLang="ko-KR" sz="1600" dirty="0" smtClean="0">
                           <a:solidFill>
                             <a:schemeClr val="tx1"/>
                           </a:solidFill>
@@ -22922,14 +22893,14 @@
                         <a:t>(S)</a:t>
                       </a:r>
                       <a:r>
-                        <a:rPr lang="en-US" altLang="ko-KR" dirty="0" err="1" smtClean="0">
+                        <a:rPr lang="en-US" altLang="ko-KR" sz="1600" dirty="0" err="1" smtClean="0">
                           <a:solidFill>
                             <a:schemeClr val="tx1"/>
                           </a:solidFill>
                         </a:rPr>
                         <a:t>iAreaCode</a:t>
                       </a:r>
-                      <a:endParaRPr lang="en-US" altLang="ko-KR" dirty="0" smtClean="0">
+                      <a:endParaRPr lang="en-US" altLang="ko-KR" sz="1600" dirty="0" smtClean="0">
                         <a:solidFill>
                           <a:schemeClr val="tx1"/>
                         </a:solidFill>
@@ -22954,7 +22925,7 @@
                         <a:defRPr/>
                       </a:pPr>
                       <a:r>
-                        <a:rPr lang="en-US" altLang="ko-KR" dirty="0" smtClean="0">
+                        <a:rPr lang="en-US" altLang="ko-KR" sz="1600" dirty="0" smtClean="0">
                           <a:solidFill>
                             <a:schemeClr val="tx1"/>
                           </a:solidFill>
@@ -22962,14 +22933,14 @@
                         <a:t>(D)</a:t>
                       </a:r>
                       <a:r>
-                        <a:rPr lang="en-US" altLang="ko-KR" dirty="0" err="1" smtClean="0">
+                        <a:rPr lang="en-US" altLang="ko-KR" sz="1600" dirty="0" err="1" smtClean="0">
                           <a:solidFill>
                             <a:schemeClr val="tx1"/>
                           </a:solidFill>
                         </a:rPr>
                         <a:t>iDate</a:t>
                       </a:r>
-                      <a:endParaRPr lang="en-US" altLang="ko-KR" dirty="0" smtClean="0">
+                      <a:endParaRPr lang="en-US" altLang="ko-KR" sz="1600" dirty="0" smtClean="0">
                         <a:solidFill>
                           <a:schemeClr val="tx1"/>
                         </a:solidFill>
@@ -22994,7 +22965,7 @@
                         <a:defRPr/>
                       </a:pPr>
                       <a:r>
-                        <a:rPr lang="en-US" altLang="ko-KR" dirty="0" smtClean="0">
+                        <a:rPr lang="en-US" altLang="ko-KR" sz="1600" dirty="0" smtClean="0">
                           <a:solidFill>
                             <a:schemeClr val="tx1"/>
                           </a:solidFill>
@@ -23002,14 +22973,14 @@
                         <a:t>(I)</a:t>
                       </a:r>
                       <a:r>
-                        <a:rPr lang="en-US" altLang="ko-KR" dirty="0" err="1" smtClean="0">
+                        <a:rPr lang="en-US" altLang="ko-KR" sz="1600" dirty="0" err="1" smtClean="0">
                           <a:solidFill>
                             <a:schemeClr val="tx1"/>
                           </a:solidFill>
                         </a:rPr>
                         <a:t>iState</a:t>
                       </a:r>
-                      <a:endParaRPr lang="en-US" altLang="ko-KR" dirty="0" smtClean="0">
+                      <a:endParaRPr lang="en-US" altLang="ko-KR" sz="1600" dirty="0" smtClean="0">
                         <a:solidFill>
                           <a:schemeClr val="tx1"/>
                         </a:solidFill>
@@ -23041,26 +23012,13 @@
                         <a:defRPr/>
                       </a:pPr>
                       <a:r>
-                        <a:rPr lang="en-US" altLang="ko-KR" b="1" dirty="0" smtClean="0">
+                        <a:rPr lang="en-US" altLang="ko-KR" sz="1600" b="1" dirty="0" smtClean="0">
                           <a:solidFill>
                             <a:schemeClr val="tx1"/>
                           </a:solidFill>
                         </a:rPr>
-                        <a:t>(</a:t>
-                      </a:r>
-                      <a:r>
-                        <a:rPr lang="en-US" altLang="ko-KR" b="1" dirty="0" smtClean="0">
-                          <a:solidFill>
-                            <a:schemeClr val="tx1"/>
-                          </a:solidFill>
-                        </a:rPr>
-                        <a:t>S)sCode_10</a:t>
-                      </a:r>
-                      <a:endParaRPr lang="en-US" altLang="ko-KR" b="1" dirty="0" smtClean="0">
-                        <a:solidFill>
-                          <a:schemeClr val="tx1"/>
-                        </a:solidFill>
-                      </a:endParaRPr>
+                        <a:t>(S)sCode_10</a:t>
+                      </a:r>
                     </a:p>
                     <a:p>
                       <a:pPr marL="0" marR="0" indent="0" algn="l" defTabSz="914400" rtl="0" eaLnBrk="1" fontAlgn="auto" latinLnBrk="1" hangingPunct="1">
@@ -23081,24 +23039,24 @@
                         <a:defRPr/>
                       </a:pPr>
                       <a:r>
-                        <a:rPr lang="en-US" altLang="ko-KR" dirty="0" smtClean="0">
+                        <a:rPr lang="en-US" altLang="ko-KR" sz="1600" dirty="0" smtClean="0">
                           <a:solidFill>
-                            <a:srgbClr val="0070C0"/>
+                            <a:srgbClr val="7030A0"/>
                           </a:solidFill>
                         </a:rPr>
                         <a:t>(S)</a:t>
                       </a:r>
                       <a:r>
-                        <a:rPr lang="en-US" altLang="ko-KR" dirty="0" err="1" smtClean="0">
+                        <a:rPr lang="en-US" altLang="ko-KR" sz="1600" dirty="0" err="1" smtClean="0">
                           <a:solidFill>
-                            <a:srgbClr val="0070C0"/>
+                            <a:srgbClr val="7030A0"/>
                           </a:solidFill>
                         </a:rPr>
                         <a:t>sProductCode</a:t>
                       </a:r>
-                      <a:endParaRPr lang="en-US" altLang="ko-KR" dirty="0" smtClean="0">
+                      <a:endParaRPr lang="en-US" altLang="ko-KR" sz="1600" dirty="0" smtClean="0">
                         <a:solidFill>
-                          <a:srgbClr val="0070C0"/>
+                          <a:srgbClr val="7030A0"/>
                         </a:solidFill>
                       </a:endParaRPr>
                     </a:p>
@@ -23121,7 +23079,7 @@
                         <a:defRPr/>
                       </a:pPr>
                       <a:r>
-                        <a:rPr lang="en-US" altLang="ko-KR" dirty="0" smtClean="0">
+                        <a:rPr lang="en-US" altLang="ko-KR" sz="1600" dirty="0" smtClean="0">
                           <a:solidFill>
                             <a:schemeClr val="tx1"/>
                           </a:solidFill>
@@ -23129,14 +23087,14 @@
                         <a:t>(D)</a:t>
                       </a:r>
                       <a:r>
-                        <a:rPr lang="en-US" altLang="ko-KR" dirty="0" err="1" smtClean="0">
+                        <a:rPr lang="en-US" altLang="ko-KR" sz="1600" dirty="0" err="1" smtClean="0">
                           <a:solidFill>
                             <a:schemeClr val="tx1"/>
                           </a:solidFill>
                         </a:rPr>
                         <a:t>sDate</a:t>
                       </a:r>
-                      <a:endParaRPr lang="en-US" altLang="ko-KR" dirty="0" smtClean="0">
+                      <a:endParaRPr lang="en-US" altLang="ko-KR" sz="1600" dirty="0" smtClean="0">
                         <a:solidFill>
                           <a:schemeClr val="tx1"/>
                         </a:solidFill>
@@ -23161,7 +23119,7 @@
                         <a:defRPr/>
                       </a:pPr>
                       <a:r>
-                        <a:rPr lang="en-US" altLang="ko-KR" dirty="0" smtClean="0">
+                        <a:rPr lang="en-US" altLang="ko-KR" sz="1600" dirty="0" smtClean="0">
                           <a:solidFill>
                             <a:schemeClr val="tx1"/>
                           </a:solidFill>
@@ -23169,14 +23127,14 @@
                         <a:t>(I)</a:t>
                       </a:r>
                       <a:r>
-                        <a:rPr lang="en-US" altLang="ko-KR" dirty="0" err="1" smtClean="0">
+                        <a:rPr lang="en-US" altLang="ko-KR" sz="1600" dirty="0" err="1" smtClean="0">
                           <a:solidFill>
                             <a:schemeClr val="tx1"/>
                           </a:solidFill>
                         </a:rPr>
                         <a:t>sQuantity</a:t>
                       </a:r>
-                      <a:endParaRPr lang="en-US" altLang="ko-KR" dirty="0" smtClean="0">
+                      <a:endParaRPr lang="en-US" altLang="ko-KR" sz="1600" dirty="0" smtClean="0">
                         <a:solidFill>
                           <a:schemeClr val="tx1"/>
                         </a:solidFill>
@@ -23201,7 +23159,7 @@
                         <a:defRPr/>
                       </a:pPr>
                       <a:r>
-                        <a:rPr lang="en-US" altLang="ko-KR" dirty="0" smtClean="0">
+                        <a:rPr lang="en-US" altLang="ko-KR" sz="1600" dirty="0" smtClean="0">
                           <a:solidFill>
                             <a:schemeClr val="tx1"/>
                           </a:solidFill>
@@ -23209,14 +23167,14 @@
                         <a:t>(I)</a:t>
                       </a:r>
                       <a:r>
-                        <a:rPr lang="en-US" altLang="ko-KR" dirty="0" err="1" smtClean="0">
+                        <a:rPr lang="en-US" altLang="ko-KR" sz="1600" dirty="0" err="1" smtClean="0">
                           <a:solidFill>
                             <a:schemeClr val="tx1"/>
                           </a:solidFill>
                         </a:rPr>
                         <a:t>sState</a:t>
                       </a:r>
-                      <a:endParaRPr lang="en-US" altLang="ko-KR" dirty="0" smtClean="0">
+                      <a:endParaRPr lang="en-US" altLang="ko-KR" sz="1600" dirty="0" smtClean="0">
                         <a:solidFill>
                           <a:schemeClr val="tx1"/>
                         </a:solidFill>
@@ -23365,7 +23323,6 @@
                         <a:rPr lang="en-US" altLang="ko-KR" dirty="0" smtClean="0"/>
                         <a:t> = </a:t>
                       </a:r>
-                      <a:endParaRPr lang="en-US" altLang="ko-KR" dirty="0" smtClean="0"/>
                     </a:p>
                     <a:p>
                       <a:pPr algn="ctr"/>
@@ -23426,7 +23383,6 @@
                         <a:rPr lang="en-US" altLang="ko-KR" dirty="0" smtClean="0"/>
                         <a:t>)</a:t>
                       </a:r>
-                      <a:endParaRPr lang="en-US" altLang="ko-KR" dirty="0" smtClean="0"/>
                     </a:p>
                   </a:txBody>
                   <a:tcPr anchor="ctr"/>
@@ -23449,8 +23405,8 @@
                     <a:p>
                       <a:pPr algn="ctr" latinLnBrk="1"/>
                       <a:r>
-                        <a:rPr lang="ko-KR" altLang="en-US" dirty="0" smtClean="0"/>
-                        <a:t>공급처구분</a:t>
+                        <a:rPr lang="ko-KR" altLang="en-US" dirty="0" err="1" smtClean="0"/>
+                        <a:t>공급사구분</a:t>
                       </a:r>
                       <a:r>
                         <a:rPr lang="en-US" altLang="ko-KR" dirty="0" smtClean="0"/>
@@ -23494,7 +23450,6 @@
                         <a:rPr lang="en-US" altLang="ko-KR" dirty="0" smtClean="0"/>
                         <a:t>)</a:t>
                       </a:r>
-                      <a:endParaRPr lang="en-US" altLang="ko-KR" dirty="0" smtClean="0"/>
                     </a:p>
                   </a:txBody>
                   <a:tcPr anchor="ctr"/>
@@ -23508,10 +23463,10 @@
                     <a:p>
                       <a:pPr algn="ctr" latinLnBrk="1"/>
                       <a:r>
-                        <a:rPr lang="ko-KR" altLang="en-US" b="1" dirty="0" smtClean="0"/>
+                        <a:rPr lang="ko-KR" altLang="en-US" sz="1600" b="1" dirty="0" smtClean="0"/>
                         <a:t>자동생성</a:t>
                       </a:r>
-                      <a:endParaRPr lang="ko-KR" altLang="en-US" b="1" dirty="0"/>
+                      <a:endParaRPr lang="ko-KR" altLang="en-US" sz="1600" b="1" dirty="0"/>
                     </a:p>
                   </a:txBody>
                   <a:tcPr anchor="ctr"/>
@@ -23544,6 +23499,10 @@
                     <a:lstStyle/>
                     <a:p>
                       <a:pPr algn="ctr" latinLnBrk="1"/>
+                      <a:r>
+                        <a:rPr lang="en-US" altLang="ko-KR" smtClean="0"/>
+                        <a:t> </a:t>
+                      </a:r>
                       <a:endParaRPr lang="ko-KR" altLang="en-US" dirty="0"/>
                     </a:p>
                   </a:txBody>
@@ -24750,7 +24709,15 @@
                 </a:r>
                 <a:r>
                   <a:rPr lang="ko-KR" altLang="en-US" sz="1600" dirty="0" smtClean="0"/>
-                  <a:t>운송업체      구입처운영자</a:t>
+                  <a:t>운송업체      공급</a:t>
+                </a:r>
+                <a:r>
+                  <a:rPr lang="ko-KR" altLang="en-US" sz="1600" dirty="0"/>
+                  <a:t>사</a:t>
+                </a:r>
+                <a:r>
+                  <a:rPr lang="ko-KR" altLang="en-US" sz="1600" dirty="0" smtClean="0"/>
+                  <a:t>운영자</a:t>
                 </a:r>
                 <a:endParaRPr lang="ko-KR" altLang="en-US" sz="1600" dirty="0"/>
               </a:p>

--- a/BluePPT.pptx
+++ b/BluePPT.pptx
@@ -317,11 +317,11 @@
         </c:dLbls>
         <c:marker val="1"/>
         <c:smooth val="0"/>
-        <c:axId val="40425984"/>
-        <c:axId val="117188864"/>
+        <c:axId val="34799104"/>
+        <c:axId val="33577728"/>
       </c:lineChart>
       <c:catAx>
-        <c:axId val="40425984"/>
+        <c:axId val="34799104"/>
         <c:scaling>
           <c:orientation val="minMax"/>
         </c:scaling>
@@ -330,7 +330,7 @@
         <c:majorTickMark val="out"/>
         <c:minorTickMark val="none"/>
         <c:tickLblPos val="nextTo"/>
-        <c:crossAx val="117188864"/>
+        <c:crossAx val="33577728"/>
         <c:crosses val="autoZero"/>
         <c:auto val="1"/>
         <c:lblAlgn val="ctr"/>
@@ -338,7 +338,7 @@
         <c:noMultiLvlLbl val="0"/>
       </c:catAx>
       <c:valAx>
-        <c:axId val="117188864"/>
+        <c:axId val="33577728"/>
         <c:scaling>
           <c:orientation val="minMax"/>
         </c:scaling>
@@ -349,7 +349,7 @@
         <c:majorTickMark val="out"/>
         <c:minorTickMark val="none"/>
         <c:tickLblPos val="nextTo"/>
-        <c:crossAx val="40425984"/>
+        <c:crossAx val="34799104"/>
         <c:crosses val="autoZero"/>
         <c:crossBetween val="between"/>
       </c:valAx>
@@ -650,11 +650,11 @@
         </c:dLbls>
         <c:marker val="1"/>
         <c:smooth val="0"/>
-        <c:axId val="52425728"/>
-        <c:axId val="90851584"/>
+        <c:axId val="130592256"/>
+        <c:axId val="33596544"/>
       </c:lineChart>
       <c:catAx>
-        <c:axId val="52425728"/>
+        <c:axId val="130592256"/>
         <c:scaling>
           <c:orientation val="minMax"/>
         </c:scaling>
@@ -663,7 +663,7 @@
         <c:majorTickMark val="out"/>
         <c:minorTickMark val="none"/>
         <c:tickLblPos val="nextTo"/>
-        <c:crossAx val="90851584"/>
+        <c:crossAx val="33596544"/>
         <c:crosses val="autoZero"/>
         <c:auto val="1"/>
         <c:lblAlgn val="ctr"/>
@@ -671,7 +671,7 @@
         <c:noMultiLvlLbl val="0"/>
       </c:catAx>
       <c:valAx>
-        <c:axId val="90851584"/>
+        <c:axId val="33596544"/>
         <c:scaling>
           <c:orientation val="minMax"/>
         </c:scaling>
@@ -682,7 +682,7 @@
         <c:majorTickMark val="out"/>
         <c:minorTickMark val="none"/>
         <c:tickLblPos val="nextTo"/>
-        <c:crossAx val="52425728"/>
+        <c:crossAx val="130592256"/>
         <c:crosses val="autoZero"/>
         <c:crossBetween val="between"/>
       </c:valAx>
@@ -810,6 +810,7 @@
     </c:plotArea>
     <c:legend>
       <c:legendPos val="r"/>
+      <c:layout/>
       <c:overlay val="0"/>
     </c:legend>
     <c:plotVisOnly val="1"/>
@@ -982,11 +983,11 @@
         </c:dLbls>
         <c:marker val="1"/>
         <c:smooth val="0"/>
-        <c:axId val="51771904"/>
-        <c:axId val="90852736"/>
+        <c:axId val="142966784"/>
+        <c:axId val="33602304"/>
       </c:lineChart>
       <c:catAx>
-        <c:axId val="51771904"/>
+        <c:axId val="142966784"/>
         <c:scaling>
           <c:orientation val="minMax"/>
         </c:scaling>
@@ -995,7 +996,7 @@
         <c:majorTickMark val="out"/>
         <c:minorTickMark val="none"/>
         <c:tickLblPos val="nextTo"/>
-        <c:crossAx val="90852736"/>
+        <c:crossAx val="33602304"/>
         <c:crosses val="autoZero"/>
         <c:auto val="1"/>
         <c:lblAlgn val="ctr"/>
@@ -1003,7 +1004,7 @@
         <c:noMultiLvlLbl val="0"/>
       </c:catAx>
       <c:valAx>
-        <c:axId val="90852736"/>
+        <c:axId val="33602304"/>
         <c:scaling>
           <c:orientation val="minMax"/>
         </c:scaling>
@@ -1014,7 +1015,7 @@
         <c:majorTickMark val="out"/>
         <c:minorTickMark val="none"/>
         <c:tickLblPos val="nextTo"/>
-        <c:crossAx val="51771904"/>
+        <c:crossAx val="142966784"/>
         <c:crosses val="autoZero"/>
         <c:crossBetween val="between"/>
       </c:valAx>
@@ -1246,7 +1247,7 @@
           <a:p>
             <a:fld id="{B1AC4F1E-7C5C-4AF3-8078-9105627E20EC}" type="datetimeFigureOut">
               <a:rPr lang="ko-KR" altLang="en-US" smtClean="0"/>
-              <a:t>2019-05-07</a:t>
+              <a:t>2019-05-08</a:t>
             </a:fld>
             <a:endParaRPr lang="ko-KR" altLang="en-US"/>
           </a:p>
@@ -1900,7 +1901,7 @@
           <a:p>
             <a:fld id="{5461D8C1-8742-4899-8C54-88F14E68CB8A}" type="datetimeFigureOut">
               <a:rPr lang="ko-KR" altLang="en-US" smtClean="0"/>
-              <a:t>2019-05-07</a:t>
+              <a:t>2019-05-08</a:t>
             </a:fld>
             <a:endParaRPr lang="ko-KR" altLang="en-US"/>
           </a:p>
@@ -2213,7 +2214,7 @@
           <a:p>
             <a:fld id="{5461D8C1-8742-4899-8C54-88F14E68CB8A}" type="datetimeFigureOut">
               <a:rPr lang="ko-KR" altLang="en-US" smtClean="0"/>
-              <a:t>2019-05-07</a:t>
+              <a:t>2019-05-08</a:t>
             </a:fld>
             <a:endParaRPr lang="ko-KR" altLang="en-US"/>
           </a:p>
@@ -2398,7 +2399,7 @@
           <a:p>
             <a:fld id="{5461D8C1-8742-4899-8C54-88F14E68CB8A}" type="datetimeFigureOut">
               <a:rPr lang="ko-KR" altLang="en-US" smtClean="0"/>
-              <a:t>2019-05-07</a:t>
+              <a:t>2019-05-08</a:t>
             </a:fld>
             <a:endParaRPr lang="ko-KR" altLang="en-US"/>
           </a:p>
@@ -2573,7 +2574,7 @@
           <a:p>
             <a:fld id="{5461D8C1-8742-4899-8C54-88F14E68CB8A}" type="datetimeFigureOut">
               <a:rPr lang="ko-KR" altLang="en-US" smtClean="0"/>
-              <a:t>2019-05-07</a:t>
+              <a:t>2019-05-08</a:t>
             </a:fld>
             <a:endParaRPr lang="ko-KR" altLang="en-US"/>
           </a:p>
@@ -2841,7 +2842,7 @@
           <a:p>
             <a:fld id="{5461D8C1-8742-4899-8C54-88F14E68CB8A}" type="datetimeFigureOut">
               <a:rPr lang="ko-KR" altLang="en-US" smtClean="0"/>
-              <a:t>2019-05-07</a:t>
+              <a:t>2019-05-08</a:t>
             </a:fld>
             <a:endParaRPr lang="ko-KR" altLang="en-US"/>
           </a:p>
@@ -3309,7 +3310,7 @@
           <a:p>
             <a:fld id="{5461D8C1-8742-4899-8C54-88F14E68CB8A}" type="datetimeFigureOut">
               <a:rPr lang="ko-KR" altLang="en-US" smtClean="0"/>
-              <a:t>2019-05-07</a:t>
+              <a:t>2019-05-08</a:t>
             </a:fld>
             <a:endParaRPr lang="ko-KR" altLang="en-US"/>
           </a:p>
@@ -3798,7 +3799,7 @@
           <a:p>
             <a:fld id="{5461D8C1-8742-4899-8C54-88F14E68CB8A}" type="datetimeFigureOut">
               <a:rPr lang="ko-KR" altLang="en-US" smtClean="0"/>
-              <a:t>2019-05-07</a:t>
+              <a:t>2019-05-08</a:t>
             </a:fld>
             <a:endParaRPr lang="ko-KR" altLang="en-US"/>
           </a:p>
@@ -3924,7 +3925,7 @@
           <a:p>
             <a:fld id="{5461D8C1-8742-4899-8C54-88F14E68CB8A}" type="datetimeFigureOut">
               <a:rPr lang="ko-KR" altLang="en-US" smtClean="0"/>
-              <a:t>2019-05-07</a:t>
+              <a:t>2019-05-08</a:t>
             </a:fld>
             <a:endParaRPr lang="ko-KR" altLang="en-US"/>
           </a:p>
@@ -4068,7 +4069,7 @@
           <a:p>
             <a:fld id="{5461D8C1-8742-4899-8C54-88F14E68CB8A}" type="datetimeFigureOut">
               <a:rPr lang="ko-KR" altLang="en-US" smtClean="0"/>
-              <a:t>2019-05-07</a:t>
+              <a:t>2019-05-08</a:t>
             </a:fld>
             <a:endParaRPr lang="ko-KR" altLang="en-US"/>
           </a:p>
@@ -4390,7 +4391,7 @@
           <a:p>
             <a:fld id="{5461D8C1-8742-4899-8C54-88F14E68CB8A}" type="datetimeFigureOut">
               <a:rPr lang="ko-KR" altLang="en-US" smtClean="0"/>
-              <a:t>2019-05-07</a:t>
+              <a:t>2019-05-08</a:t>
             </a:fld>
             <a:endParaRPr lang="ko-KR" altLang="en-US"/>
           </a:p>
@@ -4524,7 +4525,7 @@
           <a:p>
             <a:fld id="{5461D8C1-8742-4899-8C54-88F14E68CB8A}" type="datetimeFigureOut">
               <a:rPr lang="ko-KR" altLang="en-US" smtClean="0"/>
-              <a:t>2019-05-07</a:t>
+              <a:t>2019-05-08</a:t>
             </a:fld>
             <a:endParaRPr lang="ko-KR" altLang="en-US"/>
           </a:p>
@@ -5305,7 +5306,7 @@
           <a:p>
             <a:fld id="{5461D8C1-8742-4899-8C54-88F14E68CB8A}" type="datetimeFigureOut">
               <a:rPr lang="ko-KR" altLang="en-US" smtClean="0"/>
-              <a:t>2019-05-07</a:t>
+              <a:t>2019-05-08</a:t>
             </a:fld>
             <a:endParaRPr lang="ko-KR" altLang="en-US"/>
           </a:p>
@@ -22342,7 +22343,7 @@
           <p:nvPr>
             <p:extLst>
               <p:ext uri="{D42A27DB-BD31-4B8C-83A1-F6EECF244321}">
-                <p14:modId xmlns:p14="http://schemas.microsoft.com/office/powerpoint/2010/main" val="1245454176"/>
+                <p14:modId xmlns:p14="http://schemas.microsoft.com/office/powerpoint/2010/main" val="2031403726"/>
               </p:ext>
             </p:extLst>
           </p:nvPr>
@@ -22925,20 +22926,20 @@
                         <a:defRPr/>
                       </a:pPr>
                       <a:r>
-                        <a:rPr lang="en-US" altLang="ko-KR" sz="1600" dirty="0" smtClean="0">
+                        <a:rPr lang="en-US" altLang="ko-KR" sz="1600" smtClean="0">
                           <a:solidFill>
                             <a:schemeClr val="tx1"/>
                           </a:solidFill>
                         </a:rPr>
-                        <a:t>(D)</a:t>
-                      </a:r>
-                      <a:r>
-                        <a:rPr lang="en-US" altLang="ko-KR" sz="1600" dirty="0" err="1" smtClean="0">
+                        <a:t>(</a:t>
+                      </a:r>
+                      <a:r>
+                        <a:rPr lang="en-US" altLang="ko-KR" sz="1600" smtClean="0">
                           <a:solidFill>
                             <a:schemeClr val="tx1"/>
                           </a:solidFill>
                         </a:rPr>
-                        <a:t>iDate</a:t>
+                        <a:t>DT)iDate</a:t>
                       </a:r>
                       <a:endParaRPr lang="en-US" altLang="ko-KR" sz="1600" dirty="0" smtClean="0">
                         <a:solidFill>
